--- a/Output/毕设答辩_赵杰_1452047.pptx
+++ b/Output/毕设答辩_赵杰_1452047.pptx
@@ -4,6 +4,9 @@
   <p:sldMasterIdLst>
     <p:sldMasterId id="2147483648" r:id="rId1"/>
   </p:sldMasterIdLst>
+  <p:notesMasterIdLst>
+    <p:notesMasterId r:id="rId20"/>
+  </p:notesMasterIdLst>
   <p:sldIdLst>
     <p:sldId id="256" r:id="rId2"/>
     <p:sldId id="258" r:id="rId3"/>
@@ -2377,6 +2380,439 @@
 </cs:chartStyle>
 </file>
 
+<file path=ppt/notesMasters/notesMaster1.xml><?xml version="1.0" encoding="utf-8"?>
+<p:notesMaster xmlns:a="http://schemas.openxmlformats.org/drawingml/2006/main" xmlns:r="http://schemas.openxmlformats.org/officeDocument/2006/relationships" xmlns:p="http://schemas.openxmlformats.org/presentationml/2006/main">
+  <p:cSld>
+    <p:bg>
+      <p:bgRef idx="1001">
+        <a:schemeClr val="bg1"/>
+      </p:bgRef>
+    </p:bg>
+    <p:spTree>
+      <p:nvGrpSpPr>
+        <p:cNvPr id="1" name=""/>
+        <p:cNvGrpSpPr/>
+        <p:nvPr/>
+      </p:nvGrpSpPr>
+      <p:grpSpPr>
+        <a:xfrm>
+          <a:off x="0" y="0"/>
+          <a:ext cx="0" cy="0"/>
+          <a:chOff x="0" y="0"/>
+          <a:chExt cx="0" cy="0"/>
+        </a:xfrm>
+      </p:grpSpPr>
+      <p:sp>
+        <p:nvSpPr>
+          <p:cNvPr id="2" name="页眉占位符 1"/>
+          <p:cNvSpPr>
+            <a:spLocks noGrp="1"/>
+          </p:cNvSpPr>
+          <p:nvPr>
+            <p:ph type="hdr" sz="quarter"/>
+          </p:nvPr>
+        </p:nvSpPr>
+        <p:spPr>
+          <a:xfrm>
+            <a:off x="0" y="0"/>
+            <a:ext cx="2971800" cy="458788"/>
+          </a:xfrm>
+          <a:prstGeom prst="rect">
+            <a:avLst/>
+          </a:prstGeom>
+        </p:spPr>
+        <p:txBody>
+          <a:bodyPr vert="horz" lIns="91440" tIns="45720" rIns="91440" bIns="45720" rtlCol="0"/>
+          <a:lstStyle>
+            <a:lvl1pPr algn="l">
+              <a:defRPr sz="1200"/>
+            </a:lvl1pPr>
+          </a:lstStyle>
+          <a:p>
+            <a:endParaRPr lang="zh-CN" altLang="en-US"/>
+          </a:p>
+        </p:txBody>
+      </p:sp>
+      <p:sp>
+        <p:nvSpPr>
+          <p:cNvPr id="3" name="日期占位符 2"/>
+          <p:cNvSpPr>
+            <a:spLocks noGrp="1"/>
+          </p:cNvSpPr>
+          <p:nvPr>
+            <p:ph type="dt" idx="1"/>
+          </p:nvPr>
+        </p:nvSpPr>
+        <p:spPr>
+          <a:xfrm>
+            <a:off x="3884613" y="0"/>
+            <a:ext cx="2971800" cy="458788"/>
+          </a:xfrm>
+          <a:prstGeom prst="rect">
+            <a:avLst/>
+          </a:prstGeom>
+        </p:spPr>
+        <p:txBody>
+          <a:bodyPr vert="horz" lIns="91440" tIns="45720" rIns="91440" bIns="45720" rtlCol="0"/>
+          <a:lstStyle>
+            <a:lvl1pPr algn="r">
+              <a:defRPr sz="1200"/>
+            </a:lvl1pPr>
+          </a:lstStyle>
+          <a:p>
+            <a:fld id="{C13F6FF0-6F31-4DBF-A3A5-9680E497C433}" type="datetimeFigureOut">
+              <a:rPr lang="zh-CN" altLang="en-US" smtClean="0"/>
+              <a:t>2019/6/10</a:t>
+            </a:fld>
+            <a:endParaRPr lang="zh-CN" altLang="en-US"/>
+          </a:p>
+        </p:txBody>
+      </p:sp>
+      <p:sp>
+        <p:nvSpPr>
+          <p:cNvPr id="4" name="幻灯片图像占位符 3"/>
+          <p:cNvSpPr>
+            <a:spLocks noGrp="1" noRot="1" noChangeAspect="1"/>
+          </p:cNvSpPr>
+          <p:nvPr>
+            <p:ph type="sldImg" idx="2"/>
+          </p:nvPr>
+        </p:nvSpPr>
+        <p:spPr>
+          <a:xfrm>
+            <a:off x="685800" y="1143000"/>
+            <a:ext cx="5486400" cy="3086100"/>
+          </a:xfrm>
+          <a:prstGeom prst="rect">
+            <a:avLst/>
+          </a:prstGeom>
+          <a:noFill/>
+          <a:ln w="12700">
+            <a:solidFill>
+              <a:prstClr val="black"/>
+            </a:solidFill>
+          </a:ln>
+        </p:spPr>
+        <p:txBody>
+          <a:bodyPr vert="horz" lIns="91440" tIns="45720" rIns="91440" bIns="45720" rtlCol="0" anchor="ctr"/>
+          <a:lstStyle/>
+          <a:p>
+            <a:endParaRPr lang="zh-CN" altLang="en-US"/>
+          </a:p>
+        </p:txBody>
+      </p:sp>
+      <p:sp>
+        <p:nvSpPr>
+          <p:cNvPr id="5" name="备注占位符 4"/>
+          <p:cNvSpPr>
+            <a:spLocks noGrp="1"/>
+          </p:cNvSpPr>
+          <p:nvPr>
+            <p:ph type="body" sz="quarter" idx="3"/>
+          </p:nvPr>
+        </p:nvSpPr>
+        <p:spPr>
+          <a:xfrm>
+            <a:off x="685800" y="4400550"/>
+            <a:ext cx="5486400" cy="3600450"/>
+          </a:xfrm>
+          <a:prstGeom prst="rect">
+            <a:avLst/>
+          </a:prstGeom>
+        </p:spPr>
+        <p:txBody>
+          <a:bodyPr vert="horz" lIns="91440" tIns="45720" rIns="91440" bIns="45720" rtlCol="0"/>
+          <a:lstStyle/>
+          <a:p>
+            <a:pPr lvl="0"/>
+            <a:r>
+              <a:rPr lang="zh-CN" altLang="en-US"/>
+              <a:t>单击此处编辑母版文本样式</a:t>
+            </a:r>
+          </a:p>
+          <a:p>
+            <a:pPr lvl="1"/>
+            <a:r>
+              <a:rPr lang="zh-CN" altLang="en-US"/>
+              <a:t>二级</a:t>
+            </a:r>
+          </a:p>
+          <a:p>
+            <a:pPr lvl="2"/>
+            <a:r>
+              <a:rPr lang="zh-CN" altLang="en-US"/>
+              <a:t>三级</a:t>
+            </a:r>
+          </a:p>
+          <a:p>
+            <a:pPr lvl="3"/>
+            <a:r>
+              <a:rPr lang="zh-CN" altLang="en-US"/>
+              <a:t>四级</a:t>
+            </a:r>
+          </a:p>
+          <a:p>
+            <a:pPr lvl="4"/>
+            <a:r>
+              <a:rPr lang="zh-CN" altLang="en-US"/>
+              <a:t>五级</a:t>
+            </a:r>
+          </a:p>
+        </p:txBody>
+      </p:sp>
+      <p:sp>
+        <p:nvSpPr>
+          <p:cNvPr id="6" name="页脚占位符 5"/>
+          <p:cNvSpPr>
+            <a:spLocks noGrp="1"/>
+          </p:cNvSpPr>
+          <p:nvPr>
+            <p:ph type="ftr" sz="quarter" idx="4"/>
+          </p:nvPr>
+        </p:nvSpPr>
+        <p:spPr>
+          <a:xfrm>
+            <a:off x="0" y="8685213"/>
+            <a:ext cx="2971800" cy="458787"/>
+          </a:xfrm>
+          <a:prstGeom prst="rect">
+            <a:avLst/>
+          </a:prstGeom>
+        </p:spPr>
+        <p:txBody>
+          <a:bodyPr vert="horz" lIns="91440" tIns="45720" rIns="91440" bIns="45720" rtlCol="0" anchor="b"/>
+          <a:lstStyle>
+            <a:lvl1pPr algn="l">
+              <a:defRPr sz="1200"/>
+            </a:lvl1pPr>
+          </a:lstStyle>
+          <a:p>
+            <a:endParaRPr lang="zh-CN" altLang="en-US"/>
+          </a:p>
+        </p:txBody>
+      </p:sp>
+      <p:sp>
+        <p:nvSpPr>
+          <p:cNvPr id="7" name="灯片编号占位符 6"/>
+          <p:cNvSpPr>
+            <a:spLocks noGrp="1"/>
+          </p:cNvSpPr>
+          <p:nvPr>
+            <p:ph type="sldNum" sz="quarter" idx="5"/>
+          </p:nvPr>
+        </p:nvSpPr>
+        <p:spPr>
+          <a:xfrm>
+            <a:off x="3884613" y="8685213"/>
+            <a:ext cx="2971800" cy="458787"/>
+          </a:xfrm>
+          <a:prstGeom prst="rect">
+            <a:avLst/>
+          </a:prstGeom>
+        </p:spPr>
+        <p:txBody>
+          <a:bodyPr vert="horz" lIns="91440" tIns="45720" rIns="91440" bIns="45720" rtlCol="0" anchor="b"/>
+          <a:lstStyle>
+            <a:lvl1pPr algn="r">
+              <a:defRPr sz="1200"/>
+            </a:lvl1pPr>
+          </a:lstStyle>
+          <a:p>
+            <a:fld id="{1727CE97-8E09-416C-AF91-3C4E1B9F5A60}" type="slidenum">
+              <a:rPr lang="zh-CN" altLang="en-US" smtClean="0"/>
+              <a:t>‹#›</a:t>
+            </a:fld>
+            <a:endParaRPr lang="zh-CN" altLang="en-US"/>
+          </a:p>
+        </p:txBody>
+      </p:sp>
+    </p:spTree>
+    <p:extLst>
+      <p:ext uri="{BB962C8B-B14F-4D97-AF65-F5344CB8AC3E}">
+        <p14:creationId xmlns:p14="http://schemas.microsoft.com/office/powerpoint/2010/main" val="444396406"/>
+      </p:ext>
+    </p:extLst>
+  </p:cSld>
+  <p:clrMap bg1="lt1" tx1="dk1" bg2="lt2" tx2="dk2" accent1="accent1" accent2="accent2" accent3="accent3" accent4="accent4" accent5="accent5" accent6="accent6" hlink="hlink" folHlink="folHlink"/>
+  <p:notesStyle>
+    <a:lvl1pPr marL="0" algn="l" defTabSz="914400" rtl="0" eaLnBrk="1" latinLnBrk="0" hangingPunct="1">
+      <a:defRPr sz="1200" kern="1200">
+        <a:solidFill>
+          <a:schemeClr val="tx1"/>
+        </a:solidFill>
+        <a:latin typeface="+mn-lt"/>
+        <a:ea typeface="+mn-ea"/>
+        <a:cs typeface="+mn-cs"/>
+      </a:defRPr>
+    </a:lvl1pPr>
+    <a:lvl2pPr marL="457200" algn="l" defTabSz="914400" rtl="0" eaLnBrk="1" latinLnBrk="0" hangingPunct="1">
+      <a:defRPr sz="1200" kern="1200">
+        <a:solidFill>
+          <a:schemeClr val="tx1"/>
+        </a:solidFill>
+        <a:latin typeface="+mn-lt"/>
+        <a:ea typeface="+mn-ea"/>
+        <a:cs typeface="+mn-cs"/>
+      </a:defRPr>
+    </a:lvl2pPr>
+    <a:lvl3pPr marL="914400" algn="l" defTabSz="914400" rtl="0" eaLnBrk="1" latinLnBrk="0" hangingPunct="1">
+      <a:defRPr sz="1200" kern="1200">
+        <a:solidFill>
+          <a:schemeClr val="tx1"/>
+        </a:solidFill>
+        <a:latin typeface="+mn-lt"/>
+        <a:ea typeface="+mn-ea"/>
+        <a:cs typeface="+mn-cs"/>
+      </a:defRPr>
+    </a:lvl3pPr>
+    <a:lvl4pPr marL="1371600" algn="l" defTabSz="914400" rtl="0" eaLnBrk="1" latinLnBrk="0" hangingPunct="1">
+      <a:defRPr sz="1200" kern="1200">
+        <a:solidFill>
+          <a:schemeClr val="tx1"/>
+        </a:solidFill>
+        <a:latin typeface="+mn-lt"/>
+        <a:ea typeface="+mn-ea"/>
+        <a:cs typeface="+mn-cs"/>
+      </a:defRPr>
+    </a:lvl4pPr>
+    <a:lvl5pPr marL="1828800" algn="l" defTabSz="914400" rtl="0" eaLnBrk="1" latinLnBrk="0" hangingPunct="1">
+      <a:defRPr sz="1200" kern="1200">
+        <a:solidFill>
+          <a:schemeClr val="tx1"/>
+        </a:solidFill>
+        <a:latin typeface="+mn-lt"/>
+        <a:ea typeface="+mn-ea"/>
+        <a:cs typeface="+mn-cs"/>
+      </a:defRPr>
+    </a:lvl5pPr>
+    <a:lvl6pPr marL="2286000" algn="l" defTabSz="914400" rtl="0" eaLnBrk="1" latinLnBrk="0" hangingPunct="1">
+      <a:defRPr sz="1200" kern="1200">
+        <a:solidFill>
+          <a:schemeClr val="tx1"/>
+        </a:solidFill>
+        <a:latin typeface="+mn-lt"/>
+        <a:ea typeface="+mn-ea"/>
+        <a:cs typeface="+mn-cs"/>
+      </a:defRPr>
+    </a:lvl6pPr>
+    <a:lvl7pPr marL="2743200" algn="l" defTabSz="914400" rtl="0" eaLnBrk="1" latinLnBrk="0" hangingPunct="1">
+      <a:defRPr sz="1200" kern="1200">
+        <a:solidFill>
+          <a:schemeClr val="tx1"/>
+        </a:solidFill>
+        <a:latin typeface="+mn-lt"/>
+        <a:ea typeface="+mn-ea"/>
+        <a:cs typeface="+mn-cs"/>
+      </a:defRPr>
+    </a:lvl7pPr>
+    <a:lvl8pPr marL="3200400" algn="l" defTabSz="914400" rtl="0" eaLnBrk="1" latinLnBrk="0" hangingPunct="1">
+      <a:defRPr sz="1200" kern="1200">
+        <a:solidFill>
+          <a:schemeClr val="tx1"/>
+        </a:solidFill>
+        <a:latin typeface="+mn-lt"/>
+        <a:ea typeface="+mn-ea"/>
+        <a:cs typeface="+mn-cs"/>
+      </a:defRPr>
+    </a:lvl8pPr>
+    <a:lvl9pPr marL="3657600" algn="l" defTabSz="914400" rtl="0" eaLnBrk="1" latinLnBrk="0" hangingPunct="1">
+      <a:defRPr sz="1200" kern="1200">
+        <a:solidFill>
+          <a:schemeClr val="tx1"/>
+        </a:solidFill>
+        <a:latin typeface="+mn-lt"/>
+        <a:ea typeface="+mn-ea"/>
+        <a:cs typeface="+mn-cs"/>
+      </a:defRPr>
+    </a:lvl9pPr>
+  </p:notesStyle>
+</p:notesMaster>
+</file>
+
+<file path=ppt/notesSlides/notesSlide1.xml><?xml version="1.0" encoding="utf-8"?>
+<p:notes xmlns:a="http://schemas.openxmlformats.org/drawingml/2006/main" xmlns:r="http://schemas.openxmlformats.org/officeDocument/2006/relationships" xmlns:p="http://schemas.openxmlformats.org/presentationml/2006/main">
+  <p:cSld>
+    <p:spTree>
+      <p:nvGrpSpPr>
+        <p:cNvPr id="1" name=""/>
+        <p:cNvGrpSpPr/>
+        <p:nvPr/>
+      </p:nvGrpSpPr>
+      <p:grpSpPr>
+        <a:xfrm>
+          <a:off x="0" y="0"/>
+          <a:ext cx="0" cy="0"/>
+          <a:chOff x="0" y="0"/>
+          <a:chExt cx="0" cy="0"/>
+        </a:xfrm>
+      </p:grpSpPr>
+      <p:sp>
+        <p:nvSpPr>
+          <p:cNvPr id="2" name="幻灯片图像占位符 1"/>
+          <p:cNvSpPr>
+            <a:spLocks noGrp="1" noRot="1" noChangeAspect="1"/>
+          </p:cNvSpPr>
+          <p:nvPr>
+            <p:ph type="sldImg"/>
+          </p:nvPr>
+        </p:nvSpPr>
+        <p:spPr/>
+      </p:sp>
+      <p:sp>
+        <p:nvSpPr>
+          <p:cNvPr id="3" name="备注占位符 2"/>
+          <p:cNvSpPr>
+            <a:spLocks noGrp="1"/>
+          </p:cNvSpPr>
+          <p:nvPr>
+            <p:ph type="body" idx="1"/>
+          </p:nvPr>
+        </p:nvSpPr>
+        <p:spPr/>
+        <p:txBody>
+          <a:bodyPr/>
+          <a:lstStyle/>
+          <a:p>
+            <a:endParaRPr lang="zh-CN" altLang="en-US" dirty="0"/>
+          </a:p>
+        </p:txBody>
+      </p:sp>
+      <p:sp>
+        <p:nvSpPr>
+          <p:cNvPr id="4" name="灯片编号占位符 3"/>
+          <p:cNvSpPr>
+            <a:spLocks noGrp="1"/>
+          </p:cNvSpPr>
+          <p:nvPr>
+            <p:ph type="sldNum" sz="quarter" idx="5"/>
+          </p:nvPr>
+        </p:nvSpPr>
+        <p:spPr/>
+        <p:txBody>
+          <a:bodyPr/>
+          <a:lstStyle/>
+          <a:p>
+            <a:fld id="{1727CE97-8E09-416C-AF91-3C4E1B9F5A60}" type="slidenum">
+              <a:rPr lang="zh-CN" altLang="en-US" smtClean="0"/>
+              <a:t>11</a:t>
+            </a:fld>
+            <a:endParaRPr lang="zh-CN" altLang="en-US"/>
+          </a:p>
+        </p:txBody>
+      </p:sp>
+    </p:spTree>
+    <p:extLst>
+      <p:ext uri="{BB962C8B-B14F-4D97-AF65-F5344CB8AC3E}">
+        <p14:creationId xmlns:p14="http://schemas.microsoft.com/office/powerpoint/2010/main" val="1621615324"/>
+      </p:ext>
+    </p:extLst>
+  </p:cSld>
+  <p:clrMapOvr>
+    <a:masterClrMapping/>
+  </p:clrMapOvr>
+</p:notes>
+</file>
+
 <file path=ppt/slideLayouts/slideLayout1.xml><?xml version="1.0" encoding="utf-8"?>
 <p:sldLayout xmlns:a="http://schemas.openxmlformats.org/drawingml/2006/main" xmlns:r="http://schemas.openxmlformats.org/officeDocument/2006/relationships" xmlns:p="http://schemas.openxmlformats.org/presentationml/2006/main" type="title" preserve="1">
   <p:cSld name="标题幻灯片">
@@ -2524,7 +2960,7 @@
           <a:p>
             <a:fld id="{4CBFB940-8F22-4BD2-BAD9-FA07437ED376}" type="datetimeFigureOut">
               <a:rPr lang="zh-CN" altLang="en-US" smtClean="0"/>
-              <a:t>2019/6/8</a:t>
+              <a:t>2019/6/10</a:t>
             </a:fld>
             <a:endParaRPr lang="zh-CN" altLang="en-US"/>
           </a:p>
@@ -2722,7 +3158,7 @@
           <a:p>
             <a:fld id="{4CBFB940-8F22-4BD2-BAD9-FA07437ED376}" type="datetimeFigureOut">
               <a:rPr lang="zh-CN" altLang="en-US" smtClean="0"/>
-              <a:t>2019/6/8</a:t>
+              <a:t>2019/6/10</a:t>
             </a:fld>
             <a:endParaRPr lang="zh-CN" altLang="en-US"/>
           </a:p>
@@ -2930,7 +3366,7 @@
           <a:p>
             <a:fld id="{4CBFB940-8F22-4BD2-BAD9-FA07437ED376}" type="datetimeFigureOut">
               <a:rPr lang="zh-CN" altLang="en-US" smtClean="0"/>
-              <a:t>2019/6/8</a:t>
+              <a:t>2019/6/10</a:t>
             </a:fld>
             <a:endParaRPr lang="zh-CN" altLang="en-US"/>
           </a:p>
@@ -3128,7 +3564,7 @@
           <a:p>
             <a:fld id="{4CBFB940-8F22-4BD2-BAD9-FA07437ED376}" type="datetimeFigureOut">
               <a:rPr lang="zh-CN" altLang="en-US" smtClean="0"/>
-              <a:t>2019/6/8</a:t>
+              <a:t>2019/6/10</a:t>
             </a:fld>
             <a:endParaRPr lang="zh-CN" altLang="en-US"/>
           </a:p>
@@ -3403,7 +3839,7 @@
           <a:p>
             <a:fld id="{4CBFB940-8F22-4BD2-BAD9-FA07437ED376}" type="datetimeFigureOut">
               <a:rPr lang="zh-CN" altLang="en-US" smtClean="0"/>
-              <a:t>2019/6/8</a:t>
+              <a:t>2019/6/10</a:t>
             </a:fld>
             <a:endParaRPr lang="zh-CN" altLang="en-US"/>
           </a:p>
@@ -3668,7 +4104,7 @@
           <a:p>
             <a:fld id="{4CBFB940-8F22-4BD2-BAD9-FA07437ED376}" type="datetimeFigureOut">
               <a:rPr lang="zh-CN" altLang="en-US" smtClean="0"/>
-              <a:t>2019/6/8</a:t>
+              <a:t>2019/6/10</a:t>
             </a:fld>
             <a:endParaRPr lang="zh-CN" altLang="en-US"/>
           </a:p>
@@ -4080,7 +4516,7 @@
           <a:p>
             <a:fld id="{4CBFB940-8F22-4BD2-BAD9-FA07437ED376}" type="datetimeFigureOut">
               <a:rPr lang="zh-CN" altLang="en-US" smtClean="0"/>
-              <a:t>2019/6/8</a:t>
+              <a:t>2019/6/10</a:t>
             </a:fld>
             <a:endParaRPr lang="zh-CN" altLang="en-US"/>
           </a:p>
@@ -4221,7 +4657,7 @@
           <a:p>
             <a:fld id="{4CBFB940-8F22-4BD2-BAD9-FA07437ED376}" type="datetimeFigureOut">
               <a:rPr lang="zh-CN" altLang="en-US" smtClean="0"/>
-              <a:t>2019/6/8</a:t>
+              <a:t>2019/6/10</a:t>
             </a:fld>
             <a:endParaRPr lang="zh-CN" altLang="en-US"/>
           </a:p>
@@ -4334,7 +4770,7 @@
           <a:p>
             <a:fld id="{4CBFB940-8F22-4BD2-BAD9-FA07437ED376}" type="datetimeFigureOut">
               <a:rPr lang="zh-CN" altLang="en-US" smtClean="0"/>
-              <a:t>2019/6/8</a:t>
+              <a:t>2019/6/10</a:t>
             </a:fld>
             <a:endParaRPr lang="zh-CN" altLang="en-US"/>
           </a:p>
@@ -4645,7 +5081,7 @@
           <a:p>
             <a:fld id="{4CBFB940-8F22-4BD2-BAD9-FA07437ED376}" type="datetimeFigureOut">
               <a:rPr lang="zh-CN" altLang="en-US" smtClean="0"/>
-              <a:t>2019/6/8</a:t>
+              <a:t>2019/6/10</a:t>
             </a:fld>
             <a:endParaRPr lang="zh-CN" altLang="en-US"/>
           </a:p>
@@ -4933,7 +5369,7 @@
           <a:p>
             <a:fld id="{4CBFB940-8F22-4BD2-BAD9-FA07437ED376}" type="datetimeFigureOut">
               <a:rPr lang="zh-CN" altLang="en-US" smtClean="0"/>
-              <a:t>2019/6/8</a:t>
+              <a:t>2019/6/10</a:t>
             </a:fld>
             <a:endParaRPr lang="zh-CN" altLang="en-US"/>
           </a:p>
@@ -5174,7 +5610,7 @@
           <a:p>
             <a:fld id="{4CBFB940-8F22-4BD2-BAD9-FA07437ED376}" type="datetimeFigureOut">
               <a:rPr lang="zh-CN" altLang="en-US" smtClean="0"/>
-              <a:t>2019/6/8</a:t>
+              <a:t>2019/6/10</a:t>
             </a:fld>
             <a:endParaRPr lang="zh-CN" altLang="en-US"/>
           </a:p>
@@ -6959,6 +7395,65 @@
       </p:sp>
       <p:sp>
         <p:nvSpPr>
+          <p:cNvPr id="28" name="矩形 27">
+            <a:extLst>
+              <a:ext uri="{FF2B5EF4-FFF2-40B4-BE49-F238E27FC236}">
+                <a16:creationId xmlns:a16="http://schemas.microsoft.com/office/drawing/2014/main" id="{6DEA4C3B-35F7-496B-9243-66FBFACE09FD}"/>
+              </a:ext>
+            </a:extLst>
+          </p:cNvPr>
+          <p:cNvSpPr/>
+          <p:nvPr/>
+        </p:nvSpPr>
+        <p:spPr>
+          <a:xfrm>
+            <a:off x="5619262" y="4434159"/>
+            <a:ext cx="1867175" cy="1590657"/>
+          </a:xfrm>
+          <a:prstGeom prst="rect">
+            <a:avLst/>
+          </a:prstGeom>
+          <a:solidFill>
+            <a:schemeClr val="accent3">
+              <a:lumMod val="20000"/>
+              <a:lumOff val="80000"/>
+            </a:schemeClr>
+          </a:solidFill>
+          <a:ln>
+            <a:solidFill>
+              <a:schemeClr val="accent1">
+                <a:lumMod val="50000"/>
+              </a:schemeClr>
+            </a:solidFill>
+          </a:ln>
+        </p:spPr>
+        <p:style>
+          <a:lnRef idx="2">
+            <a:schemeClr val="accent1">
+              <a:shade val="50000"/>
+            </a:schemeClr>
+          </a:lnRef>
+          <a:fillRef idx="1">
+            <a:schemeClr val="accent1"/>
+          </a:fillRef>
+          <a:effectRef idx="0">
+            <a:schemeClr val="accent1"/>
+          </a:effectRef>
+          <a:fontRef idx="minor">
+            <a:schemeClr val="lt1"/>
+          </a:fontRef>
+        </p:style>
+        <p:txBody>
+          <a:bodyPr rtlCol="0" anchor="ctr"/>
+          <a:lstStyle/>
+          <a:p>
+            <a:pPr algn="ctr"/>
+            <a:endParaRPr lang="zh-CN" altLang="en-US"/>
+          </a:p>
+        </p:txBody>
+      </p:sp>
+      <p:sp>
+        <p:nvSpPr>
           <p:cNvPr id="9" name="矩形: 圆角 8">
             <a:extLst>
               <a:ext uri="{FF2B5EF4-FFF2-40B4-BE49-F238E27FC236}">
@@ -7529,7 +8024,7 @@
         </p:blipFill>
         <p:spPr>
           <a:xfrm>
-            <a:off x="306217" y="4108493"/>
+            <a:off x="0" y="4086487"/>
             <a:ext cx="5313045" cy="2286000"/>
           </a:xfrm>
           <a:prstGeom prst="rect">
@@ -7551,8 +8046,8 @@
         </p:nvSpPr>
         <p:spPr>
           <a:xfrm>
-            <a:off x="6455160" y="2020484"/>
-            <a:ext cx="4751112" cy="1753521"/>
+            <a:off x="8073362" y="1977231"/>
+            <a:ext cx="3717097" cy="1742337"/>
           </a:xfrm>
           <a:prstGeom prst="rect">
             <a:avLst/>
@@ -7610,8 +8105,8 @@
         </p:nvSpPr>
         <p:spPr>
           <a:xfrm>
-            <a:off x="6520942" y="2141830"/>
-            <a:ext cx="1233001" cy="338554"/>
+            <a:off x="8139144" y="2098577"/>
+            <a:ext cx="1097621" cy="584775"/>
           </a:xfrm>
           <a:prstGeom prst="rect">
             <a:avLst/>
@@ -7629,7 +8124,7 @@
                 <a:latin typeface="微软雅黑" panose="020B0503020204020204" pitchFamily="34" charset="-122"/>
                 <a:ea typeface="微软雅黑" panose="020B0503020204020204" pitchFamily="34" charset="-122"/>
               </a:rPr>
-              <a:t>开路状态：</a:t>
+              <a:t>开路状态热模型：</a:t>
             </a:r>
           </a:p>
         </p:txBody>
@@ -7649,20 +8144,20 @@
           <p:nvPr>
             <p:extLst>
               <p:ext uri="{D42A27DB-BD31-4B8C-83A1-F6EECF244321}">
-                <p14:modId xmlns:p14="http://schemas.microsoft.com/office/powerpoint/2010/main" val="2151411696"/>
+                <p14:modId xmlns:p14="http://schemas.microsoft.com/office/powerpoint/2010/main" val="2700474206"/>
               </p:ext>
             </p:extLst>
           </p:nvPr>
         </p:nvGraphicFramePr>
         <p:xfrm>
-          <a:off x="7806831" y="2347854"/>
+          <a:off x="9425033" y="2304601"/>
           <a:ext cx="2047770" cy="502746"/>
         </p:xfrm>
         <a:graphic>
           <a:graphicData uri="http://schemas.openxmlformats.org/presentationml/2006/ole">
             <mc:AlternateContent xmlns:mc="http://schemas.openxmlformats.org/markup-compatibility/2006">
               <mc:Choice xmlns:v="urn:schemas-microsoft-com:vml" Requires="v">
-                <p:oleObj spid="_x0000_s7313" name="Equation" r:id="rId5" imgW="1586811" imgH="393529" progId="Equation.DSMT4">
+                <p:oleObj spid="_x0000_s7361" name="Equation" r:id="rId5" imgW="1586811" imgH="393529" progId="Equation.DSMT4">
                   <p:embed/>
                 </p:oleObj>
               </mc:Choice>
@@ -7692,7 +8187,7 @@
                     </p:blipFill>
                     <p:spPr bwMode="auto">
                       <a:xfrm>
-                        <a:off x="7806831" y="2347854"/>
+                        <a:off x="9425033" y="2304601"/>
                         <a:ext cx="2047770" cy="502746"/>
                       </a:xfrm>
                       <a:prstGeom prst="rect">
@@ -7722,20 +8217,20 @@
           <p:nvPr>
             <p:extLst>
               <p:ext uri="{D42A27DB-BD31-4B8C-83A1-F6EECF244321}">
-                <p14:modId xmlns:p14="http://schemas.microsoft.com/office/powerpoint/2010/main" val="337225608"/>
+                <p14:modId xmlns:p14="http://schemas.microsoft.com/office/powerpoint/2010/main" val="627452795"/>
               </p:ext>
             </p:extLst>
           </p:nvPr>
         </p:nvGraphicFramePr>
         <p:xfrm>
-          <a:off x="7806831" y="2999606"/>
+          <a:off x="9425033" y="2956353"/>
           <a:ext cx="2142399" cy="550903"/>
         </p:xfrm>
         <a:graphic>
           <a:graphicData uri="http://schemas.openxmlformats.org/presentationml/2006/ole">
             <mc:AlternateContent xmlns:mc="http://schemas.openxmlformats.org/markup-compatibility/2006">
               <mc:Choice xmlns:v="urn:schemas-microsoft-com:vml" Requires="v">
-                <p:oleObj spid="_x0000_s7314" name="Equation" r:id="rId7" imgW="1663700" imgH="431800" progId="Equation.DSMT4">
+                <p:oleObj spid="_x0000_s7362" name="Equation" r:id="rId7" imgW="1663700" imgH="431800" progId="Equation.DSMT4">
                   <p:embed/>
                 </p:oleObj>
               </mc:Choice>
@@ -7765,7 +8260,7 @@
                     </p:blipFill>
                     <p:spPr bwMode="auto">
                       <a:xfrm>
-                        <a:off x="7806831" y="2999606"/>
+                        <a:off x="9425033" y="2956353"/>
                         <a:ext cx="2142399" cy="550903"/>
                       </a:xfrm>
                       <a:prstGeom prst="rect">
@@ -7794,7 +8289,7 @@
         </p:nvSpPr>
         <p:spPr>
           <a:xfrm>
-            <a:off x="6520942" y="2772312"/>
+            <a:off x="8139144" y="2729059"/>
             <a:ext cx="1771550" cy="338554"/>
           </a:xfrm>
           <a:prstGeom prst="rect">
@@ -7844,7 +8339,7 @@
         </p:blipFill>
         <p:spPr>
           <a:xfrm>
-            <a:off x="6455160" y="4036738"/>
+            <a:off x="7526360" y="4058122"/>
             <a:ext cx="4618355" cy="2429510"/>
           </a:xfrm>
           <a:prstGeom prst="rect">
@@ -7878,7 +8373,7 @@
         </p:blipFill>
         <p:spPr>
           <a:xfrm>
-            <a:off x="295422" y="1935362"/>
+            <a:off x="9269" y="1870144"/>
             <a:ext cx="5323840" cy="2245995"/>
           </a:xfrm>
           <a:prstGeom prst="rect">
@@ -7900,7 +8395,7 @@
         </p:nvSpPr>
         <p:spPr>
           <a:xfrm>
-            <a:off x="2230422" y="6466248"/>
+            <a:off x="1935000" y="6487632"/>
             <a:ext cx="1916957" cy="338554"/>
           </a:xfrm>
           <a:prstGeom prst="rect">
@@ -7938,7 +8433,7 @@
         </p:nvSpPr>
         <p:spPr>
           <a:xfrm>
-            <a:off x="8381392" y="6466248"/>
+            <a:off x="9452592" y="6487632"/>
             <a:ext cx="1175227" cy="338554"/>
           </a:xfrm>
           <a:prstGeom prst="rect">
@@ -7958,6 +8453,165 @@
                 <a:ea typeface="微软雅黑" panose="020B0503020204020204" pitchFamily="34" charset="-122"/>
               </a:rPr>
               <a:t>温熵系数</a:t>
+            </a:r>
+          </a:p>
+        </p:txBody>
+      </p:sp>
+      <p:sp>
+        <p:nvSpPr>
+          <p:cNvPr id="6" name="文本框 5">
+            <a:extLst>
+              <a:ext uri="{FF2B5EF4-FFF2-40B4-BE49-F238E27FC236}">
+                <a16:creationId xmlns:a16="http://schemas.microsoft.com/office/drawing/2014/main" id="{5F2DCB24-7D2D-4D0F-B942-BB455FAC4CBB}"/>
+              </a:ext>
+            </a:extLst>
+          </p:cNvPr>
+          <p:cNvSpPr txBox="1"/>
+          <p:nvPr/>
+        </p:nvSpPr>
+        <p:spPr>
+          <a:xfrm>
+            <a:off x="5659185" y="4466393"/>
+            <a:ext cx="1935736" cy="1526187"/>
+          </a:xfrm>
+          <a:prstGeom prst="rect">
+            <a:avLst/>
+          </a:prstGeom>
+          <a:noFill/>
+        </p:spPr>
+        <p:txBody>
+          <a:bodyPr wrap="square" rtlCol="0">
+            <a:spAutoFit/>
+          </a:bodyPr>
+          <a:lstStyle/>
+          <a:p>
+            <a:pPr>
+              <a:lnSpc>
+                <a:spcPct val="150000"/>
+              </a:lnSpc>
+            </a:pPr>
+            <a:r>
+              <a:rPr lang="zh-CN" altLang="en-US" sz="1600" dirty="0">
+                <a:latin typeface="微软雅黑" panose="020B0503020204020204" pitchFamily="34" charset="-122"/>
+                <a:ea typeface="微软雅黑" panose="020B0503020204020204" pitchFamily="34" charset="-122"/>
+              </a:rPr>
+              <a:t>温熵系数的变化采用文献中对</a:t>
+            </a:r>
+            <a:r>
+              <a:rPr lang="en-US" altLang="zh-CN" sz="1600" dirty="0">
+                <a:latin typeface="微软雅黑" panose="020B0503020204020204" pitchFamily="34" charset="-122"/>
+                <a:ea typeface="微软雅黑" panose="020B0503020204020204" pitchFamily="34" charset="-122"/>
+              </a:rPr>
+              <a:t>26650</a:t>
+            </a:r>
+            <a:r>
+              <a:rPr lang="zh-CN" altLang="en-US" sz="1600" dirty="0">
+                <a:latin typeface="微软雅黑" panose="020B0503020204020204" pitchFamily="34" charset="-122"/>
+                <a:ea typeface="微软雅黑" panose="020B0503020204020204" pitchFamily="34" charset="-122"/>
+              </a:rPr>
+              <a:t>型磷酸铁锂电池的标定结果</a:t>
+            </a:r>
+          </a:p>
+        </p:txBody>
+      </p:sp>
+      <p:sp>
+        <p:nvSpPr>
+          <p:cNvPr id="29" name="矩形 28">
+            <a:extLst>
+              <a:ext uri="{FF2B5EF4-FFF2-40B4-BE49-F238E27FC236}">
+                <a16:creationId xmlns:a16="http://schemas.microsoft.com/office/drawing/2014/main" id="{CA1E5BA8-C8AD-43F1-9BF9-8946F2A44A10}"/>
+              </a:ext>
+            </a:extLst>
+          </p:cNvPr>
+          <p:cNvSpPr/>
+          <p:nvPr/>
+        </p:nvSpPr>
+        <p:spPr>
+          <a:xfrm>
+            <a:off x="5619262" y="2085305"/>
+            <a:ext cx="1867175" cy="1590657"/>
+          </a:xfrm>
+          <a:prstGeom prst="rect">
+            <a:avLst/>
+          </a:prstGeom>
+          <a:solidFill>
+            <a:schemeClr val="accent3">
+              <a:lumMod val="20000"/>
+              <a:lumOff val="80000"/>
+            </a:schemeClr>
+          </a:solidFill>
+          <a:ln>
+            <a:solidFill>
+              <a:schemeClr val="accent1">
+                <a:lumMod val="50000"/>
+              </a:schemeClr>
+            </a:solidFill>
+          </a:ln>
+        </p:spPr>
+        <p:style>
+          <a:lnRef idx="2">
+            <a:schemeClr val="accent1">
+              <a:shade val="50000"/>
+            </a:schemeClr>
+          </a:lnRef>
+          <a:fillRef idx="1">
+            <a:schemeClr val="accent1"/>
+          </a:fillRef>
+          <a:effectRef idx="0">
+            <a:schemeClr val="accent1"/>
+          </a:effectRef>
+          <a:fontRef idx="minor">
+            <a:schemeClr val="lt1"/>
+          </a:fontRef>
+        </p:style>
+        <p:txBody>
+          <a:bodyPr rtlCol="0" anchor="ctr"/>
+          <a:lstStyle/>
+          <a:p>
+            <a:pPr algn="ctr"/>
+            <a:endParaRPr lang="zh-CN" altLang="en-US"/>
+          </a:p>
+        </p:txBody>
+      </p:sp>
+      <p:sp>
+        <p:nvSpPr>
+          <p:cNvPr id="30" name="文本框 29">
+            <a:extLst>
+              <a:ext uri="{FF2B5EF4-FFF2-40B4-BE49-F238E27FC236}">
+                <a16:creationId xmlns:a16="http://schemas.microsoft.com/office/drawing/2014/main" id="{7CAC69AE-EEE0-49DB-88A2-927DFD88BB01}"/>
+              </a:ext>
+            </a:extLst>
+          </p:cNvPr>
+          <p:cNvSpPr txBox="1"/>
+          <p:nvPr/>
+        </p:nvSpPr>
+        <p:spPr>
+          <a:xfrm>
+            <a:off x="5649724" y="2098577"/>
+            <a:ext cx="1835672" cy="1526187"/>
+          </a:xfrm>
+          <a:prstGeom prst="rect">
+            <a:avLst/>
+          </a:prstGeom>
+          <a:noFill/>
+        </p:spPr>
+        <p:txBody>
+          <a:bodyPr wrap="square" rtlCol="0">
+            <a:spAutoFit/>
+          </a:bodyPr>
+          <a:lstStyle/>
+          <a:p>
+            <a:pPr>
+              <a:lnSpc>
+                <a:spcPct val="150000"/>
+              </a:lnSpc>
+            </a:pPr>
+            <a:r>
+              <a:rPr lang="zh-CN" altLang="en-US" sz="1600" dirty="0">
+                <a:latin typeface="微软雅黑" panose="020B0503020204020204" pitchFamily="34" charset="-122"/>
+                <a:ea typeface="微软雅黑" panose="020B0503020204020204" pitchFamily="34" charset="-122"/>
+              </a:rPr>
+              <a:t>将开路状态电池由室温置于低温环境下，记录温度随时间的变化</a:t>
             </a:r>
           </a:p>
         </p:txBody>
@@ -8061,7 +8715,7 @@
           <p:nvPr/>
         </p:nvPicPr>
         <p:blipFill>
-          <a:blip r:embed="rId3">
+          <a:blip r:embed="rId4">
             <a:extLst>
               <a:ext uri="{28A0092B-C50C-407E-A947-70E740481C1C}">
                 <a14:useLocalDpi xmlns:a14="http://schemas.microsoft.com/office/drawing/2010/main" val="0"/>
@@ -10428,12 +11082,12 @@
           <a:graphicData uri="http://schemas.openxmlformats.org/presentationml/2006/ole">
             <mc:AlternateContent xmlns:mc="http://schemas.openxmlformats.org/markup-compatibility/2006">
               <mc:Choice xmlns:v="urn:schemas-microsoft-com:vml" Requires="v">
-                <p:oleObj spid="_x0000_s8319" name="Equation" r:id="rId4" imgW="1269449" imgH="393529" progId="Equation.DSMT4">
+                <p:oleObj spid="_x0000_s8367" name="Equation" r:id="rId5" imgW="1269449" imgH="393529" progId="Equation.DSMT4">
                   <p:embed/>
                 </p:oleObj>
               </mc:Choice>
               <mc:Fallback>
-                <p:oleObj name="Equation" r:id="rId4" imgW="1269449" imgH="393529" progId="Equation.DSMT4">
+                <p:oleObj name="Equation" r:id="rId5" imgW="1269449" imgH="393529" progId="Equation.DSMT4">
                   <p:embed/>
                   <p:pic>
                     <p:nvPicPr>
@@ -10444,7 +11098,7 @@
                       <p:nvPr/>
                     </p:nvPicPr>
                     <p:blipFill>
-                      <a:blip r:embed="rId5">
+                      <a:blip r:embed="rId6">
                         <a:extLst>
                           <a:ext uri="{28A0092B-C50C-407E-A947-70E740481C1C}">
                             <a14:useLocalDpi xmlns:a14="http://schemas.microsoft.com/office/drawing/2010/main" val="0"/>
@@ -10651,12 +11305,12 @@
           <a:graphicData uri="http://schemas.openxmlformats.org/presentationml/2006/ole">
             <mc:AlternateContent xmlns:mc="http://schemas.openxmlformats.org/markup-compatibility/2006">
               <mc:Choice xmlns:v="urn:schemas-microsoft-com:vml" Requires="v">
-                <p:oleObj spid="_x0000_s8320" name="Equation" r:id="rId6" imgW="1320227" imgH="393529" progId="Equation.DSMT4">
+                <p:oleObj spid="_x0000_s8368" name="Equation" r:id="rId7" imgW="1320227" imgH="393529" progId="Equation.DSMT4">
                   <p:embed/>
                 </p:oleObj>
               </mc:Choice>
               <mc:Fallback>
-                <p:oleObj name="Equation" r:id="rId6" imgW="1320227" imgH="393529" progId="Equation.DSMT4">
+                <p:oleObj name="Equation" r:id="rId7" imgW="1320227" imgH="393529" progId="Equation.DSMT4">
                   <p:embed/>
                   <p:pic>
                     <p:nvPicPr>
@@ -10667,7 +11321,7 @@
                       <p:nvPr/>
                     </p:nvPicPr>
                     <p:blipFill>
-                      <a:blip r:embed="rId7">
+                      <a:blip r:embed="rId8">
                         <a:extLst>
                           <a:ext uri="{28A0092B-C50C-407E-A947-70E740481C1C}">
                             <a14:useLocalDpi xmlns:a14="http://schemas.microsoft.com/office/drawing/2010/main" val="0"/>
@@ -10902,8 +11556,8 @@
           </a:p>
         </p:txBody>
       </p:sp>
-      <mc:AlternateContent xmlns:mc="http://schemas.openxmlformats.org/markup-compatibility/2006">
-        <mc:Choice xmlns:a14="http://schemas.microsoft.com/office/drawing/2010/main" Requires="a14">
+      <mc:AlternateContent xmlns:mc="http://schemas.openxmlformats.org/markup-compatibility/2006" xmlns:a14="http://schemas.microsoft.com/office/drawing/2010/main">
+        <mc:Choice Requires="a14">
           <p:sp>
             <p:nvSpPr>
               <p:cNvPr id="103" name="文本框 102">
@@ -10978,7 +11632,7 @@
             </p:txBody>
           </p:sp>
         </mc:Choice>
-        <mc:Fallback>
+        <mc:Fallback xmlns="">
           <p:sp>
             <p:nvSpPr>
               <p:cNvPr id="103" name="文本框 102">
@@ -11002,7 +11656,7 @@
                 <a:avLst/>
               </a:prstGeom>
               <a:blipFill>
-                <a:blip r:embed="rId8"/>
+                <a:blip r:embed="rId9"/>
                 <a:stretch>
                   <a:fillRect b="-16364"/>
                 </a:stretch>
@@ -11023,8 +11677,8 @@
           </p:sp>
         </mc:Fallback>
       </mc:AlternateContent>
-      <mc:AlternateContent xmlns:mc="http://schemas.openxmlformats.org/markup-compatibility/2006">
-        <mc:Choice xmlns:a14="http://schemas.microsoft.com/office/drawing/2010/main" Requires="a14">
+      <mc:AlternateContent xmlns:mc="http://schemas.openxmlformats.org/markup-compatibility/2006" xmlns:a14="http://schemas.microsoft.com/office/drawing/2010/main">
+        <mc:Choice Requires="a14">
           <p:sp>
             <p:nvSpPr>
               <p:cNvPr id="104" name="文本框 103">
@@ -11134,7 +11788,7 @@
             </p:txBody>
           </p:sp>
         </mc:Choice>
-        <mc:Fallback>
+        <mc:Fallback xmlns="">
           <p:sp>
             <p:nvSpPr>
               <p:cNvPr id="104" name="文本框 103">
@@ -11158,7 +11812,7 @@
                 <a:avLst/>
               </a:prstGeom>
               <a:blipFill>
-                <a:blip r:embed="rId9"/>
+                <a:blip r:embed="rId10"/>
                 <a:stretch>
                   <a:fillRect b="-18182"/>
                 </a:stretch>
@@ -12143,7 +12797,7 @@
           <a:graphicData uri="http://schemas.openxmlformats.org/presentationml/2006/ole">
             <mc:AlternateContent xmlns:mc="http://schemas.openxmlformats.org/markup-compatibility/2006">
               <mc:Choice xmlns:v="urn:schemas-microsoft-com:vml" Requires="v">
-                <p:oleObj spid="_x0000_s9385" name="Equation" r:id="rId4" imgW="1320227" imgH="393529" progId="Equation.DSMT4">
+                <p:oleObj spid="_x0000_s9457" name="Equation" r:id="rId4" imgW="1320227" imgH="393529" progId="Equation.DSMT4">
                   <p:embed/>
                 </p:oleObj>
               </mc:Choice>
@@ -12260,7 +12914,7 @@
           <a:graphicData uri="http://schemas.openxmlformats.org/presentationml/2006/ole">
             <mc:AlternateContent xmlns:mc="http://schemas.openxmlformats.org/markup-compatibility/2006">
               <mc:Choice xmlns:v="urn:schemas-microsoft-com:vml" Requires="v">
-                <p:oleObj spid="_x0000_s9386" name="Equation" r:id="rId6" imgW="2019300" imgH="393700" progId="Equation.DSMT4">
+                <p:oleObj spid="_x0000_s9458" name="Equation" r:id="rId6" imgW="2019300" imgH="393700" progId="Equation.DSMT4">
                   <p:embed/>
                 </p:oleObj>
               </mc:Choice>
@@ -12443,7 +13097,7 @@
           <a:graphicData uri="http://schemas.openxmlformats.org/presentationml/2006/ole">
             <mc:AlternateContent xmlns:mc="http://schemas.openxmlformats.org/markup-compatibility/2006">
               <mc:Choice xmlns:v="urn:schemas-microsoft-com:vml" Requires="v">
-                <p:oleObj spid="_x0000_s9387" name="Equation" r:id="rId10" imgW="2005729" imgH="406224" progId="Equation.DSMT4">
+                <p:oleObj spid="_x0000_s9459" name="Equation" r:id="rId10" imgW="2005729" imgH="406224" progId="Equation.DSMT4">
                   <p:embed/>
                 </p:oleObj>
               </mc:Choice>
@@ -12770,6 +13424,121 @@
           </a:p>
         </p:txBody>
       </p:sp>
+      <p:cxnSp>
+        <p:nvCxnSpPr>
+          <p:cNvPr id="28" name="直接连接符 27">
+            <a:extLst>
+              <a:ext uri="{FF2B5EF4-FFF2-40B4-BE49-F238E27FC236}">
+                <a16:creationId xmlns:a16="http://schemas.microsoft.com/office/drawing/2014/main" id="{96F2E4A6-6326-468F-947D-FBD9D56B37F4}"/>
+              </a:ext>
+            </a:extLst>
+          </p:cNvPr>
+          <p:cNvCxnSpPr/>
+          <p:nvPr/>
+        </p:nvCxnSpPr>
+        <p:spPr>
+          <a:xfrm>
+            <a:off x="4028661" y="2637183"/>
+            <a:ext cx="1259668" cy="0"/>
+          </a:xfrm>
+          <a:prstGeom prst="line">
+            <a:avLst/>
+          </a:prstGeom>
+        </p:spPr>
+        <p:style>
+          <a:lnRef idx="1">
+            <a:schemeClr val="accent1"/>
+          </a:lnRef>
+          <a:fillRef idx="0">
+            <a:schemeClr val="accent1"/>
+          </a:fillRef>
+          <a:effectRef idx="0">
+            <a:schemeClr val="accent1"/>
+          </a:effectRef>
+          <a:fontRef idx="minor">
+            <a:schemeClr val="tx1"/>
+          </a:fontRef>
+        </p:style>
+      </p:cxnSp>
+      <p:cxnSp>
+        <p:nvCxnSpPr>
+          <p:cNvPr id="30" name="直接箭头连接符 29">
+            <a:extLst>
+              <a:ext uri="{FF2B5EF4-FFF2-40B4-BE49-F238E27FC236}">
+                <a16:creationId xmlns:a16="http://schemas.microsoft.com/office/drawing/2014/main" id="{139DFB93-9431-4D49-B20B-C565AA283E10}"/>
+              </a:ext>
+            </a:extLst>
+          </p:cNvPr>
+          <p:cNvCxnSpPr>
+            <a:cxnSpLocks/>
+          </p:cNvCxnSpPr>
+          <p:nvPr/>
+        </p:nvCxnSpPr>
+        <p:spPr>
+          <a:xfrm>
+            <a:off x="5288329" y="2637183"/>
+            <a:ext cx="0" cy="1099486"/>
+          </a:xfrm>
+          <a:prstGeom prst="straightConnector1">
+            <a:avLst/>
+          </a:prstGeom>
+          <a:ln>
+            <a:tailEnd type="triangle" w="lg" len="lg"/>
+          </a:ln>
+        </p:spPr>
+        <p:style>
+          <a:lnRef idx="1">
+            <a:schemeClr val="accent1"/>
+          </a:lnRef>
+          <a:fillRef idx="0">
+            <a:schemeClr val="accent1"/>
+          </a:fillRef>
+          <a:effectRef idx="0">
+            <a:schemeClr val="accent1"/>
+          </a:effectRef>
+          <a:fontRef idx="minor">
+            <a:schemeClr val="tx1"/>
+          </a:fontRef>
+        </p:style>
+      </p:cxnSp>
+      <p:sp>
+        <p:nvSpPr>
+          <p:cNvPr id="31" name="文本框 30">
+            <a:extLst>
+              <a:ext uri="{FF2B5EF4-FFF2-40B4-BE49-F238E27FC236}">
+                <a16:creationId xmlns:a16="http://schemas.microsoft.com/office/drawing/2014/main" id="{C0DEAE93-7722-44E1-8FF2-A9BA40BD455E}"/>
+              </a:ext>
+            </a:extLst>
+          </p:cNvPr>
+          <p:cNvSpPr txBox="1"/>
+          <p:nvPr/>
+        </p:nvSpPr>
+        <p:spPr>
+          <a:xfrm>
+            <a:off x="4061084" y="2285377"/>
+            <a:ext cx="1259668" cy="338554"/>
+          </a:xfrm>
+          <a:prstGeom prst="rect">
+            <a:avLst/>
+          </a:prstGeom>
+          <a:noFill/>
+        </p:spPr>
+        <p:txBody>
+          <a:bodyPr wrap="square" rtlCol="0">
+            <a:spAutoFit/>
+          </a:bodyPr>
+          <a:lstStyle/>
+          <a:p>
+            <a:r>
+              <a:rPr lang="zh-CN" altLang="en-US" sz="1600" dirty="0">
+                <a:latin typeface="微软雅黑" panose="020B0503020204020204" pitchFamily="34" charset="-122"/>
+                <a:ea typeface="微软雅黑" panose="020B0503020204020204" pitchFamily="34" charset="-122"/>
+              </a:rPr>
+              <a:t>分离温度项</a:t>
+            </a:r>
+          </a:p>
+        </p:txBody>
+      </p:sp>
     </p:spTree>
     <p:extLst>
       <p:ext uri="{BB962C8B-B14F-4D97-AF65-F5344CB8AC3E}">
@@ -13609,8 +14378,8 @@
           </a:p>
         </p:txBody>
       </p:sp>
-      <mc:AlternateContent xmlns:mc="http://schemas.openxmlformats.org/markup-compatibility/2006">
-        <mc:Choice xmlns:a14="http://schemas.microsoft.com/office/drawing/2010/main" Requires="a14">
+      <mc:AlternateContent xmlns:mc="http://schemas.openxmlformats.org/markup-compatibility/2006" xmlns:a14="http://schemas.microsoft.com/office/drawing/2010/main">
+        <mc:Choice Requires="a14">
           <p:graphicFrame>
             <p:nvGraphicFramePr>
               <p:cNvPr id="21" name="表格 20">
@@ -15112,7 +15881,7 @@
             </a:graphic>
           </p:graphicFrame>
         </mc:Choice>
-        <mc:Fallback>
+        <mc:Fallback xmlns="">
           <p:graphicFrame>
             <p:nvGraphicFramePr>
               <p:cNvPr id="21" name="表格 20">
@@ -15802,8 +16571,8 @@
           </a:p>
         </p:txBody>
       </p:sp>
-      <mc:AlternateContent xmlns:mc="http://schemas.openxmlformats.org/markup-compatibility/2006">
-        <mc:Choice xmlns:a14="http://schemas.microsoft.com/office/drawing/2010/main" Requires="a14">
+      <mc:AlternateContent xmlns:mc="http://schemas.openxmlformats.org/markup-compatibility/2006" xmlns:a14="http://schemas.microsoft.com/office/drawing/2010/main">
+        <mc:Choice Requires="a14">
           <p:sp>
             <p:nvSpPr>
               <p:cNvPr id="22" name="矩形 21">
@@ -15831,6 +16600,7 @@
               </a:bodyPr>
               <a:lstStyle/>
               <a:p>
+                <a:pPr/>
                 <a14:m>
                   <m:oMathPara xmlns:m="http://schemas.openxmlformats.org/officeDocument/2006/math">
                     <m:oMathParaPr>
@@ -15840,7 +16610,7 @@
                       <m:sSub>
                         <m:sSubPr>
                           <m:ctrlPr>
-                            <a:rPr lang="zh-CN" altLang="en-US">
+                            <a:rPr lang="zh-CN" altLang="en-US" i="1">
                               <a:latin typeface="Cambria Math" panose="02040503050406030204" pitchFamily="18" charset="0"/>
                             </a:rPr>
                           </m:ctrlPr>
@@ -15901,7 +16671,7 @@
             </p:txBody>
           </p:sp>
         </mc:Choice>
-        <mc:Fallback>
+        <mc:Fallback xmlns="">
           <p:sp>
             <p:nvSpPr>
               <p:cNvPr id="22" name="矩形 21">
@@ -15946,8 +16716,8 @@
           </p:sp>
         </mc:Fallback>
       </mc:AlternateContent>
-      <mc:AlternateContent xmlns:mc="http://schemas.openxmlformats.org/markup-compatibility/2006">
-        <mc:Choice xmlns:a14="http://schemas.microsoft.com/office/drawing/2010/main" Requires="a14">
+      <mc:AlternateContent xmlns:mc="http://schemas.openxmlformats.org/markup-compatibility/2006" xmlns:a14="http://schemas.microsoft.com/office/drawing/2010/main">
+        <mc:Choice Requires="a14">
           <p:sp>
             <p:nvSpPr>
               <p:cNvPr id="23" name="矩形 22">
@@ -15975,6 +16745,7 @@
               </a:bodyPr>
               <a:lstStyle/>
               <a:p>
+                <a:pPr/>
                 <a14:m>
                   <m:oMathPara xmlns:m="http://schemas.openxmlformats.org/officeDocument/2006/math">
                     <m:oMathParaPr>
@@ -16027,7 +16798,7 @@
             </p:txBody>
           </p:sp>
         </mc:Choice>
-        <mc:Fallback>
+        <mc:Fallback xmlns="">
           <p:sp>
             <p:nvSpPr>
               <p:cNvPr id="23" name="矩形 22">
@@ -16072,8 +16843,8 @@
           </p:sp>
         </mc:Fallback>
       </mc:AlternateContent>
-      <mc:AlternateContent xmlns:mc="http://schemas.openxmlformats.org/markup-compatibility/2006">
-        <mc:Choice xmlns:a14="http://schemas.microsoft.com/office/drawing/2010/main" Requires="a14">
+      <mc:AlternateContent xmlns:mc="http://schemas.openxmlformats.org/markup-compatibility/2006" xmlns:a14="http://schemas.microsoft.com/office/drawing/2010/main">
+        <mc:Choice Requires="a14">
           <p:sp>
             <p:nvSpPr>
               <p:cNvPr id="24" name="矩形 23">
@@ -16101,6 +16872,7 @@
               </a:bodyPr>
               <a:lstStyle/>
               <a:p>
+                <a:pPr/>
                 <a14:m>
                   <m:oMathPara xmlns:m="http://schemas.openxmlformats.org/officeDocument/2006/math">
                     <m:oMathParaPr>
@@ -16171,7 +16943,7 @@
             </p:txBody>
           </p:sp>
         </mc:Choice>
-        <mc:Fallback>
+        <mc:Fallback xmlns="">
           <p:sp>
             <p:nvSpPr>
               <p:cNvPr id="24" name="矩形 23">
@@ -16216,8 +16988,8 @@
           </p:sp>
         </mc:Fallback>
       </mc:AlternateContent>
-      <mc:AlternateContent xmlns:mc="http://schemas.openxmlformats.org/markup-compatibility/2006">
-        <mc:Choice xmlns:a14="http://schemas.microsoft.com/office/drawing/2010/main" Requires="a14">
+      <mc:AlternateContent xmlns:mc="http://schemas.openxmlformats.org/markup-compatibility/2006" xmlns:a14="http://schemas.microsoft.com/office/drawing/2010/main">
+        <mc:Choice Requires="a14">
           <p:sp>
             <p:nvSpPr>
               <p:cNvPr id="26" name="矩形 25">
@@ -16245,6 +17017,7 @@
               </a:bodyPr>
               <a:lstStyle/>
               <a:p>
+                <a:pPr/>
                 <a14:m>
                   <m:oMathPara xmlns:m="http://schemas.openxmlformats.org/officeDocument/2006/math">
                     <m:oMathParaPr>
@@ -16254,7 +17027,7 @@
                       <m:sSup>
                         <m:sSupPr>
                           <m:ctrlPr>
-                            <a:rPr lang="zh-CN" altLang="en-US">
+                            <a:rPr lang="zh-CN" altLang="en-US" i="1">
                               <a:latin typeface="Cambria Math" panose="02040503050406030204" pitchFamily="18" charset="0"/>
                             </a:rPr>
                           </m:ctrlPr>
@@ -16290,7 +17063,7 @@
             </p:txBody>
           </p:sp>
         </mc:Choice>
-        <mc:Fallback>
+        <mc:Fallback xmlns="">
           <p:sp>
             <p:nvSpPr>
               <p:cNvPr id="26" name="矩形 25">
@@ -16363,7 +17136,7 @@
           <a:graphicData uri="http://schemas.openxmlformats.org/presentationml/2006/ole">
             <mc:AlternateContent xmlns:mc="http://schemas.openxmlformats.org/markup-compatibility/2006">
               <mc:Choice xmlns:v="urn:schemas-microsoft-com:vml" Requires="v">
-                <p:oleObj spid="_x0000_s10283" name="Equation" r:id="rId9" imgW="3238500" imgH="393700" progId="Equation.DSMT4">
+                <p:oleObj spid="_x0000_s10307" name="Equation" r:id="rId9" imgW="3238500" imgH="393700" progId="Equation.DSMT4">
                   <p:embed/>
                 </p:oleObj>
               </mc:Choice>
@@ -16408,6 +17181,103 @@
           </a:graphicData>
         </a:graphic>
       </p:graphicFrame>
+      <p:sp>
+        <p:nvSpPr>
+          <p:cNvPr id="27" name="矩形 26">
+            <a:extLst>
+              <a:ext uri="{FF2B5EF4-FFF2-40B4-BE49-F238E27FC236}">
+                <a16:creationId xmlns:a16="http://schemas.microsoft.com/office/drawing/2014/main" id="{E38BEA6A-0454-4264-8C00-2932C95BFD52}"/>
+              </a:ext>
+            </a:extLst>
+          </p:cNvPr>
+          <p:cNvSpPr/>
+          <p:nvPr/>
+        </p:nvSpPr>
+        <p:spPr>
+          <a:xfrm>
+            <a:off x="7023751" y="2232340"/>
+            <a:ext cx="4481752" cy="540000"/>
+          </a:xfrm>
+          <a:prstGeom prst="rect">
+            <a:avLst/>
+          </a:prstGeom>
+          <a:solidFill>
+            <a:schemeClr val="accent3">
+              <a:lumMod val="20000"/>
+              <a:lumOff val="80000"/>
+            </a:schemeClr>
+          </a:solidFill>
+          <a:ln>
+            <a:solidFill>
+              <a:schemeClr val="accent1">
+                <a:lumMod val="50000"/>
+              </a:schemeClr>
+            </a:solidFill>
+          </a:ln>
+        </p:spPr>
+        <p:style>
+          <a:lnRef idx="2">
+            <a:schemeClr val="accent1">
+              <a:shade val="50000"/>
+            </a:schemeClr>
+          </a:lnRef>
+          <a:fillRef idx="1">
+            <a:schemeClr val="accent1"/>
+          </a:fillRef>
+          <a:effectRef idx="0">
+            <a:schemeClr val="accent1"/>
+          </a:effectRef>
+          <a:fontRef idx="minor">
+            <a:schemeClr val="lt1"/>
+          </a:fontRef>
+        </p:style>
+        <p:txBody>
+          <a:bodyPr rtlCol="0" anchor="ctr"/>
+          <a:lstStyle/>
+          <a:p>
+            <a:pPr algn="ctr"/>
+            <a:endParaRPr lang="zh-CN" altLang="en-US"/>
+          </a:p>
+        </p:txBody>
+      </p:sp>
+      <p:sp>
+        <p:nvSpPr>
+          <p:cNvPr id="28" name="文本框 27">
+            <a:extLst>
+              <a:ext uri="{FF2B5EF4-FFF2-40B4-BE49-F238E27FC236}">
+                <a16:creationId xmlns:a16="http://schemas.microsoft.com/office/drawing/2014/main" id="{6EB40335-F423-4ADE-80FE-DF36855D5B05}"/>
+              </a:ext>
+            </a:extLst>
+          </p:cNvPr>
+          <p:cNvSpPr txBox="1"/>
+          <p:nvPr/>
+        </p:nvSpPr>
+        <p:spPr>
+          <a:xfrm>
+            <a:off x="7144936" y="2312957"/>
+            <a:ext cx="4410737" cy="338554"/>
+          </a:xfrm>
+          <a:prstGeom prst="rect">
+            <a:avLst/>
+          </a:prstGeom>
+          <a:noFill/>
+        </p:spPr>
+        <p:txBody>
+          <a:bodyPr wrap="square" rtlCol="0">
+            <a:spAutoFit/>
+          </a:bodyPr>
+          <a:lstStyle/>
+          <a:p>
+            <a:r>
+              <a:rPr lang="zh-CN" altLang="en-US" sz="1600" dirty="0">
+                <a:latin typeface="微软雅黑" panose="020B0503020204020204" pitchFamily="34" charset="-122"/>
+                <a:ea typeface="微软雅黑" panose="020B0503020204020204" pitchFamily="34" charset="-122"/>
+              </a:rPr>
+              <a:t>考虑温度、放电倍率、循环次数的半经验模型</a:t>
+            </a:r>
+          </a:p>
+        </p:txBody>
+      </p:sp>
     </p:spTree>
     <p:extLst>
       <p:ext uri="{BB962C8B-B14F-4D97-AF65-F5344CB8AC3E}">
@@ -17640,7 +18510,7 @@
         <p:spPr>
           <a:xfrm>
             <a:off x="329771" y="4170995"/>
-            <a:ext cx="3099988" cy="584775"/>
+            <a:ext cx="3099988" cy="787523"/>
           </a:xfrm>
           <a:prstGeom prst="rect">
             <a:avLst/>
@@ -17653,6 +18523,11 @@
           </a:bodyPr>
           <a:lstStyle/>
           <a:p>
+            <a:pPr>
+              <a:lnSpc>
+                <a:spcPct val="150000"/>
+              </a:lnSpc>
+            </a:pPr>
             <a:r>
               <a:rPr lang="zh-CN" altLang="en-US" sz="1600" dirty="0">
                 <a:latin typeface="微软雅黑" panose="020B0503020204020204" pitchFamily="34" charset="-122"/>
@@ -17666,26 +18541,17 @@
             </a:endParaRPr>
           </a:p>
           <a:p>
+            <a:pPr>
+              <a:lnSpc>
+                <a:spcPct val="150000"/>
+              </a:lnSpc>
+            </a:pPr>
             <a:r>
               <a:rPr lang="zh-CN" altLang="en-US" sz="1600" dirty="0">
                 <a:latin typeface="微软雅黑" panose="020B0503020204020204" pitchFamily="34" charset="-122"/>
                 <a:ea typeface="微软雅黑" panose="020B0503020204020204" pitchFamily="34" charset="-122"/>
               </a:rPr>
-              <a:t>温度误差结果最大不超过</a:t>
-            </a:r>
-            <a:r>
-              <a:rPr lang="en-US" altLang="zh-CN" sz="1600" dirty="0">
-                <a:latin typeface="微软雅黑" panose="020B0503020204020204" pitchFamily="34" charset="-122"/>
-                <a:ea typeface="微软雅黑" panose="020B0503020204020204" pitchFamily="34" charset="-122"/>
-              </a:rPr>
-              <a:t>0.2</a:t>
-            </a:r>
-            <a:r>
-              <a:rPr lang="zh-CN" altLang="en-US" sz="1600" dirty="0">
-                <a:latin typeface="微软雅黑" panose="020B0503020204020204" pitchFamily="34" charset="-122"/>
-                <a:ea typeface="微软雅黑" panose="020B0503020204020204" pitchFamily="34" charset="-122"/>
-              </a:rPr>
-              <a:t> ℃</a:t>
+              <a:t>仿真结果与实验结果接近</a:t>
             </a:r>
           </a:p>
         </p:txBody>
@@ -18579,7 +19445,7 @@
         </p:nvSpPr>
         <p:spPr>
           <a:xfrm>
-            <a:off x="558800" y="2869017"/>
+            <a:off x="598557" y="2258373"/>
             <a:ext cx="3937000" cy="3093091"/>
           </a:xfrm>
           <a:prstGeom prst="rect">
@@ -18638,7 +19504,7 @@
         </p:nvSpPr>
         <p:spPr>
           <a:xfrm>
-            <a:off x="749646" y="3079085"/>
+            <a:off x="789403" y="2468441"/>
             <a:ext cx="1277798" cy="338554"/>
           </a:xfrm>
           <a:prstGeom prst="rect">
@@ -18680,7 +19546,7 @@
         </p:nvSpPr>
         <p:spPr>
           <a:xfrm>
-            <a:off x="1135202" y="3481946"/>
+            <a:off x="1174959" y="2871302"/>
             <a:ext cx="1277798" cy="338555"/>
           </a:xfrm>
           <a:prstGeom prst="rect">
@@ -18736,8 +19602,8 @@
         </p:nvSpPr>
         <p:spPr>
           <a:xfrm>
-            <a:off x="1135202" y="3868253"/>
-            <a:ext cx="1925498" cy="338556"/>
+            <a:off x="1174959" y="3257609"/>
+            <a:ext cx="2748804" cy="338554"/>
           </a:xfrm>
           <a:prstGeom prst="rect">
             <a:avLst/>
@@ -18764,6 +19630,17 @@
               </a:rPr>
               <a:t>0.5C</a:t>
             </a:r>
+            <a:r>
+              <a:rPr lang="zh-CN" altLang="en-US" sz="1600" dirty="0">
+                <a:latin typeface="微软雅黑" panose="020B0503020204020204" pitchFamily="34" charset="-122"/>
+                <a:ea typeface="微软雅黑" panose="020B0503020204020204" pitchFamily="34" charset="-122"/>
+              </a:rPr>
+              <a:t>恒流放电</a:t>
+            </a:r>
+            <a:endParaRPr lang="en-US" altLang="zh-CN" sz="1600" dirty="0">
+              <a:latin typeface="微软雅黑" panose="020B0503020204020204" pitchFamily="34" charset="-122"/>
+              <a:ea typeface="微软雅黑" panose="020B0503020204020204" pitchFamily="34" charset="-122"/>
+            </a:endParaRPr>
           </a:p>
         </p:txBody>
       </p:sp>
@@ -18781,7 +19658,7 @@
         </p:nvSpPr>
         <p:spPr>
           <a:xfrm>
-            <a:off x="1135202" y="4254562"/>
+            <a:off x="1174959" y="3643918"/>
             <a:ext cx="1569898" cy="338554"/>
           </a:xfrm>
           <a:prstGeom prst="rect">
@@ -18833,7 +19710,7 @@
         </p:nvSpPr>
         <p:spPr>
           <a:xfrm>
-            <a:off x="1135202" y="4638670"/>
+            <a:off x="1174959" y="4028026"/>
             <a:ext cx="1277798" cy="338555"/>
           </a:xfrm>
           <a:prstGeom prst="rect">
@@ -18875,7 +19752,7 @@
         </p:nvSpPr>
         <p:spPr>
           <a:xfrm>
-            <a:off x="2275109" y="4638670"/>
+            <a:off x="2314866" y="4028026"/>
             <a:ext cx="1277798" cy="1323439"/>
           </a:xfrm>
           <a:prstGeom prst="rect">
@@ -18932,6 +19809,112 @@
               </a:rPr>
               <a:t>4223</a:t>
             </a:r>
+          </a:p>
+        </p:txBody>
+      </p:sp>
+      <p:sp>
+        <p:nvSpPr>
+          <p:cNvPr id="33" name="矩形 32">
+            <a:extLst>
+              <a:ext uri="{FF2B5EF4-FFF2-40B4-BE49-F238E27FC236}">
+                <a16:creationId xmlns:a16="http://schemas.microsoft.com/office/drawing/2014/main" id="{F0496350-4DE9-4B3B-A7A6-994086754BC6}"/>
+              </a:ext>
+            </a:extLst>
+          </p:cNvPr>
+          <p:cNvSpPr/>
+          <p:nvPr/>
+        </p:nvSpPr>
+        <p:spPr>
+          <a:xfrm>
+            <a:off x="598557" y="5557667"/>
+            <a:ext cx="3937000" cy="793033"/>
+          </a:xfrm>
+          <a:prstGeom prst="rect">
+            <a:avLst/>
+          </a:prstGeom>
+          <a:solidFill>
+            <a:schemeClr val="accent3">
+              <a:lumMod val="20000"/>
+              <a:lumOff val="80000"/>
+            </a:schemeClr>
+          </a:solidFill>
+          <a:ln>
+            <a:solidFill>
+              <a:schemeClr val="accent1">
+                <a:lumMod val="50000"/>
+              </a:schemeClr>
+            </a:solidFill>
+          </a:ln>
+        </p:spPr>
+        <p:style>
+          <a:lnRef idx="2">
+            <a:schemeClr val="accent1">
+              <a:shade val="50000"/>
+            </a:schemeClr>
+          </a:lnRef>
+          <a:fillRef idx="1">
+            <a:schemeClr val="accent1"/>
+          </a:fillRef>
+          <a:effectRef idx="0">
+            <a:schemeClr val="accent1"/>
+          </a:effectRef>
+          <a:fontRef idx="minor">
+            <a:schemeClr val="lt1"/>
+          </a:fontRef>
+        </p:style>
+        <p:txBody>
+          <a:bodyPr rtlCol="0" anchor="ctr"/>
+          <a:lstStyle/>
+          <a:p>
+            <a:pPr algn="ctr"/>
+            <a:endParaRPr lang="zh-CN" altLang="en-US"/>
+          </a:p>
+        </p:txBody>
+      </p:sp>
+      <p:sp>
+        <p:nvSpPr>
+          <p:cNvPr id="34" name="文本框 33">
+            <a:extLst>
+              <a:ext uri="{FF2B5EF4-FFF2-40B4-BE49-F238E27FC236}">
+                <a16:creationId xmlns:a16="http://schemas.microsoft.com/office/drawing/2014/main" id="{19109105-CF63-4C83-BFB8-B935E44D1549}"/>
+              </a:ext>
+            </a:extLst>
+          </p:cNvPr>
+          <p:cNvSpPr txBox="1"/>
+          <p:nvPr/>
+        </p:nvSpPr>
+        <p:spPr>
+          <a:xfrm>
+            <a:off x="771698" y="5557666"/>
+            <a:ext cx="3555325" cy="787523"/>
+          </a:xfrm>
+          <a:prstGeom prst="rect">
+            <a:avLst/>
+          </a:prstGeom>
+          <a:noFill/>
+        </p:spPr>
+        <p:txBody>
+          <a:bodyPr wrap="square" rtlCol="0">
+            <a:spAutoFit/>
+          </a:bodyPr>
+          <a:lstStyle/>
+          <a:p>
+            <a:pPr>
+              <a:lnSpc>
+                <a:spcPct val="150000"/>
+              </a:lnSpc>
+            </a:pPr>
+            <a:r>
+              <a:rPr lang="zh-CN" altLang="en-US" sz="1600" dirty="0">
+                <a:latin typeface="微软雅黑" panose="020B0503020204020204" pitchFamily="34" charset="-122"/>
+                <a:ea typeface="微软雅黑" panose="020B0503020204020204" pitchFamily="34" charset="-122"/>
+              </a:rPr>
+              <a:t>电池经过特定循环次数后记录下一次电池端电压放电曲线</a:t>
+            </a:r>
+            <a:endParaRPr lang="en-US" altLang="zh-CN" sz="1600" dirty="0">
+              <a:latin typeface="微软雅黑" panose="020B0503020204020204" pitchFamily="34" charset="-122"/>
+              <a:ea typeface="微软雅黑" panose="020B0503020204020204" pitchFamily="34" charset="-122"/>
+            </a:endParaRPr>
           </a:p>
         </p:txBody>
       </p:sp>
@@ -19923,8 +20906,8 @@
         </p:nvSpPr>
         <p:spPr>
           <a:xfrm>
-            <a:off x="1536742" y="2711953"/>
-            <a:ext cx="1277798" cy="338555"/>
+            <a:off x="1536741" y="2711954"/>
+            <a:ext cx="1815521" cy="338554"/>
           </a:xfrm>
           <a:prstGeom prst="rect">
             <a:avLst/>
@@ -19949,7 +20932,7 @@
                 <a:latin typeface="微软雅黑" panose="020B0503020204020204" pitchFamily="34" charset="-122"/>
                 <a:ea typeface="微软雅黑" panose="020B0503020204020204" pitchFamily="34" charset="-122"/>
               </a:rPr>
-              <a:t>0</a:t>
+              <a:t>-10</a:t>
             </a:r>
             <a:r>
               <a:rPr lang="zh-CN" altLang="en-US" sz="1600" dirty="0">
@@ -20038,8 +21021,8 @@
         </p:nvSpPr>
         <p:spPr>
           <a:xfrm>
-            <a:off x="1536742" y="3439407"/>
-            <a:ext cx="1277798" cy="338555"/>
+            <a:off x="1536741" y="3439407"/>
+            <a:ext cx="3287049" cy="338554"/>
           </a:xfrm>
           <a:prstGeom prst="rect">
             <a:avLst/>
@@ -20057,7 +21040,7 @@
                 <a:latin typeface="微软雅黑" panose="020B0503020204020204" pitchFamily="34" charset="-122"/>
                 <a:ea typeface="微软雅黑" panose="020B0503020204020204" pitchFamily="34" charset="-122"/>
               </a:rPr>
-              <a:t>工况电流：</a:t>
+              <a:t>工况电流：不同倍率充放电电流</a:t>
             </a:r>
             <a:endParaRPr lang="en-US" altLang="zh-CN" sz="1600" dirty="0">
               <a:latin typeface="微软雅黑" panose="020B0503020204020204" pitchFamily="34" charset="-122"/>
@@ -23304,7 +24287,7 @@
                 <a:latin typeface="微软雅黑" panose="020B0503020204020204" pitchFamily="34" charset="-122"/>
                 <a:ea typeface="微软雅黑" panose="020B0503020204020204" pitchFamily="34" charset="-122"/>
               </a:rPr>
-              <a:t>受试验条件限制，仅对模型不同模块进行了分别验证，未能设计新工况对模型进行综合验证；</a:t>
+              <a:t>受试验条件限制，仅对模型不同模块进行了分别验证，未能设计新工况验证模型的通用性；</a:t>
             </a:r>
             <a:endParaRPr lang="en-US" altLang="zh-CN" sz="1600" dirty="0">
               <a:latin typeface="微软雅黑" panose="020B0503020204020204" pitchFamily="34" charset="-122"/>
@@ -28329,7 +29312,7 @@
           <a:graphicData uri="http://schemas.openxmlformats.org/presentationml/2006/ole">
             <mc:AlternateContent xmlns:mc="http://schemas.openxmlformats.org/markup-compatibility/2006">
               <mc:Choice xmlns:v="urn:schemas-microsoft-com:vml" Requires="v">
-                <p:oleObj spid="_x0000_s11304" name="Equation" r:id="rId4" imgW="1816100" imgH="419100" progId="Equation.DSMT4">
+                <p:oleObj spid="_x0000_s11520" name="Equation" r:id="rId4" imgW="1816100" imgH="419100" progId="Equation.DSMT4">
                   <p:embed/>
                 </p:oleObj>
               </mc:Choice>
@@ -28471,7 +29454,7 @@
           <a:graphicData uri="http://schemas.openxmlformats.org/presentationml/2006/ole">
             <mc:AlternateContent xmlns:mc="http://schemas.openxmlformats.org/markup-compatibility/2006">
               <mc:Choice xmlns:v="urn:schemas-microsoft-com:vml" Requires="v">
-                <p:oleObj spid="_x0000_s11305" name="Equation" r:id="rId6" imgW="1333500" imgH="393700" progId="Equation.DSMT4">
+                <p:oleObj spid="_x0000_s11521" name="Equation" r:id="rId6" imgW="1333500" imgH="393700" progId="Equation.DSMT4">
                   <p:embed/>
                 </p:oleObj>
               </mc:Choice>
@@ -28752,7 +29735,7 @@
           <a:graphicData uri="http://schemas.openxmlformats.org/presentationml/2006/ole">
             <mc:AlternateContent xmlns:mc="http://schemas.openxmlformats.org/markup-compatibility/2006">
               <mc:Choice xmlns:v="urn:schemas-microsoft-com:vml" Requires="v">
-                <p:oleObj spid="_x0000_s11306" name="Equation" r:id="rId8" imgW="2057400" imgH="444500" progId="Equation.DSMT4">
+                <p:oleObj spid="_x0000_s11522" name="Equation" r:id="rId8" imgW="2057400" imgH="444500" progId="Equation.DSMT4">
                   <p:embed/>
                 </p:oleObj>
               </mc:Choice>
@@ -29626,7 +30609,7 @@
         </p:nvSpPr>
         <p:spPr>
           <a:xfrm>
-            <a:off x="8468414" y="2193329"/>
+            <a:off x="9213606" y="2199972"/>
             <a:ext cx="1167619" cy="369332"/>
           </a:xfrm>
           <a:prstGeom prst="rect">
@@ -29803,7 +30786,7 @@
           <a:graphicData uri="http://schemas.openxmlformats.org/presentationml/2006/ole">
             <mc:AlternateContent xmlns:mc="http://schemas.openxmlformats.org/markup-compatibility/2006">
               <mc:Choice xmlns:v="urn:schemas-microsoft-com:vml" Requires="v">
-                <p:oleObj spid="_x0000_s11307" name="Equation" r:id="rId16" imgW="2171700" imgH="393700" progId="Equation.DSMT4">
+                <p:oleObj spid="_x0000_s11523" name="Equation" r:id="rId16" imgW="2171700" imgH="393700" progId="Equation.DSMT4">
                   <p:embed/>
                 </p:oleObj>
               </mc:Choice>
@@ -30035,7 +31018,7 @@
           <a:graphicData uri="http://schemas.openxmlformats.org/presentationml/2006/ole">
             <mc:AlternateContent xmlns:mc="http://schemas.openxmlformats.org/markup-compatibility/2006">
               <mc:Choice xmlns:v="urn:schemas-microsoft-com:vml" Requires="v">
-                <p:oleObj spid="_x0000_s11308" name="Equation" r:id="rId18" imgW="1091726" imgH="228501" progId="Equation.DSMT4">
+                <p:oleObj spid="_x0000_s11524" name="Equation" r:id="rId18" imgW="1091726" imgH="228501" progId="Equation.DSMT4">
                   <p:embed/>
                 </p:oleObj>
               </mc:Choice>
@@ -30222,7 +31205,7 @@
           <a:graphicData uri="http://schemas.openxmlformats.org/presentationml/2006/ole">
             <mc:AlternateContent xmlns:mc="http://schemas.openxmlformats.org/markup-compatibility/2006">
               <mc:Choice xmlns:v="urn:schemas-microsoft-com:vml" Requires="v">
-                <p:oleObj spid="_x0000_s11309" name="Equation" r:id="rId20" imgW="2145369" imgH="253890" progId="Equation.DSMT4">
+                <p:oleObj spid="_x0000_s11525" name="Equation" r:id="rId20" imgW="2145369" imgH="253890" progId="Equation.DSMT4">
                   <p:embed/>
                 </p:oleObj>
               </mc:Choice>
@@ -30409,7 +31392,7 @@
           <a:graphicData uri="http://schemas.openxmlformats.org/presentationml/2006/ole">
             <mc:AlternateContent xmlns:mc="http://schemas.openxmlformats.org/markup-compatibility/2006">
               <mc:Choice xmlns:v="urn:schemas-microsoft-com:vml" Requires="v">
-                <p:oleObj spid="_x0000_s11310" name="Equation" r:id="rId22" imgW="2044700" imgH="444500" progId="Equation.DSMT4">
+                <p:oleObj spid="_x0000_s11526" name="Equation" r:id="rId22" imgW="2044700" imgH="444500" progId="Equation.DSMT4">
                   <p:embed/>
                 </p:oleObj>
               </mc:Choice>
@@ -30861,7 +31844,7 @@
           <a:graphicData uri="http://schemas.openxmlformats.org/presentationml/2006/ole">
             <mc:AlternateContent xmlns:mc="http://schemas.openxmlformats.org/markup-compatibility/2006">
               <mc:Choice xmlns:v="urn:schemas-microsoft-com:vml" Requires="v">
-                <p:oleObj spid="_x0000_s11311" name="Equation" r:id="rId26" imgW="152334" imgH="228501" progId="Equation.DSMT4">
+                <p:oleObj spid="_x0000_s11527" name="Equation" r:id="rId26" imgW="152334" imgH="228501" progId="Equation.DSMT4">
                   <p:embed/>
                 </p:oleObj>
               </mc:Choice>
@@ -31031,7 +32014,7 @@
           <a:graphicData uri="http://schemas.openxmlformats.org/presentationml/2006/ole">
             <mc:AlternateContent xmlns:mc="http://schemas.openxmlformats.org/markup-compatibility/2006">
               <mc:Choice xmlns:v="urn:schemas-microsoft-com:vml" Requires="v">
-                <p:oleObj spid="_x0000_s11312" name="Equation" r:id="rId29" imgW="152334" imgH="228501" progId="Equation.DSMT4">
+                <p:oleObj spid="_x0000_s11528" name="Equation" r:id="rId29" imgW="152334" imgH="228501" progId="Equation.DSMT4">
                   <p:embed/>
                 </p:oleObj>
               </mc:Choice>
@@ -31182,6 +32165,146 @@
           </p:sp>
         </mc:Fallback>
       </mc:AlternateContent>
+      <p:sp>
+        <p:nvSpPr>
+          <p:cNvPr id="64" name="文本框 63">
+            <a:extLst>
+              <a:ext uri="{FF2B5EF4-FFF2-40B4-BE49-F238E27FC236}">
+                <a16:creationId xmlns:a16="http://schemas.microsoft.com/office/drawing/2014/main" id="{71CEDDF5-788E-41F2-AA81-2A051EC97D04}"/>
+              </a:ext>
+            </a:extLst>
+          </p:cNvPr>
+          <p:cNvSpPr txBox="1"/>
+          <p:nvPr/>
+        </p:nvSpPr>
+        <p:spPr>
+          <a:xfrm>
+            <a:off x="7720627" y="2199972"/>
+            <a:ext cx="1371647" cy="367279"/>
+          </a:xfrm>
+          <a:prstGeom prst="rect">
+            <a:avLst/>
+          </a:prstGeom>
+          <a:noFill/>
+        </p:spPr>
+        <p:txBody>
+          <a:bodyPr wrap="square" rtlCol="0">
+            <a:spAutoFit/>
+          </a:bodyPr>
+          <a:lstStyle/>
+          <a:p>
+            <a:r>
+              <a:rPr lang="zh-CN" altLang="en-US" dirty="0">
+                <a:latin typeface="微软雅黑" panose="020B0503020204020204" pitchFamily="34" charset="-122"/>
+                <a:ea typeface="微软雅黑" panose="020B0503020204020204" pitchFamily="34" charset="-122"/>
+              </a:rPr>
+              <a:t>电化学极化</a:t>
+            </a:r>
+          </a:p>
+        </p:txBody>
+      </p:sp>
+      <p:sp>
+        <p:nvSpPr>
+          <p:cNvPr id="74" name="矩形: 圆角 73">
+            <a:extLst>
+              <a:ext uri="{FF2B5EF4-FFF2-40B4-BE49-F238E27FC236}">
+                <a16:creationId xmlns:a16="http://schemas.microsoft.com/office/drawing/2014/main" id="{1BBD6FF9-B27B-463C-9349-5024D23CF44F}"/>
+              </a:ext>
+            </a:extLst>
+          </p:cNvPr>
+          <p:cNvSpPr/>
+          <p:nvPr/>
+        </p:nvSpPr>
+        <p:spPr>
+          <a:xfrm>
+            <a:off x="10247147" y="1328443"/>
+            <a:ext cx="1780728" cy="557981"/>
+          </a:xfrm>
+          <a:prstGeom prst="roundRect">
+            <a:avLst/>
+          </a:prstGeom>
+          <a:solidFill>
+            <a:schemeClr val="accent6">
+              <a:lumMod val="40000"/>
+              <a:lumOff val="60000"/>
+            </a:schemeClr>
+          </a:solidFill>
+        </p:spPr>
+        <p:style>
+          <a:lnRef idx="2">
+            <a:schemeClr val="accent1">
+              <a:shade val="50000"/>
+            </a:schemeClr>
+          </a:lnRef>
+          <a:fillRef idx="1">
+            <a:schemeClr val="accent1"/>
+          </a:fillRef>
+          <a:effectRef idx="0">
+            <a:schemeClr val="accent1"/>
+          </a:effectRef>
+          <a:fontRef idx="minor">
+            <a:schemeClr val="lt1"/>
+          </a:fontRef>
+        </p:style>
+        <p:txBody>
+          <a:bodyPr rtlCol="0" anchor="ctr"/>
+          <a:lstStyle/>
+          <a:p>
+            <a:pPr algn="ctr"/>
+            <a:endParaRPr lang="zh-CN" altLang="en-US"/>
+          </a:p>
+        </p:txBody>
+      </p:sp>
+      <p:sp>
+        <p:nvSpPr>
+          <p:cNvPr id="77" name="文本框 76">
+            <a:extLst>
+              <a:ext uri="{FF2B5EF4-FFF2-40B4-BE49-F238E27FC236}">
+                <a16:creationId xmlns:a16="http://schemas.microsoft.com/office/drawing/2014/main" id="{375D93B1-E30C-4B8B-BA85-8120E611E172}"/>
+              </a:ext>
+            </a:extLst>
+          </p:cNvPr>
+          <p:cNvSpPr txBox="1"/>
+          <p:nvPr/>
+        </p:nvSpPr>
+        <p:spPr>
+          <a:xfrm>
+            <a:off x="10374541" y="1340198"/>
+            <a:ext cx="1653333" cy="458908"/>
+          </a:xfrm>
+          <a:prstGeom prst="rect">
+            <a:avLst/>
+          </a:prstGeom>
+          <a:noFill/>
+        </p:spPr>
+        <p:txBody>
+          <a:bodyPr wrap="square" rtlCol="0">
+            <a:spAutoFit/>
+          </a:bodyPr>
+          <a:lstStyle/>
+          <a:p>
+            <a:pPr>
+              <a:lnSpc>
+                <a:spcPct val="150000"/>
+              </a:lnSpc>
+              <a:buClr>
+                <a:schemeClr val="tx1"/>
+              </a:buClr>
+            </a:pPr>
+            <a:r>
+              <a:rPr lang="zh-CN" altLang="en-US" dirty="0">
+                <a:latin typeface="微软雅黑" panose="020B0503020204020204" pitchFamily="34" charset="-122"/>
+                <a:ea typeface="微软雅黑" panose="020B0503020204020204" pitchFamily="34" charset="-122"/>
+              </a:rPr>
+              <a:t>阻抗增大原因</a:t>
+            </a:r>
+            <a:endParaRPr lang="en-US" altLang="zh-CN" sz="1600" dirty="0">
+              <a:latin typeface="微软雅黑" panose="020B0503020204020204" pitchFamily="34" charset="-122"/>
+              <a:ea typeface="微软雅黑" panose="020B0503020204020204" pitchFamily="34" charset="-122"/>
+            </a:endParaRPr>
+          </a:p>
+        </p:txBody>
+      </p:sp>
     </p:spTree>
     <p:extLst>
       <p:ext uri="{BB962C8B-B14F-4D97-AF65-F5344CB8AC3E}">
@@ -31883,1991 +33006,1970 @@
           </a:p>
         </p:txBody>
       </p:sp>
-      <p:grpSp>
-        <p:nvGrpSpPr>
-          <p:cNvPr id="6" name="组合 5">
-            <a:extLst>
-              <a:ext uri="{FF2B5EF4-FFF2-40B4-BE49-F238E27FC236}">
-                <a16:creationId xmlns:a16="http://schemas.microsoft.com/office/drawing/2014/main" id="{DCB3E8F1-F957-4BB4-BCDD-CA1614004B5C}"/>
-              </a:ext>
-            </a:extLst>
-          </p:cNvPr>
-          <p:cNvGrpSpPr/>
-          <p:nvPr/>
-        </p:nvGrpSpPr>
-        <p:grpSpPr>
-          <a:xfrm>
-            <a:off x="1183624" y="1635099"/>
-            <a:ext cx="9356791" cy="4417827"/>
-            <a:chOff x="1183624" y="1635099"/>
-            <a:chExt cx="9356791" cy="4417827"/>
-          </a:xfrm>
-        </p:grpSpPr>
-        <p:sp>
-          <p:nvSpPr>
-            <p:cNvPr id="32" name="矩形: 圆角 31">
-              <a:extLst>
-                <a:ext uri="{FF2B5EF4-FFF2-40B4-BE49-F238E27FC236}">
-                  <a16:creationId xmlns:a16="http://schemas.microsoft.com/office/drawing/2014/main" id="{1BAA7191-D07F-4D69-800A-92538C229043}"/>
-                </a:ext>
-              </a:extLst>
-            </p:cNvPr>
-            <p:cNvSpPr/>
-            <p:nvPr/>
-          </p:nvSpPr>
-          <p:spPr>
-            <a:xfrm>
-              <a:off x="4011200" y="3265133"/>
-              <a:ext cx="1780728" cy="557981"/>
-            </a:xfrm>
-            <a:prstGeom prst="roundRect">
-              <a:avLst/>
-            </a:prstGeom>
-            <a:solidFill>
-              <a:schemeClr val="accent6">
-                <a:lumMod val="40000"/>
-                <a:lumOff val="60000"/>
-              </a:schemeClr>
-            </a:solidFill>
-          </p:spPr>
-          <p:style>
-            <a:lnRef idx="2">
-              <a:schemeClr val="accent1">
-                <a:shade val="50000"/>
-              </a:schemeClr>
-            </a:lnRef>
-            <a:fillRef idx="1">
-              <a:schemeClr val="accent1"/>
-            </a:fillRef>
-            <a:effectRef idx="0">
-              <a:schemeClr val="accent1"/>
-            </a:effectRef>
-            <a:fontRef idx="minor">
-              <a:schemeClr val="lt1"/>
-            </a:fontRef>
-          </p:style>
-          <p:txBody>
-            <a:bodyPr rtlCol="0" anchor="ctr"/>
-            <a:lstStyle/>
-            <a:p>
-              <a:pPr algn="ctr"/>
-              <a:endParaRPr lang="zh-CN" altLang="en-US"/>
-            </a:p>
-          </p:txBody>
-        </p:sp>
-        <p:sp>
-          <p:nvSpPr>
-            <p:cNvPr id="33" name="文本框 32">
-              <a:extLst>
-                <a:ext uri="{FF2B5EF4-FFF2-40B4-BE49-F238E27FC236}">
-                  <a16:creationId xmlns:a16="http://schemas.microsoft.com/office/drawing/2014/main" id="{159601C3-2575-410B-933F-0C99C8C8BDDA}"/>
-                </a:ext>
-              </a:extLst>
-            </p:cNvPr>
-            <p:cNvSpPr txBox="1"/>
-            <p:nvPr/>
-          </p:nvSpPr>
-          <p:spPr>
-            <a:xfrm>
-              <a:off x="4138594" y="3276888"/>
-              <a:ext cx="1653333" cy="458908"/>
-            </a:xfrm>
-            <a:prstGeom prst="rect">
-              <a:avLst/>
-            </a:prstGeom>
-            <a:noFill/>
-          </p:spPr>
-          <p:txBody>
-            <a:bodyPr wrap="square" rtlCol="0">
-              <a:spAutoFit/>
-            </a:bodyPr>
-            <a:lstStyle/>
-            <a:p>
-              <a:pPr>
-                <a:lnSpc>
-                  <a:spcPct val="150000"/>
-                </a:lnSpc>
-                <a:buClr>
-                  <a:schemeClr val="tx1"/>
-                </a:buClr>
-              </a:pPr>
-              <a:r>
-                <a:rPr lang="zh-CN" altLang="en-US" dirty="0">
-                  <a:latin typeface="微软雅黑" panose="020B0503020204020204" pitchFamily="34" charset="-122"/>
-                  <a:ea typeface="微软雅黑" panose="020B0503020204020204" pitchFamily="34" charset="-122"/>
-                </a:rPr>
-                <a:t>等效电路模型</a:t>
-              </a:r>
-              <a:endParaRPr lang="en-US" altLang="zh-CN" sz="1600" dirty="0">
+      <p:sp>
+        <p:nvSpPr>
+          <p:cNvPr id="32" name="矩形: 圆角 31">
+            <a:extLst>
+              <a:ext uri="{FF2B5EF4-FFF2-40B4-BE49-F238E27FC236}">
+                <a16:creationId xmlns:a16="http://schemas.microsoft.com/office/drawing/2014/main" id="{1BAA7191-D07F-4D69-800A-92538C229043}"/>
+              </a:ext>
+            </a:extLst>
+          </p:cNvPr>
+          <p:cNvSpPr/>
+          <p:nvPr/>
+        </p:nvSpPr>
+        <p:spPr>
+          <a:xfrm>
+            <a:off x="4011200" y="3265133"/>
+            <a:ext cx="1780728" cy="557981"/>
+          </a:xfrm>
+          <a:prstGeom prst="roundRect">
+            <a:avLst/>
+          </a:prstGeom>
+          <a:solidFill>
+            <a:schemeClr val="accent6">
+              <a:lumMod val="40000"/>
+              <a:lumOff val="60000"/>
+            </a:schemeClr>
+          </a:solidFill>
+        </p:spPr>
+        <p:style>
+          <a:lnRef idx="2">
+            <a:schemeClr val="accent1">
+              <a:shade val="50000"/>
+            </a:schemeClr>
+          </a:lnRef>
+          <a:fillRef idx="1">
+            <a:schemeClr val="accent1"/>
+          </a:fillRef>
+          <a:effectRef idx="0">
+            <a:schemeClr val="accent1"/>
+          </a:effectRef>
+          <a:fontRef idx="minor">
+            <a:schemeClr val="lt1"/>
+          </a:fontRef>
+        </p:style>
+        <p:txBody>
+          <a:bodyPr rtlCol="0" anchor="ctr"/>
+          <a:lstStyle/>
+          <a:p>
+            <a:pPr algn="ctr"/>
+            <a:endParaRPr lang="zh-CN" altLang="en-US"/>
+          </a:p>
+        </p:txBody>
+      </p:sp>
+      <p:sp>
+        <p:nvSpPr>
+          <p:cNvPr id="33" name="文本框 32">
+            <a:extLst>
+              <a:ext uri="{FF2B5EF4-FFF2-40B4-BE49-F238E27FC236}">
+                <a16:creationId xmlns:a16="http://schemas.microsoft.com/office/drawing/2014/main" id="{159601C3-2575-410B-933F-0C99C8C8BDDA}"/>
+              </a:ext>
+            </a:extLst>
+          </p:cNvPr>
+          <p:cNvSpPr txBox="1"/>
+          <p:nvPr/>
+        </p:nvSpPr>
+        <p:spPr>
+          <a:xfrm>
+            <a:off x="4138594" y="3276888"/>
+            <a:ext cx="1653333" cy="458908"/>
+          </a:xfrm>
+          <a:prstGeom prst="rect">
+            <a:avLst/>
+          </a:prstGeom>
+          <a:noFill/>
+        </p:spPr>
+        <p:txBody>
+          <a:bodyPr wrap="square" rtlCol="0">
+            <a:spAutoFit/>
+          </a:bodyPr>
+          <a:lstStyle/>
+          <a:p>
+            <a:pPr>
+              <a:lnSpc>
+                <a:spcPct val="150000"/>
+              </a:lnSpc>
+              <a:buClr>
+                <a:schemeClr val="tx1"/>
+              </a:buClr>
+            </a:pPr>
+            <a:r>
+              <a:rPr lang="zh-CN" altLang="en-US" dirty="0">
                 <a:latin typeface="微软雅黑" panose="020B0503020204020204" pitchFamily="34" charset="-122"/>
                 <a:ea typeface="微软雅黑" panose="020B0503020204020204" pitchFamily="34" charset="-122"/>
-              </a:endParaRPr>
-            </a:p>
-          </p:txBody>
-        </p:sp>
-        <p:sp>
-          <p:nvSpPr>
-            <p:cNvPr id="34" name="矩形: 圆角 33">
-              <a:extLst>
-                <a:ext uri="{FF2B5EF4-FFF2-40B4-BE49-F238E27FC236}">
-                  <a16:creationId xmlns:a16="http://schemas.microsoft.com/office/drawing/2014/main" id="{5FDAA26A-02A7-4D8E-B0D1-02617D3F5015}"/>
-                </a:ext>
-              </a:extLst>
-            </p:cNvPr>
-            <p:cNvSpPr/>
-            <p:nvPr/>
-          </p:nvSpPr>
-          <p:spPr>
-            <a:xfrm>
-              <a:off x="7151008" y="2075602"/>
-              <a:ext cx="1065397" cy="557980"/>
-            </a:xfrm>
-            <a:prstGeom prst="roundRect">
-              <a:avLst/>
-            </a:prstGeom>
-            <a:solidFill>
-              <a:schemeClr val="accent6">
-                <a:lumMod val="40000"/>
-                <a:lumOff val="60000"/>
-              </a:schemeClr>
-            </a:solidFill>
-          </p:spPr>
-          <p:style>
-            <a:lnRef idx="2">
-              <a:schemeClr val="accent1">
-                <a:shade val="50000"/>
-              </a:schemeClr>
-            </a:lnRef>
-            <a:fillRef idx="1">
-              <a:schemeClr val="accent1"/>
-            </a:fillRef>
-            <a:effectRef idx="0">
-              <a:schemeClr val="accent1"/>
-            </a:effectRef>
-            <a:fontRef idx="minor">
-              <a:schemeClr val="lt1"/>
-            </a:fontRef>
-          </p:style>
-          <p:txBody>
-            <a:bodyPr rtlCol="0" anchor="ctr"/>
-            <a:lstStyle/>
-            <a:p>
-              <a:pPr algn="ctr"/>
-              <a:endParaRPr lang="zh-CN" altLang="en-US"/>
-            </a:p>
-          </p:txBody>
-        </p:sp>
-        <p:sp>
-          <p:nvSpPr>
-            <p:cNvPr id="35" name="文本框 34">
-              <a:extLst>
-                <a:ext uri="{FF2B5EF4-FFF2-40B4-BE49-F238E27FC236}">
-                  <a16:creationId xmlns:a16="http://schemas.microsoft.com/office/drawing/2014/main" id="{BF478465-5B6B-47A7-A5DC-F61D37A88ABF}"/>
-                </a:ext>
-              </a:extLst>
-            </p:cNvPr>
-            <p:cNvSpPr txBox="1"/>
-            <p:nvPr/>
-          </p:nvSpPr>
-          <p:spPr>
-            <a:xfrm>
-              <a:off x="7278403" y="2087355"/>
-              <a:ext cx="938002" cy="458908"/>
-            </a:xfrm>
-            <a:prstGeom prst="rect">
-              <a:avLst/>
-            </a:prstGeom>
-            <a:noFill/>
-          </p:spPr>
-          <p:txBody>
-            <a:bodyPr wrap="square" rtlCol="0">
-              <a:spAutoFit/>
-            </a:bodyPr>
-            <a:lstStyle/>
-            <a:p>
-              <a:pPr>
-                <a:lnSpc>
-                  <a:spcPct val="150000"/>
-                </a:lnSpc>
-                <a:buClr>
-                  <a:schemeClr val="tx1"/>
-                </a:buClr>
-              </a:pPr>
-              <a:r>
-                <a:rPr lang="zh-CN" altLang="en-US" dirty="0">
-                  <a:latin typeface="微软雅黑" panose="020B0503020204020204" pitchFamily="34" charset="-122"/>
-                  <a:ea typeface="微软雅黑" panose="020B0503020204020204" pitchFamily="34" charset="-122"/>
-                </a:rPr>
-                <a:t>热模型</a:t>
-              </a:r>
-              <a:endParaRPr lang="en-US" altLang="zh-CN" sz="1600" dirty="0">
+              </a:rPr>
+              <a:t>等效电路模型</a:t>
+            </a:r>
+            <a:endParaRPr lang="en-US" altLang="zh-CN" sz="1600" dirty="0">
+              <a:latin typeface="微软雅黑" panose="020B0503020204020204" pitchFamily="34" charset="-122"/>
+              <a:ea typeface="微软雅黑" panose="020B0503020204020204" pitchFamily="34" charset="-122"/>
+            </a:endParaRPr>
+          </a:p>
+        </p:txBody>
+      </p:sp>
+      <p:sp>
+        <p:nvSpPr>
+          <p:cNvPr id="34" name="矩形: 圆角 33">
+            <a:extLst>
+              <a:ext uri="{FF2B5EF4-FFF2-40B4-BE49-F238E27FC236}">
+                <a16:creationId xmlns:a16="http://schemas.microsoft.com/office/drawing/2014/main" id="{5FDAA26A-02A7-4D8E-B0D1-02617D3F5015}"/>
+              </a:ext>
+            </a:extLst>
+          </p:cNvPr>
+          <p:cNvSpPr/>
+          <p:nvPr/>
+        </p:nvSpPr>
+        <p:spPr>
+          <a:xfrm>
+            <a:off x="7151008" y="2075602"/>
+            <a:ext cx="1065397" cy="557980"/>
+          </a:xfrm>
+          <a:prstGeom prst="roundRect">
+            <a:avLst/>
+          </a:prstGeom>
+          <a:solidFill>
+            <a:schemeClr val="accent6">
+              <a:lumMod val="40000"/>
+              <a:lumOff val="60000"/>
+            </a:schemeClr>
+          </a:solidFill>
+        </p:spPr>
+        <p:style>
+          <a:lnRef idx="2">
+            <a:schemeClr val="accent1">
+              <a:shade val="50000"/>
+            </a:schemeClr>
+          </a:lnRef>
+          <a:fillRef idx="1">
+            <a:schemeClr val="accent1"/>
+          </a:fillRef>
+          <a:effectRef idx="0">
+            <a:schemeClr val="accent1"/>
+          </a:effectRef>
+          <a:fontRef idx="minor">
+            <a:schemeClr val="lt1"/>
+          </a:fontRef>
+        </p:style>
+        <p:txBody>
+          <a:bodyPr rtlCol="0" anchor="ctr"/>
+          <a:lstStyle/>
+          <a:p>
+            <a:pPr algn="ctr"/>
+            <a:endParaRPr lang="zh-CN" altLang="en-US"/>
+          </a:p>
+        </p:txBody>
+      </p:sp>
+      <p:sp>
+        <p:nvSpPr>
+          <p:cNvPr id="35" name="文本框 34">
+            <a:extLst>
+              <a:ext uri="{FF2B5EF4-FFF2-40B4-BE49-F238E27FC236}">
+                <a16:creationId xmlns:a16="http://schemas.microsoft.com/office/drawing/2014/main" id="{BF478465-5B6B-47A7-A5DC-F61D37A88ABF}"/>
+              </a:ext>
+            </a:extLst>
+          </p:cNvPr>
+          <p:cNvSpPr txBox="1"/>
+          <p:nvPr/>
+        </p:nvSpPr>
+        <p:spPr>
+          <a:xfrm>
+            <a:off x="7278403" y="2087355"/>
+            <a:ext cx="938002" cy="458908"/>
+          </a:xfrm>
+          <a:prstGeom prst="rect">
+            <a:avLst/>
+          </a:prstGeom>
+          <a:noFill/>
+        </p:spPr>
+        <p:txBody>
+          <a:bodyPr wrap="square" rtlCol="0">
+            <a:spAutoFit/>
+          </a:bodyPr>
+          <a:lstStyle/>
+          <a:p>
+            <a:pPr>
+              <a:lnSpc>
+                <a:spcPct val="150000"/>
+              </a:lnSpc>
+              <a:buClr>
+                <a:schemeClr val="tx1"/>
+              </a:buClr>
+            </a:pPr>
+            <a:r>
+              <a:rPr lang="zh-CN" altLang="en-US" dirty="0">
                 <a:latin typeface="微软雅黑" panose="020B0503020204020204" pitchFamily="34" charset="-122"/>
                 <a:ea typeface="微软雅黑" panose="020B0503020204020204" pitchFamily="34" charset="-122"/>
-              </a:endParaRPr>
-            </a:p>
-          </p:txBody>
-        </p:sp>
-        <p:sp>
-          <p:nvSpPr>
-            <p:cNvPr id="36" name="矩形: 圆角 35">
-              <a:extLst>
-                <a:ext uri="{FF2B5EF4-FFF2-40B4-BE49-F238E27FC236}">
-                  <a16:creationId xmlns:a16="http://schemas.microsoft.com/office/drawing/2014/main" id="{46FB8B81-8246-40F8-A2BC-C512BB17A100}"/>
-                </a:ext>
-              </a:extLst>
-            </p:cNvPr>
-            <p:cNvSpPr/>
-            <p:nvPr/>
-          </p:nvSpPr>
-          <p:spPr>
-            <a:xfrm>
-              <a:off x="7278403" y="4473847"/>
-              <a:ext cx="2261151" cy="557981"/>
-            </a:xfrm>
-            <a:prstGeom prst="roundRect">
-              <a:avLst/>
-            </a:prstGeom>
-            <a:solidFill>
-              <a:schemeClr val="accent6">
-                <a:lumMod val="40000"/>
-                <a:lumOff val="60000"/>
-              </a:schemeClr>
-            </a:solidFill>
-          </p:spPr>
-          <p:style>
-            <a:lnRef idx="2">
-              <a:schemeClr val="accent1">
-                <a:shade val="50000"/>
-              </a:schemeClr>
-            </a:lnRef>
-            <a:fillRef idx="1">
-              <a:schemeClr val="accent1"/>
-            </a:fillRef>
-            <a:effectRef idx="0">
-              <a:schemeClr val="accent1"/>
-            </a:effectRef>
-            <a:fontRef idx="minor">
-              <a:schemeClr val="lt1"/>
-            </a:fontRef>
-          </p:style>
-          <p:txBody>
-            <a:bodyPr rtlCol="0" anchor="ctr"/>
-            <a:lstStyle/>
-            <a:p>
-              <a:pPr algn="ctr"/>
-              <a:endParaRPr lang="zh-CN" altLang="en-US"/>
-            </a:p>
-          </p:txBody>
-        </p:sp>
-        <p:sp>
-          <p:nvSpPr>
-            <p:cNvPr id="37" name="文本框 36">
-              <a:extLst>
-                <a:ext uri="{FF2B5EF4-FFF2-40B4-BE49-F238E27FC236}">
-                  <a16:creationId xmlns:a16="http://schemas.microsoft.com/office/drawing/2014/main" id="{088DD101-5381-4BD4-86E4-AB646771E64B}"/>
-                </a:ext>
-              </a:extLst>
-            </p:cNvPr>
-            <p:cNvSpPr txBox="1"/>
-            <p:nvPr/>
-          </p:nvSpPr>
-          <p:spPr>
-            <a:xfrm>
-              <a:off x="7405798" y="4485603"/>
-              <a:ext cx="2133757" cy="458908"/>
-            </a:xfrm>
-            <a:prstGeom prst="rect">
-              <a:avLst/>
-            </a:prstGeom>
-            <a:noFill/>
-          </p:spPr>
-          <p:txBody>
-            <a:bodyPr wrap="square" rtlCol="0">
-              <a:spAutoFit/>
-            </a:bodyPr>
-            <a:lstStyle/>
-            <a:p>
-              <a:pPr>
-                <a:lnSpc>
-                  <a:spcPct val="150000"/>
-                </a:lnSpc>
-                <a:buClr>
-                  <a:schemeClr val="tx1"/>
-                </a:buClr>
-              </a:pPr>
-              <a:r>
-                <a:rPr lang="zh-CN" altLang="en-US" dirty="0">
-                  <a:latin typeface="微软雅黑" panose="020B0503020204020204" pitchFamily="34" charset="-122"/>
-                  <a:ea typeface="微软雅黑" panose="020B0503020204020204" pitchFamily="34" charset="-122"/>
-                </a:rPr>
-                <a:t>循环容量衰减模型</a:t>
-              </a:r>
-              <a:endParaRPr lang="en-US" altLang="zh-CN" sz="1600" dirty="0">
+              </a:rPr>
+              <a:t>热模型</a:t>
+            </a:r>
+            <a:endParaRPr lang="en-US" altLang="zh-CN" sz="1600" dirty="0">
+              <a:latin typeface="微软雅黑" panose="020B0503020204020204" pitchFamily="34" charset="-122"/>
+              <a:ea typeface="微软雅黑" panose="020B0503020204020204" pitchFamily="34" charset="-122"/>
+            </a:endParaRPr>
+          </a:p>
+        </p:txBody>
+      </p:sp>
+      <p:sp>
+        <p:nvSpPr>
+          <p:cNvPr id="36" name="矩形: 圆角 35">
+            <a:extLst>
+              <a:ext uri="{FF2B5EF4-FFF2-40B4-BE49-F238E27FC236}">
+                <a16:creationId xmlns:a16="http://schemas.microsoft.com/office/drawing/2014/main" id="{46FB8B81-8246-40F8-A2BC-C512BB17A100}"/>
+              </a:ext>
+            </a:extLst>
+          </p:cNvPr>
+          <p:cNvSpPr/>
+          <p:nvPr/>
+        </p:nvSpPr>
+        <p:spPr>
+          <a:xfrm>
+            <a:off x="7278403" y="4473847"/>
+            <a:ext cx="2261151" cy="557981"/>
+          </a:xfrm>
+          <a:prstGeom prst="roundRect">
+            <a:avLst/>
+          </a:prstGeom>
+          <a:solidFill>
+            <a:schemeClr val="accent6">
+              <a:lumMod val="40000"/>
+              <a:lumOff val="60000"/>
+            </a:schemeClr>
+          </a:solidFill>
+        </p:spPr>
+        <p:style>
+          <a:lnRef idx="2">
+            <a:schemeClr val="accent1">
+              <a:shade val="50000"/>
+            </a:schemeClr>
+          </a:lnRef>
+          <a:fillRef idx="1">
+            <a:schemeClr val="accent1"/>
+          </a:fillRef>
+          <a:effectRef idx="0">
+            <a:schemeClr val="accent1"/>
+          </a:effectRef>
+          <a:fontRef idx="minor">
+            <a:schemeClr val="lt1"/>
+          </a:fontRef>
+        </p:style>
+        <p:txBody>
+          <a:bodyPr rtlCol="0" anchor="ctr"/>
+          <a:lstStyle/>
+          <a:p>
+            <a:pPr algn="ctr"/>
+            <a:endParaRPr lang="zh-CN" altLang="en-US"/>
+          </a:p>
+        </p:txBody>
+      </p:sp>
+      <p:sp>
+        <p:nvSpPr>
+          <p:cNvPr id="37" name="文本框 36">
+            <a:extLst>
+              <a:ext uri="{FF2B5EF4-FFF2-40B4-BE49-F238E27FC236}">
+                <a16:creationId xmlns:a16="http://schemas.microsoft.com/office/drawing/2014/main" id="{088DD101-5381-4BD4-86E4-AB646771E64B}"/>
+              </a:ext>
+            </a:extLst>
+          </p:cNvPr>
+          <p:cNvSpPr txBox="1"/>
+          <p:nvPr/>
+        </p:nvSpPr>
+        <p:spPr>
+          <a:xfrm>
+            <a:off x="7405798" y="4485603"/>
+            <a:ext cx="2133757" cy="458908"/>
+          </a:xfrm>
+          <a:prstGeom prst="rect">
+            <a:avLst/>
+          </a:prstGeom>
+          <a:noFill/>
+        </p:spPr>
+        <p:txBody>
+          <a:bodyPr wrap="square" rtlCol="0">
+            <a:spAutoFit/>
+          </a:bodyPr>
+          <a:lstStyle/>
+          <a:p>
+            <a:pPr>
+              <a:lnSpc>
+                <a:spcPct val="150000"/>
+              </a:lnSpc>
+              <a:buClr>
+                <a:schemeClr val="tx1"/>
+              </a:buClr>
+            </a:pPr>
+            <a:r>
+              <a:rPr lang="zh-CN" altLang="en-US" dirty="0">
                 <a:latin typeface="微软雅黑" panose="020B0503020204020204" pitchFamily="34" charset="-122"/>
                 <a:ea typeface="微软雅黑" panose="020B0503020204020204" pitchFamily="34" charset="-122"/>
-              </a:endParaRPr>
-            </a:p>
-          </p:txBody>
-        </p:sp>
-        <p:sp>
-          <p:nvSpPr>
-            <p:cNvPr id="38" name="矩形: 圆角 37">
-              <a:extLst>
-                <a:ext uri="{FF2B5EF4-FFF2-40B4-BE49-F238E27FC236}">
-                  <a16:creationId xmlns:a16="http://schemas.microsoft.com/office/drawing/2014/main" id="{3D75A0BC-AC92-4269-8124-5B4C7E05BABE}"/>
-                </a:ext>
-              </a:extLst>
-            </p:cNvPr>
-            <p:cNvSpPr/>
-            <p:nvPr/>
-          </p:nvSpPr>
-          <p:spPr>
-            <a:xfrm>
-              <a:off x="2321505" y="3265132"/>
-              <a:ext cx="1345451" cy="557981"/>
-            </a:xfrm>
-            <a:prstGeom prst="roundRect">
-              <a:avLst/>
-            </a:prstGeom>
-            <a:solidFill>
-              <a:schemeClr val="accent1">
-                <a:lumMod val="20000"/>
-                <a:lumOff val="80000"/>
-              </a:schemeClr>
-            </a:solidFill>
-          </p:spPr>
-          <p:style>
-            <a:lnRef idx="2">
-              <a:schemeClr val="accent1">
-                <a:shade val="50000"/>
-              </a:schemeClr>
-            </a:lnRef>
-            <a:fillRef idx="1">
-              <a:schemeClr val="accent1"/>
-            </a:fillRef>
-            <a:effectRef idx="0">
-              <a:schemeClr val="accent1"/>
-            </a:effectRef>
-            <a:fontRef idx="minor">
-              <a:schemeClr val="lt1"/>
-            </a:fontRef>
-          </p:style>
-          <p:txBody>
-            <a:bodyPr rtlCol="0" anchor="ctr"/>
-            <a:lstStyle/>
-            <a:p>
-              <a:pPr algn="ctr"/>
-              <a:endParaRPr lang="zh-CN" altLang="en-US"/>
-            </a:p>
-          </p:txBody>
-        </p:sp>
-        <p:sp>
-          <p:nvSpPr>
-            <p:cNvPr id="39" name="文本框 38">
-              <a:extLst>
-                <a:ext uri="{FF2B5EF4-FFF2-40B4-BE49-F238E27FC236}">
-                  <a16:creationId xmlns:a16="http://schemas.microsoft.com/office/drawing/2014/main" id="{E9D1FA2A-8705-4B04-8BC1-7AE79615B290}"/>
-                </a:ext>
-              </a:extLst>
-            </p:cNvPr>
-            <p:cNvSpPr txBox="1"/>
-            <p:nvPr/>
-          </p:nvSpPr>
-          <p:spPr>
-            <a:xfrm>
-              <a:off x="2478604" y="3280354"/>
-              <a:ext cx="1239316" cy="458908"/>
-            </a:xfrm>
-            <a:prstGeom prst="rect">
-              <a:avLst/>
-            </a:prstGeom>
-            <a:noFill/>
-          </p:spPr>
-          <p:txBody>
-            <a:bodyPr wrap="square" rtlCol="0">
-              <a:spAutoFit/>
-            </a:bodyPr>
-            <a:lstStyle/>
-            <a:p>
-              <a:pPr>
-                <a:lnSpc>
-                  <a:spcPct val="150000"/>
-                </a:lnSpc>
-                <a:buClr>
-                  <a:schemeClr val="tx1"/>
-                </a:buClr>
-              </a:pPr>
-              <a:r>
-                <a:rPr lang="zh-CN" altLang="en-US" dirty="0">
-                  <a:latin typeface="微软雅黑" panose="020B0503020204020204" pitchFamily="34" charset="-122"/>
-                  <a:ea typeface="微软雅黑" panose="020B0503020204020204" pitchFamily="34" charset="-122"/>
-                </a:rPr>
-                <a:t>温变参数</a:t>
-              </a:r>
-              <a:endParaRPr lang="en-US" altLang="zh-CN" dirty="0">
+              </a:rPr>
+              <a:t>循环容量衰减模型</a:t>
+            </a:r>
+            <a:endParaRPr lang="en-US" altLang="zh-CN" sz="1600" dirty="0">
+              <a:latin typeface="微软雅黑" panose="020B0503020204020204" pitchFamily="34" charset="-122"/>
+              <a:ea typeface="微软雅黑" panose="020B0503020204020204" pitchFamily="34" charset="-122"/>
+            </a:endParaRPr>
+          </a:p>
+        </p:txBody>
+      </p:sp>
+      <p:sp>
+        <p:nvSpPr>
+          <p:cNvPr id="38" name="矩形: 圆角 37">
+            <a:extLst>
+              <a:ext uri="{FF2B5EF4-FFF2-40B4-BE49-F238E27FC236}">
+                <a16:creationId xmlns:a16="http://schemas.microsoft.com/office/drawing/2014/main" id="{3D75A0BC-AC92-4269-8124-5B4C7E05BABE}"/>
+              </a:ext>
+            </a:extLst>
+          </p:cNvPr>
+          <p:cNvSpPr/>
+          <p:nvPr/>
+        </p:nvSpPr>
+        <p:spPr>
+          <a:xfrm>
+            <a:off x="2321505" y="3265132"/>
+            <a:ext cx="1345451" cy="557981"/>
+          </a:xfrm>
+          <a:prstGeom prst="roundRect">
+            <a:avLst/>
+          </a:prstGeom>
+          <a:solidFill>
+            <a:schemeClr val="accent1">
+              <a:lumMod val="20000"/>
+              <a:lumOff val="80000"/>
+            </a:schemeClr>
+          </a:solidFill>
+        </p:spPr>
+        <p:style>
+          <a:lnRef idx="2">
+            <a:schemeClr val="accent1">
+              <a:shade val="50000"/>
+            </a:schemeClr>
+          </a:lnRef>
+          <a:fillRef idx="1">
+            <a:schemeClr val="accent1"/>
+          </a:fillRef>
+          <a:effectRef idx="0">
+            <a:schemeClr val="accent1"/>
+          </a:effectRef>
+          <a:fontRef idx="minor">
+            <a:schemeClr val="lt1"/>
+          </a:fontRef>
+        </p:style>
+        <p:txBody>
+          <a:bodyPr rtlCol="0" anchor="ctr"/>
+          <a:lstStyle/>
+          <a:p>
+            <a:pPr algn="ctr"/>
+            <a:endParaRPr lang="zh-CN" altLang="en-US"/>
+          </a:p>
+        </p:txBody>
+      </p:sp>
+      <p:sp>
+        <p:nvSpPr>
+          <p:cNvPr id="39" name="文本框 38">
+            <a:extLst>
+              <a:ext uri="{FF2B5EF4-FFF2-40B4-BE49-F238E27FC236}">
+                <a16:creationId xmlns:a16="http://schemas.microsoft.com/office/drawing/2014/main" id="{E9D1FA2A-8705-4B04-8BC1-7AE79615B290}"/>
+              </a:ext>
+            </a:extLst>
+          </p:cNvPr>
+          <p:cNvSpPr txBox="1"/>
+          <p:nvPr/>
+        </p:nvSpPr>
+        <p:spPr>
+          <a:xfrm>
+            <a:off x="2478604" y="3280354"/>
+            <a:ext cx="1239316" cy="458908"/>
+          </a:xfrm>
+          <a:prstGeom prst="rect">
+            <a:avLst/>
+          </a:prstGeom>
+          <a:noFill/>
+        </p:spPr>
+        <p:txBody>
+          <a:bodyPr wrap="square" rtlCol="0">
+            <a:spAutoFit/>
+          </a:bodyPr>
+          <a:lstStyle/>
+          <a:p>
+            <a:pPr>
+              <a:lnSpc>
+                <a:spcPct val="150000"/>
+              </a:lnSpc>
+              <a:buClr>
+                <a:schemeClr val="tx1"/>
+              </a:buClr>
+            </a:pPr>
+            <a:r>
+              <a:rPr lang="zh-CN" altLang="en-US" dirty="0">
                 <a:latin typeface="微软雅黑" panose="020B0503020204020204" pitchFamily="34" charset="-122"/>
                 <a:ea typeface="微软雅黑" panose="020B0503020204020204" pitchFamily="34" charset="-122"/>
-              </a:endParaRPr>
-            </a:p>
-          </p:txBody>
-        </p:sp>
-        <p:cxnSp>
-          <p:nvCxnSpPr>
-            <p:cNvPr id="40" name="直接箭头连接符 39">
-              <a:extLst>
-                <a:ext uri="{FF2B5EF4-FFF2-40B4-BE49-F238E27FC236}">
-                  <a16:creationId xmlns:a16="http://schemas.microsoft.com/office/drawing/2014/main" id="{48A5F416-78FA-445D-82A5-CFE86683858E}"/>
-                </a:ext>
-              </a:extLst>
-            </p:cNvPr>
-            <p:cNvCxnSpPr/>
-            <p:nvPr/>
-          </p:nvCxnSpPr>
-          <p:spPr>
-            <a:xfrm flipH="1">
-              <a:off x="5661054" y="2354683"/>
-              <a:ext cx="1406769" cy="829994"/>
-            </a:xfrm>
-            <a:prstGeom prst="straightConnector1">
-              <a:avLst/>
-            </a:prstGeom>
-            <a:ln>
-              <a:headEnd w="med" len="med"/>
-              <a:tailEnd type="triangle" w="lg" len="lg"/>
-            </a:ln>
-          </p:spPr>
-          <p:style>
-            <a:lnRef idx="1">
-              <a:schemeClr val="accent1"/>
-            </a:lnRef>
-            <a:fillRef idx="0">
-              <a:schemeClr val="accent1"/>
-            </a:fillRef>
-            <a:effectRef idx="0">
-              <a:schemeClr val="accent1"/>
-            </a:effectRef>
-            <a:fontRef idx="minor">
-              <a:schemeClr val="tx1"/>
-            </a:fontRef>
-          </p:style>
-        </p:cxnSp>
-        <p:cxnSp>
-          <p:nvCxnSpPr>
-            <p:cNvPr id="41" name="直接箭头连接符 40">
-              <a:extLst>
-                <a:ext uri="{FF2B5EF4-FFF2-40B4-BE49-F238E27FC236}">
-                  <a16:creationId xmlns:a16="http://schemas.microsoft.com/office/drawing/2014/main" id="{8F10B098-2F0D-4FC1-AC13-6BFCC0321EE5}"/>
-                </a:ext>
-              </a:extLst>
-            </p:cNvPr>
-            <p:cNvCxnSpPr>
-              <a:cxnSpLocks/>
-            </p:cNvCxnSpPr>
-            <p:nvPr/>
-          </p:nvCxnSpPr>
-          <p:spPr>
-            <a:xfrm flipV="1">
-              <a:off x="5797438" y="2656913"/>
-              <a:ext cx="1311977" cy="795849"/>
-            </a:xfrm>
-            <a:prstGeom prst="straightConnector1">
-              <a:avLst/>
-            </a:prstGeom>
-            <a:ln>
-              <a:tailEnd type="triangle" w="lg" len="lg"/>
-            </a:ln>
-          </p:spPr>
-          <p:style>
-            <a:lnRef idx="1">
-              <a:schemeClr val="accent1"/>
-            </a:lnRef>
-            <a:fillRef idx="0">
-              <a:schemeClr val="accent1"/>
-            </a:fillRef>
-            <a:effectRef idx="0">
-              <a:schemeClr val="accent1"/>
-            </a:effectRef>
-            <a:fontRef idx="minor">
-              <a:schemeClr val="tx1"/>
-            </a:fontRef>
-          </p:style>
-        </p:cxnSp>
-        <p:sp>
-          <p:nvSpPr>
-            <p:cNvPr id="42" name="文本框 41">
-              <a:extLst>
-                <a:ext uri="{FF2B5EF4-FFF2-40B4-BE49-F238E27FC236}">
-                  <a16:creationId xmlns:a16="http://schemas.microsoft.com/office/drawing/2014/main" id="{A6435298-FFF0-4DD7-A645-5E1FF60E617A}"/>
-                </a:ext>
-              </a:extLst>
-            </p:cNvPr>
-            <p:cNvSpPr txBox="1"/>
-            <p:nvPr/>
-          </p:nvSpPr>
-          <p:spPr>
-            <a:xfrm>
-              <a:off x="5797438" y="2400348"/>
-              <a:ext cx="811800" cy="369332"/>
-            </a:xfrm>
-            <a:prstGeom prst="rect">
-              <a:avLst/>
-            </a:prstGeom>
-            <a:noFill/>
-          </p:spPr>
-          <p:txBody>
-            <a:bodyPr wrap="square" rtlCol="0">
-              <a:spAutoFit/>
-            </a:bodyPr>
-            <a:lstStyle/>
-            <a:p>
-              <a:r>
-                <a:rPr lang="zh-CN" altLang="en-US" dirty="0">
-                  <a:latin typeface="微软雅黑 Light" panose="020B0502040204020203" pitchFamily="34" charset="-122"/>
-                  <a:ea typeface="微软雅黑 Light" panose="020B0502040204020203" pitchFamily="34" charset="-122"/>
-                </a:rPr>
-                <a:t>温度</a:t>
-              </a:r>
-            </a:p>
-          </p:txBody>
-        </p:sp>
-        <p:sp>
-          <p:nvSpPr>
-            <p:cNvPr id="43" name="文本框 42">
-              <a:extLst>
-                <a:ext uri="{FF2B5EF4-FFF2-40B4-BE49-F238E27FC236}">
-                  <a16:creationId xmlns:a16="http://schemas.microsoft.com/office/drawing/2014/main" id="{4397E30A-1DEB-45A1-A87A-6ACAA53F713B}"/>
-                </a:ext>
-              </a:extLst>
-            </p:cNvPr>
-            <p:cNvSpPr txBox="1"/>
-            <p:nvPr/>
-          </p:nvSpPr>
-          <p:spPr>
-            <a:xfrm>
-              <a:off x="6434961" y="2938716"/>
-              <a:ext cx="778270" cy="646331"/>
-            </a:xfrm>
-            <a:prstGeom prst="rect">
-              <a:avLst/>
-            </a:prstGeom>
-            <a:noFill/>
-          </p:spPr>
-          <p:txBody>
-            <a:bodyPr wrap="square" rtlCol="0">
-              <a:spAutoFit/>
-            </a:bodyPr>
-            <a:lstStyle/>
-            <a:p>
-              <a:r>
-                <a:rPr lang="zh-CN" altLang="en-US" dirty="0">
-                  <a:latin typeface="微软雅黑 Light" panose="020B0502040204020203" pitchFamily="34" charset="-122"/>
-                  <a:ea typeface="微软雅黑 Light" panose="020B0502040204020203" pitchFamily="34" charset="-122"/>
-                </a:rPr>
-                <a:t>电压电流</a:t>
-              </a:r>
-            </a:p>
-          </p:txBody>
-        </p:sp>
-        <p:cxnSp>
-          <p:nvCxnSpPr>
-            <p:cNvPr id="44" name="直接箭头连接符 43">
-              <a:extLst>
-                <a:ext uri="{FF2B5EF4-FFF2-40B4-BE49-F238E27FC236}">
-                  <a16:creationId xmlns:a16="http://schemas.microsoft.com/office/drawing/2014/main" id="{9E2AFA61-0733-4DA3-82BF-D56B6DB3CC4A}"/>
-                </a:ext>
-              </a:extLst>
-            </p:cNvPr>
-            <p:cNvCxnSpPr>
-              <a:cxnSpLocks/>
-            </p:cNvCxnSpPr>
-            <p:nvPr/>
-          </p:nvCxnSpPr>
-          <p:spPr>
-            <a:xfrm>
-              <a:off x="7513664" y="2640737"/>
-              <a:ext cx="233740" cy="1686461"/>
-            </a:xfrm>
-            <a:prstGeom prst="straightConnector1">
-              <a:avLst/>
-            </a:prstGeom>
-            <a:ln>
-              <a:tailEnd type="triangle" w="lg" len="lg"/>
-            </a:ln>
-          </p:spPr>
-          <p:style>
-            <a:lnRef idx="1">
-              <a:schemeClr val="accent1"/>
-            </a:lnRef>
-            <a:fillRef idx="0">
-              <a:schemeClr val="accent1"/>
-            </a:fillRef>
-            <a:effectRef idx="0">
-              <a:schemeClr val="accent1"/>
-            </a:effectRef>
-            <a:fontRef idx="minor">
-              <a:schemeClr val="tx1"/>
-            </a:fontRef>
-          </p:style>
-        </p:cxnSp>
-        <p:cxnSp>
-          <p:nvCxnSpPr>
-            <p:cNvPr id="45" name="直接箭头连接符 44">
-              <a:extLst>
-                <a:ext uri="{FF2B5EF4-FFF2-40B4-BE49-F238E27FC236}">
-                  <a16:creationId xmlns:a16="http://schemas.microsoft.com/office/drawing/2014/main" id="{47CE971B-8D6C-4CFA-82C9-EAEC7995C22A}"/>
-                </a:ext>
-              </a:extLst>
-            </p:cNvPr>
-            <p:cNvCxnSpPr>
-              <a:cxnSpLocks/>
-            </p:cNvCxnSpPr>
-            <p:nvPr/>
-          </p:nvCxnSpPr>
-          <p:spPr>
-            <a:xfrm>
-              <a:off x="5780698" y="3823113"/>
-              <a:ext cx="1391984" cy="859743"/>
-            </a:xfrm>
-            <a:prstGeom prst="straightConnector1">
-              <a:avLst/>
-            </a:prstGeom>
-            <a:ln>
-              <a:tailEnd type="triangle" w="lg" len="lg"/>
-            </a:ln>
-          </p:spPr>
-          <p:style>
-            <a:lnRef idx="1">
-              <a:schemeClr val="accent1"/>
-            </a:lnRef>
-            <a:fillRef idx="0">
-              <a:schemeClr val="accent1"/>
-            </a:fillRef>
-            <a:effectRef idx="0">
-              <a:schemeClr val="accent1"/>
-            </a:effectRef>
-            <a:fontRef idx="minor">
-              <a:schemeClr val="tx1"/>
-            </a:fontRef>
-          </p:style>
-        </p:cxnSp>
-        <p:sp>
-          <p:nvSpPr>
-            <p:cNvPr id="46" name="文本框 45">
-              <a:extLst>
-                <a:ext uri="{FF2B5EF4-FFF2-40B4-BE49-F238E27FC236}">
-                  <a16:creationId xmlns:a16="http://schemas.microsoft.com/office/drawing/2014/main" id="{3BA33624-84A3-43C3-AFF9-267DAA1EEA4C}"/>
-                </a:ext>
-              </a:extLst>
-            </p:cNvPr>
-            <p:cNvSpPr txBox="1"/>
-            <p:nvPr/>
-          </p:nvSpPr>
-          <p:spPr>
-            <a:xfrm>
-              <a:off x="7663968" y="3413031"/>
-              <a:ext cx="811800" cy="369332"/>
-            </a:xfrm>
-            <a:prstGeom prst="rect">
-              <a:avLst/>
-            </a:prstGeom>
-            <a:noFill/>
-          </p:spPr>
-          <p:txBody>
-            <a:bodyPr wrap="square" rtlCol="0">
-              <a:spAutoFit/>
-            </a:bodyPr>
-            <a:lstStyle/>
-            <a:p>
-              <a:r>
-                <a:rPr lang="zh-CN" altLang="en-US" dirty="0">
-                  <a:latin typeface="微软雅黑 Light" panose="020B0502040204020203" pitchFamily="34" charset="-122"/>
-                  <a:ea typeface="微软雅黑 Light" panose="020B0502040204020203" pitchFamily="34" charset="-122"/>
-                </a:rPr>
-                <a:t>温度</a:t>
-              </a:r>
-            </a:p>
-          </p:txBody>
-        </p:sp>
-        <p:sp>
-          <p:nvSpPr>
-            <p:cNvPr id="47" name="文本框 46">
-              <a:extLst>
-                <a:ext uri="{FF2B5EF4-FFF2-40B4-BE49-F238E27FC236}">
-                  <a16:creationId xmlns:a16="http://schemas.microsoft.com/office/drawing/2014/main" id="{BD03E87E-E815-4BCD-A69A-B9C9C8705FDE}"/>
-                </a:ext>
-              </a:extLst>
-            </p:cNvPr>
-            <p:cNvSpPr txBox="1"/>
-            <p:nvPr/>
-          </p:nvSpPr>
-          <p:spPr>
-            <a:xfrm>
-              <a:off x="6388066" y="3986327"/>
-              <a:ext cx="811800" cy="369332"/>
-            </a:xfrm>
-            <a:prstGeom prst="rect">
-              <a:avLst/>
-            </a:prstGeom>
-            <a:noFill/>
-          </p:spPr>
-          <p:txBody>
-            <a:bodyPr wrap="square" rtlCol="0">
-              <a:spAutoFit/>
-            </a:bodyPr>
-            <a:lstStyle/>
-            <a:p>
-              <a:r>
-                <a:rPr lang="zh-CN" altLang="en-US" dirty="0">
-                  <a:latin typeface="微软雅黑 Light" panose="020B0502040204020203" pitchFamily="34" charset="-122"/>
-                  <a:ea typeface="微软雅黑 Light" panose="020B0502040204020203" pitchFamily="34" charset="-122"/>
-                </a:rPr>
-                <a:t>电流</a:t>
-              </a:r>
-            </a:p>
-          </p:txBody>
-        </p:sp>
-        <p:cxnSp>
-          <p:nvCxnSpPr>
-            <p:cNvPr id="48" name="直接连接符 47">
-              <a:extLst>
-                <a:ext uri="{FF2B5EF4-FFF2-40B4-BE49-F238E27FC236}">
-                  <a16:creationId xmlns:a16="http://schemas.microsoft.com/office/drawing/2014/main" id="{23D54E09-707D-40A9-A406-0CF467184214}"/>
-                </a:ext>
-              </a:extLst>
-            </p:cNvPr>
-            <p:cNvCxnSpPr>
-              <a:cxnSpLocks/>
-            </p:cNvCxnSpPr>
-            <p:nvPr/>
-          </p:nvCxnSpPr>
-          <p:spPr>
-            <a:xfrm>
-              <a:off x="8216405" y="2354592"/>
-              <a:ext cx="604038" cy="0"/>
-            </a:xfrm>
-            <a:prstGeom prst="line">
-              <a:avLst/>
-            </a:prstGeom>
-          </p:spPr>
-          <p:style>
-            <a:lnRef idx="1">
-              <a:schemeClr val="accent1"/>
-            </a:lnRef>
-            <a:fillRef idx="0">
-              <a:schemeClr val="accent1"/>
-            </a:fillRef>
-            <a:effectRef idx="0">
-              <a:schemeClr val="accent1"/>
-            </a:effectRef>
-            <a:fontRef idx="minor">
-              <a:schemeClr val="tx1"/>
-            </a:fontRef>
-          </p:style>
-        </p:cxnSp>
-        <p:cxnSp>
-          <p:nvCxnSpPr>
-            <p:cNvPr id="49" name="直接连接符 48">
-              <a:extLst>
-                <a:ext uri="{FF2B5EF4-FFF2-40B4-BE49-F238E27FC236}">
-                  <a16:creationId xmlns:a16="http://schemas.microsoft.com/office/drawing/2014/main" id="{3B6EC593-4E92-49EB-B321-B2233F95EEDB}"/>
-                </a:ext>
-              </a:extLst>
-            </p:cNvPr>
-            <p:cNvCxnSpPr/>
-            <p:nvPr/>
-          </p:nvCxnSpPr>
-          <p:spPr>
-            <a:xfrm>
-              <a:off x="8820443" y="1915867"/>
-              <a:ext cx="323557" cy="0"/>
-            </a:xfrm>
-            <a:prstGeom prst="line">
-              <a:avLst/>
-            </a:prstGeom>
-          </p:spPr>
-          <p:style>
-            <a:lnRef idx="1">
-              <a:schemeClr val="accent1"/>
-            </a:lnRef>
-            <a:fillRef idx="0">
-              <a:schemeClr val="accent1"/>
-            </a:fillRef>
-            <a:effectRef idx="0">
-              <a:schemeClr val="accent1"/>
-            </a:effectRef>
-            <a:fontRef idx="minor">
-              <a:schemeClr val="tx1"/>
-            </a:fontRef>
-          </p:style>
-        </p:cxnSp>
-        <p:cxnSp>
-          <p:nvCxnSpPr>
-            <p:cNvPr id="50" name="直接连接符 49">
-              <a:extLst>
-                <a:ext uri="{FF2B5EF4-FFF2-40B4-BE49-F238E27FC236}">
-                  <a16:creationId xmlns:a16="http://schemas.microsoft.com/office/drawing/2014/main" id="{CABA223F-E840-4F1C-81F7-65245DA81066}"/>
-                </a:ext>
-              </a:extLst>
-            </p:cNvPr>
-            <p:cNvCxnSpPr/>
-            <p:nvPr/>
-          </p:nvCxnSpPr>
-          <p:spPr>
-            <a:xfrm>
-              <a:off x="8813903" y="2749945"/>
-              <a:ext cx="323557" cy="0"/>
-            </a:xfrm>
-            <a:prstGeom prst="line">
-              <a:avLst/>
-            </a:prstGeom>
-          </p:spPr>
-          <p:style>
-            <a:lnRef idx="1">
-              <a:schemeClr val="accent1"/>
-            </a:lnRef>
-            <a:fillRef idx="0">
-              <a:schemeClr val="accent1"/>
-            </a:fillRef>
-            <a:effectRef idx="0">
-              <a:schemeClr val="accent1"/>
-            </a:effectRef>
-            <a:fontRef idx="minor">
-              <a:schemeClr val="tx1"/>
-            </a:fontRef>
-          </p:style>
-        </p:cxnSp>
-        <p:sp>
-          <p:nvSpPr>
-            <p:cNvPr id="51" name="矩形: 圆角 50">
-              <a:extLst>
-                <a:ext uri="{FF2B5EF4-FFF2-40B4-BE49-F238E27FC236}">
-                  <a16:creationId xmlns:a16="http://schemas.microsoft.com/office/drawing/2014/main" id="{AEA96844-9A05-4C5F-B9C7-73F6C1887C3D}"/>
-                </a:ext>
-              </a:extLst>
-            </p:cNvPr>
-            <p:cNvSpPr/>
-            <p:nvPr/>
-          </p:nvSpPr>
-          <p:spPr>
-            <a:xfrm>
-              <a:off x="9144000" y="1635099"/>
-              <a:ext cx="1345451" cy="557981"/>
-            </a:xfrm>
-            <a:prstGeom prst="roundRect">
-              <a:avLst/>
-            </a:prstGeom>
-            <a:solidFill>
-              <a:schemeClr val="accent1">
-                <a:lumMod val="20000"/>
-                <a:lumOff val="80000"/>
-              </a:schemeClr>
-            </a:solidFill>
-          </p:spPr>
-          <p:style>
-            <a:lnRef idx="2">
-              <a:schemeClr val="accent1">
-                <a:shade val="50000"/>
-              </a:schemeClr>
-            </a:lnRef>
-            <a:fillRef idx="1">
-              <a:schemeClr val="accent1"/>
-            </a:fillRef>
-            <a:effectRef idx="0">
-              <a:schemeClr val="accent1"/>
-            </a:effectRef>
-            <a:fontRef idx="minor">
-              <a:schemeClr val="lt1"/>
-            </a:fontRef>
-          </p:style>
-          <p:txBody>
-            <a:bodyPr rtlCol="0" anchor="ctr"/>
-            <a:lstStyle/>
-            <a:p>
-              <a:pPr algn="ctr"/>
-              <a:endParaRPr lang="zh-CN" altLang="en-US"/>
-            </a:p>
-          </p:txBody>
-        </p:sp>
-        <p:sp>
-          <p:nvSpPr>
-            <p:cNvPr id="52" name="文本框 51">
-              <a:extLst>
-                <a:ext uri="{FF2B5EF4-FFF2-40B4-BE49-F238E27FC236}">
-                  <a16:creationId xmlns:a16="http://schemas.microsoft.com/office/drawing/2014/main" id="{A4116C91-37DE-4C5A-A41F-671E48DACF9D}"/>
-                </a:ext>
-              </a:extLst>
-            </p:cNvPr>
-            <p:cNvSpPr txBox="1"/>
-            <p:nvPr/>
-          </p:nvSpPr>
-          <p:spPr>
-            <a:xfrm>
-              <a:off x="9301099" y="1650321"/>
-              <a:ext cx="1239316" cy="458908"/>
-            </a:xfrm>
-            <a:prstGeom prst="rect">
-              <a:avLst/>
-            </a:prstGeom>
-            <a:noFill/>
-          </p:spPr>
-          <p:txBody>
-            <a:bodyPr wrap="square" rtlCol="0">
-              <a:spAutoFit/>
-            </a:bodyPr>
-            <a:lstStyle/>
-            <a:p>
-              <a:pPr>
-                <a:lnSpc>
-                  <a:spcPct val="150000"/>
-                </a:lnSpc>
-                <a:buClr>
-                  <a:schemeClr val="tx1"/>
-                </a:buClr>
-              </a:pPr>
-              <a:r>
-                <a:rPr lang="zh-CN" altLang="en-US" dirty="0">
-                  <a:latin typeface="微软雅黑" panose="020B0503020204020204" pitchFamily="34" charset="-122"/>
-                  <a:ea typeface="微软雅黑" panose="020B0503020204020204" pitchFamily="34" charset="-122"/>
-                </a:rPr>
-                <a:t>产热模型</a:t>
-              </a:r>
-              <a:endParaRPr lang="en-US" altLang="zh-CN" dirty="0">
+              </a:rPr>
+              <a:t>温变参数</a:t>
+            </a:r>
+            <a:endParaRPr lang="en-US" altLang="zh-CN" dirty="0">
+              <a:latin typeface="微软雅黑" panose="020B0503020204020204" pitchFamily="34" charset="-122"/>
+              <a:ea typeface="微软雅黑" panose="020B0503020204020204" pitchFamily="34" charset="-122"/>
+            </a:endParaRPr>
+          </a:p>
+        </p:txBody>
+      </p:sp>
+      <p:cxnSp>
+        <p:nvCxnSpPr>
+          <p:cNvPr id="40" name="直接箭头连接符 39">
+            <a:extLst>
+              <a:ext uri="{FF2B5EF4-FFF2-40B4-BE49-F238E27FC236}">
+                <a16:creationId xmlns:a16="http://schemas.microsoft.com/office/drawing/2014/main" id="{48A5F416-78FA-445D-82A5-CFE86683858E}"/>
+              </a:ext>
+            </a:extLst>
+          </p:cNvPr>
+          <p:cNvCxnSpPr/>
+          <p:nvPr/>
+        </p:nvCxnSpPr>
+        <p:spPr>
+          <a:xfrm flipH="1">
+            <a:off x="5661054" y="2354683"/>
+            <a:ext cx="1406769" cy="829994"/>
+          </a:xfrm>
+          <a:prstGeom prst="straightConnector1">
+            <a:avLst/>
+          </a:prstGeom>
+          <a:ln>
+            <a:headEnd w="med" len="med"/>
+            <a:tailEnd type="triangle" w="lg" len="lg"/>
+          </a:ln>
+        </p:spPr>
+        <p:style>
+          <a:lnRef idx="1">
+            <a:schemeClr val="accent1"/>
+          </a:lnRef>
+          <a:fillRef idx="0">
+            <a:schemeClr val="accent1"/>
+          </a:fillRef>
+          <a:effectRef idx="0">
+            <a:schemeClr val="accent1"/>
+          </a:effectRef>
+          <a:fontRef idx="minor">
+            <a:schemeClr val="tx1"/>
+          </a:fontRef>
+        </p:style>
+      </p:cxnSp>
+      <p:cxnSp>
+        <p:nvCxnSpPr>
+          <p:cNvPr id="41" name="直接箭头连接符 40">
+            <a:extLst>
+              <a:ext uri="{FF2B5EF4-FFF2-40B4-BE49-F238E27FC236}">
+                <a16:creationId xmlns:a16="http://schemas.microsoft.com/office/drawing/2014/main" id="{8F10B098-2F0D-4FC1-AC13-6BFCC0321EE5}"/>
+              </a:ext>
+            </a:extLst>
+          </p:cNvPr>
+          <p:cNvCxnSpPr>
+            <a:cxnSpLocks/>
+          </p:cNvCxnSpPr>
+          <p:nvPr/>
+        </p:nvCxnSpPr>
+        <p:spPr>
+          <a:xfrm flipV="1">
+            <a:off x="5797438" y="2656913"/>
+            <a:ext cx="1311977" cy="795849"/>
+          </a:xfrm>
+          <a:prstGeom prst="straightConnector1">
+            <a:avLst/>
+          </a:prstGeom>
+          <a:ln>
+            <a:tailEnd type="triangle" w="lg" len="lg"/>
+          </a:ln>
+        </p:spPr>
+        <p:style>
+          <a:lnRef idx="1">
+            <a:schemeClr val="accent1"/>
+          </a:lnRef>
+          <a:fillRef idx="0">
+            <a:schemeClr val="accent1"/>
+          </a:fillRef>
+          <a:effectRef idx="0">
+            <a:schemeClr val="accent1"/>
+          </a:effectRef>
+          <a:fontRef idx="minor">
+            <a:schemeClr val="tx1"/>
+          </a:fontRef>
+        </p:style>
+      </p:cxnSp>
+      <p:sp>
+        <p:nvSpPr>
+          <p:cNvPr id="42" name="文本框 41">
+            <a:extLst>
+              <a:ext uri="{FF2B5EF4-FFF2-40B4-BE49-F238E27FC236}">
+                <a16:creationId xmlns:a16="http://schemas.microsoft.com/office/drawing/2014/main" id="{A6435298-FFF0-4DD7-A645-5E1FF60E617A}"/>
+              </a:ext>
+            </a:extLst>
+          </p:cNvPr>
+          <p:cNvSpPr txBox="1"/>
+          <p:nvPr/>
+        </p:nvSpPr>
+        <p:spPr>
+          <a:xfrm>
+            <a:off x="5797438" y="2400348"/>
+            <a:ext cx="811800" cy="369332"/>
+          </a:xfrm>
+          <a:prstGeom prst="rect">
+            <a:avLst/>
+          </a:prstGeom>
+          <a:noFill/>
+        </p:spPr>
+        <p:txBody>
+          <a:bodyPr wrap="square" rtlCol="0">
+            <a:spAutoFit/>
+          </a:bodyPr>
+          <a:lstStyle/>
+          <a:p>
+            <a:r>
+              <a:rPr lang="zh-CN" altLang="en-US" dirty="0">
+                <a:latin typeface="微软雅黑 Light" panose="020B0502040204020203" pitchFamily="34" charset="-122"/>
+                <a:ea typeface="微软雅黑 Light" panose="020B0502040204020203" pitchFamily="34" charset="-122"/>
+              </a:rPr>
+              <a:t>温度</a:t>
+            </a:r>
+          </a:p>
+        </p:txBody>
+      </p:sp>
+      <p:sp>
+        <p:nvSpPr>
+          <p:cNvPr id="43" name="文本框 42">
+            <a:extLst>
+              <a:ext uri="{FF2B5EF4-FFF2-40B4-BE49-F238E27FC236}">
+                <a16:creationId xmlns:a16="http://schemas.microsoft.com/office/drawing/2014/main" id="{4397E30A-1DEB-45A1-A87A-6ACAA53F713B}"/>
+              </a:ext>
+            </a:extLst>
+          </p:cNvPr>
+          <p:cNvSpPr txBox="1"/>
+          <p:nvPr/>
+        </p:nvSpPr>
+        <p:spPr>
+          <a:xfrm>
+            <a:off x="6434961" y="2938716"/>
+            <a:ext cx="778270" cy="646331"/>
+          </a:xfrm>
+          <a:prstGeom prst="rect">
+            <a:avLst/>
+          </a:prstGeom>
+          <a:noFill/>
+        </p:spPr>
+        <p:txBody>
+          <a:bodyPr wrap="square" rtlCol="0">
+            <a:spAutoFit/>
+          </a:bodyPr>
+          <a:lstStyle/>
+          <a:p>
+            <a:r>
+              <a:rPr lang="zh-CN" altLang="en-US" dirty="0">
+                <a:latin typeface="微软雅黑 Light" panose="020B0502040204020203" pitchFamily="34" charset="-122"/>
+                <a:ea typeface="微软雅黑 Light" panose="020B0502040204020203" pitchFamily="34" charset="-122"/>
+              </a:rPr>
+              <a:t>电压电流</a:t>
+            </a:r>
+          </a:p>
+        </p:txBody>
+      </p:sp>
+      <p:cxnSp>
+        <p:nvCxnSpPr>
+          <p:cNvPr id="44" name="直接箭头连接符 43">
+            <a:extLst>
+              <a:ext uri="{FF2B5EF4-FFF2-40B4-BE49-F238E27FC236}">
+                <a16:creationId xmlns:a16="http://schemas.microsoft.com/office/drawing/2014/main" id="{9E2AFA61-0733-4DA3-82BF-D56B6DB3CC4A}"/>
+              </a:ext>
+            </a:extLst>
+          </p:cNvPr>
+          <p:cNvCxnSpPr>
+            <a:cxnSpLocks/>
+          </p:cNvCxnSpPr>
+          <p:nvPr/>
+        </p:nvCxnSpPr>
+        <p:spPr>
+          <a:xfrm>
+            <a:off x="7513664" y="2640737"/>
+            <a:ext cx="233740" cy="1686461"/>
+          </a:xfrm>
+          <a:prstGeom prst="straightConnector1">
+            <a:avLst/>
+          </a:prstGeom>
+          <a:ln>
+            <a:tailEnd type="triangle" w="lg" len="lg"/>
+          </a:ln>
+        </p:spPr>
+        <p:style>
+          <a:lnRef idx="1">
+            <a:schemeClr val="accent1"/>
+          </a:lnRef>
+          <a:fillRef idx="0">
+            <a:schemeClr val="accent1"/>
+          </a:fillRef>
+          <a:effectRef idx="0">
+            <a:schemeClr val="accent1"/>
+          </a:effectRef>
+          <a:fontRef idx="minor">
+            <a:schemeClr val="tx1"/>
+          </a:fontRef>
+        </p:style>
+      </p:cxnSp>
+      <p:cxnSp>
+        <p:nvCxnSpPr>
+          <p:cNvPr id="45" name="直接箭头连接符 44">
+            <a:extLst>
+              <a:ext uri="{FF2B5EF4-FFF2-40B4-BE49-F238E27FC236}">
+                <a16:creationId xmlns:a16="http://schemas.microsoft.com/office/drawing/2014/main" id="{47CE971B-8D6C-4CFA-82C9-EAEC7995C22A}"/>
+              </a:ext>
+            </a:extLst>
+          </p:cNvPr>
+          <p:cNvCxnSpPr>
+            <a:cxnSpLocks/>
+          </p:cNvCxnSpPr>
+          <p:nvPr/>
+        </p:nvCxnSpPr>
+        <p:spPr>
+          <a:xfrm>
+            <a:off x="5780698" y="3823113"/>
+            <a:ext cx="1391984" cy="859743"/>
+          </a:xfrm>
+          <a:prstGeom prst="straightConnector1">
+            <a:avLst/>
+          </a:prstGeom>
+          <a:ln>
+            <a:tailEnd type="triangle" w="lg" len="lg"/>
+          </a:ln>
+        </p:spPr>
+        <p:style>
+          <a:lnRef idx="1">
+            <a:schemeClr val="accent1"/>
+          </a:lnRef>
+          <a:fillRef idx="0">
+            <a:schemeClr val="accent1"/>
+          </a:fillRef>
+          <a:effectRef idx="0">
+            <a:schemeClr val="accent1"/>
+          </a:effectRef>
+          <a:fontRef idx="minor">
+            <a:schemeClr val="tx1"/>
+          </a:fontRef>
+        </p:style>
+      </p:cxnSp>
+      <p:sp>
+        <p:nvSpPr>
+          <p:cNvPr id="46" name="文本框 45">
+            <a:extLst>
+              <a:ext uri="{FF2B5EF4-FFF2-40B4-BE49-F238E27FC236}">
+                <a16:creationId xmlns:a16="http://schemas.microsoft.com/office/drawing/2014/main" id="{3BA33624-84A3-43C3-AFF9-267DAA1EEA4C}"/>
+              </a:ext>
+            </a:extLst>
+          </p:cNvPr>
+          <p:cNvSpPr txBox="1"/>
+          <p:nvPr/>
+        </p:nvSpPr>
+        <p:spPr>
+          <a:xfrm>
+            <a:off x="7663968" y="3413031"/>
+            <a:ext cx="811800" cy="369332"/>
+          </a:xfrm>
+          <a:prstGeom prst="rect">
+            <a:avLst/>
+          </a:prstGeom>
+          <a:noFill/>
+        </p:spPr>
+        <p:txBody>
+          <a:bodyPr wrap="square" rtlCol="0">
+            <a:spAutoFit/>
+          </a:bodyPr>
+          <a:lstStyle/>
+          <a:p>
+            <a:r>
+              <a:rPr lang="zh-CN" altLang="en-US" dirty="0">
+                <a:latin typeface="微软雅黑 Light" panose="020B0502040204020203" pitchFamily="34" charset="-122"/>
+                <a:ea typeface="微软雅黑 Light" panose="020B0502040204020203" pitchFamily="34" charset="-122"/>
+              </a:rPr>
+              <a:t>温度</a:t>
+            </a:r>
+          </a:p>
+        </p:txBody>
+      </p:sp>
+      <p:sp>
+        <p:nvSpPr>
+          <p:cNvPr id="47" name="文本框 46">
+            <a:extLst>
+              <a:ext uri="{FF2B5EF4-FFF2-40B4-BE49-F238E27FC236}">
+                <a16:creationId xmlns:a16="http://schemas.microsoft.com/office/drawing/2014/main" id="{BD03E87E-E815-4BCD-A69A-B9C9C8705FDE}"/>
+              </a:ext>
+            </a:extLst>
+          </p:cNvPr>
+          <p:cNvSpPr txBox="1"/>
+          <p:nvPr/>
+        </p:nvSpPr>
+        <p:spPr>
+          <a:xfrm>
+            <a:off x="6388066" y="3986327"/>
+            <a:ext cx="811800" cy="369332"/>
+          </a:xfrm>
+          <a:prstGeom prst="rect">
+            <a:avLst/>
+          </a:prstGeom>
+          <a:noFill/>
+        </p:spPr>
+        <p:txBody>
+          <a:bodyPr wrap="square" rtlCol="0">
+            <a:spAutoFit/>
+          </a:bodyPr>
+          <a:lstStyle/>
+          <a:p>
+            <a:r>
+              <a:rPr lang="zh-CN" altLang="en-US" dirty="0">
+                <a:latin typeface="微软雅黑 Light" panose="020B0502040204020203" pitchFamily="34" charset="-122"/>
+                <a:ea typeface="微软雅黑 Light" panose="020B0502040204020203" pitchFamily="34" charset="-122"/>
+              </a:rPr>
+              <a:t>电流</a:t>
+            </a:r>
+          </a:p>
+        </p:txBody>
+      </p:sp>
+      <p:cxnSp>
+        <p:nvCxnSpPr>
+          <p:cNvPr id="48" name="直接连接符 47">
+            <a:extLst>
+              <a:ext uri="{FF2B5EF4-FFF2-40B4-BE49-F238E27FC236}">
+                <a16:creationId xmlns:a16="http://schemas.microsoft.com/office/drawing/2014/main" id="{23D54E09-707D-40A9-A406-0CF467184214}"/>
+              </a:ext>
+            </a:extLst>
+          </p:cNvPr>
+          <p:cNvCxnSpPr>
+            <a:cxnSpLocks/>
+          </p:cNvCxnSpPr>
+          <p:nvPr/>
+        </p:nvCxnSpPr>
+        <p:spPr>
+          <a:xfrm>
+            <a:off x="8216405" y="2354592"/>
+            <a:ext cx="604038" cy="0"/>
+          </a:xfrm>
+          <a:prstGeom prst="line">
+            <a:avLst/>
+          </a:prstGeom>
+        </p:spPr>
+        <p:style>
+          <a:lnRef idx="1">
+            <a:schemeClr val="accent1"/>
+          </a:lnRef>
+          <a:fillRef idx="0">
+            <a:schemeClr val="accent1"/>
+          </a:fillRef>
+          <a:effectRef idx="0">
+            <a:schemeClr val="accent1"/>
+          </a:effectRef>
+          <a:fontRef idx="minor">
+            <a:schemeClr val="tx1"/>
+          </a:fontRef>
+        </p:style>
+      </p:cxnSp>
+      <p:cxnSp>
+        <p:nvCxnSpPr>
+          <p:cNvPr id="49" name="直接连接符 48">
+            <a:extLst>
+              <a:ext uri="{FF2B5EF4-FFF2-40B4-BE49-F238E27FC236}">
+                <a16:creationId xmlns:a16="http://schemas.microsoft.com/office/drawing/2014/main" id="{3B6EC593-4E92-49EB-B321-B2233F95EEDB}"/>
+              </a:ext>
+            </a:extLst>
+          </p:cNvPr>
+          <p:cNvCxnSpPr/>
+          <p:nvPr/>
+        </p:nvCxnSpPr>
+        <p:spPr>
+          <a:xfrm>
+            <a:off x="8820443" y="1915867"/>
+            <a:ext cx="323557" cy="0"/>
+          </a:xfrm>
+          <a:prstGeom prst="line">
+            <a:avLst/>
+          </a:prstGeom>
+        </p:spPr>
+        <p:style>
+          <a:lnRef idx="1">
+            <a:schemeClr val="accent1"/>
+          </a:lnRef>
+          <a:fillRef idx="0">
+            <a:schemeClr val="accent1"/>
+          </a:fillRef>
+          <a:effectRef idx="0">
+            <a:schemeClr val="accent1"/>
+          </a:effectRef>
+          <a:fontRef idx="minor">
+            <a:schemeClr val="tx1"/>
+          </a:fontRef>
+        </p:style>
+      </p:cxnSp>
+      <p:cxnSp>
+        <p:nvCxnSpPr>
+          <p:cNvPr id="50" name="直接连接符 49">
+            <a:extLst>
+              <a:ext uri="{FF2B5EF4-FFF2-40B4-BE49-F238E27FC236}">
+                <a16:creationId xmlns:a16="http://schemas.microsoft.com/office/drawing/2014/main" id="{CABA223F-E840-4F1C-81F7-65245DA81066}"/>
+              </a:ext>
+            </a:extLst>
+          </p:cNvPr>
+          <p:cNvCxnSpPr/>
+          <p:nvPr/>
+        </p:nvCxnSpPr>
+        <p:spPr>
+          <a:xfrm>
+            <a:off x="8813903" y="2749945"/>
+            <a:ext cx="323557" cy="0"/>
+          </a:xfrm>
+          <a:prstGeom prst="line">
+            <a:avLst/>
+          </a:prstGeom>
+        </p:spPr>
+        <p:style>
+          <a:lnRef idx="1">
+            <a:schemeClr val="accent1"/>
+          </a:lnRef>
+          <a:fillRef idx="0">
+            <a:schemeClr val="accent1"/>
+          </a:fillRef>
+          <a:effectRef idx="0">
+            <a:schemeClr val="accent1"/>
+          </a:effectRef>
+          <a:fontRef idx="minor">
+            <a:schemeClr val="tx1"/>
+          </a:fontRef>
+        </p:style>
+      </p:cxnSp>
+      <p:sp>
+        <p:nvSpPr>
+          <p:cNvPr id="51" name="矩形: 圆角 50">
+            <a:extLst>
+              <a:ext uri="{FF2B5EF4-FFF2-40B4-BE49-F238E27FC236}">
+                <a16:creationId xmlns:a16="http://schemas.microsoft.com/office/drawing/2014/main" id="{AEA96844-9A05-4C5F-B9C7-73F6C1887C3D}"/>
+              </a:ext>
+            </a:extLst>
+          </p:cNvPr>
+          <p:cNvSpPr/>
+          <p:nvPr/>
+        </p:nvSpPr>
+        <p:spPr>
+          <a:xfrm>
+            <a:off x="9144000" y="1635099"/>
+            <a:ext cx="1345451" cy="557981"/>
+          </a:xfrm>
+          <a:prstGeom prst="roundRect">
+            <a:avLst/>
+          </a:prstGeom>
+          <a:solidFill>
+            <a:schemeClr val="accent1">
+              <a:lumMod val="20000"/>
+              <a:lumOff val="80000"/>
+            </a:schemeClr>
+          </a:solidFill>
+        </p:spPr>
+        <p:style>
+          <a:lnRef idx="2">
+            <a:schemeClr val="accent1">
+              <a:shade val="50000"/>
+            </a:schemeClr>
+          </a:lnRef>
+          <a:fillRef idx="1">
+            <a:schemeClr val="accent1"/>
+          </a:fillRef>
+          <a:effectRef idx="0">
+            <a:schemeClr val="accent1"/>
+          </a:effectRef>
+          <a:fontRef idx="minor">
+            <a:schemeClr val="lt1"/>
+          </a:fontRef>
+        </p:style>
+        <p:txBody>
+          <a:bodyPr rtlCol="0" anchor="ctr"/>
+          <a:lstStyle/>
+          <a:p>
+            <a:pPr algn="ctr"/>
+            <a:endParaRPr lang="zh-CN" altLang="en-US"/>
+          </a:p>
+        </p:txBody>
+      </p:sp>
+      <p:sp>
+        <p:nvSpPr>
+          <p:cNvPr id="52" name="文本框 51">
+            <a:extLst>
+              <a:ext uri="{FF2B5EF4-FFF2-40B4-BE49-F238E27FC236}">
+                <a16:creationId xmlns:a16="http://schemas.microsoft.com/office/drawing/2014/main" id="{A4116C91-37DE-4C5A-A41F-671E48DACF9D}"/>
+              </a:ext>
+            </a:extLst>
+          </p:cNvPr>
+          <p:cNvSpPr txBox="1"/>
+          <p:nvPr/>
+        </p:nvSpPr>
+        <p:spPr>
+          <a:xfrm>
+            <a:off x="9301099" y="1650321"/>
+            <a:ext cx="1239316" cy="458908"/>
+          </a:xfrm>
+          <a:prstGeom prst="rect">
+            <a:avLst/>
+          </a:prstGeom>
+          <a:noFill/>
+        </p:spPr>
+        <p:txBody>
+          <a:bodyPr wrap="square" rtlCol="0">
+            <a:spAutoFit/>
+          </a:bodyPr>
+          <a:lstStyle/>
+          <a:p>
+            <a:pPr>
+              <a:lnSpc>
+                <a:spcPct val="150000"/>
+              </a:lnSpc>
+              <a:buClr>
+                <a:schemeClr val="tx1"/>
+              </a:buClr>
+            </a:pPr>
+            <a:r>
+              <a:rPr lang="zh-CN" altLang="en-US" dirty="0">
                 <a:latin typeface="微软雅黑" panose="020B0503020204020204" pitchFamily="34" charset="-122"/>
                 <a:ea typeface="微软雅黑" panose="020B0503020204020204" pitchFamily="34" charset="-122"/>
-              </a:endParaRPr>
-            </a:p>
-          </p:txBody>
-        </p:sp>
-        <p:sp>
-          <p:nvSpPr>
-            <p:cNvPr id="53" name="矩形: 圆角 52">
-              <a:extLst>
-                <a:ext uri="{FF2B5EF4-FFF2-40B4-BE49-F238E27FC236}">
-                  <a16:creationId xmlns:a16="http://schemas.microsoft.com/office/drawing/2014/main" id="{90CCE1AA-2640-4869-81C4-575A92C556C5}"/>
-                </a:ext>
-              </a:extLst>
-            </p:cNvPr>
-            <p:cNvSpPr/>
-            <p:nvPr/>
-          </p:nvSpPr>
-          <p:spPr>
-            <a:xfrm>
-              <a:off x="9137460" y="2468660"/>
-              <a:ext cx="1345451" cy="557981"/>
-            </a:xfrm>
-            <a:prstGeom prst="roundRect">
-              <a:avLst/>
-            </a:prstGeom>
-            <a:solidFill>
-              <a:schemeClr val="accent1">
-                <a:lumMod val="20000"/>
-                <a:lumOff val="80000"/>
-              </a:schemeClr>
-            </a:solidFill>
-          </p:spPr>
-          <p:style>
-            <a:lnRef idx="2">
-              <a:schemeClr val="accent1">
-                <a:shade val="50000"/>
-              </a:schemeClr>
-            </a:lnRef>
-            <a:fillRef idx="1">
-              <a:schemeClr val="accent1"/>
-            </a:fillRef>
-            <a:effectRef idx="0">
-              <a:schemeClr val="accent1"/>
-            </a:effectRef>
-            <a:fontRef idx="minor">
-              <a:schemeClr val="lt1"/>
-            </a:fontRef>
-          </p:style>
-          <p:txBody>
-            <a:bodyPr rtlCol="0" anchor="ctr"/>
-            <a:lstStyle/>
-            <a:p>
-              <a:pPr algn="ctr"/>
-              <a:endParaRPr lang="zh-CN" altLang="en-US"/>
-            </a:p>
-          </p:txBody>
-        </p:sp>
-        <p:sp>
-          <p:nvSpPr>
-            <p:cNvPr id="54" name="文本框 53">
-              <a:extLst>
-                <a:ext uri="{FF2B5EF4-FFF2-40B4-BE49-F238E27FC236}">
-                  <a16:creationId xmlns:a16="http://schemas.microsoft.com/office/drawing/2014/main" id="{FA305AC2-1353-4C93-9796-000CA9509619}"/>
-                </a:ext>
-              </a:extLst>
-            </p:cNvPr>
-            <p:cNvSpPr txBox="1"/>
-            <p:nvPr/>
-          </p:nvSpPr>
-          <p:spPr>
-            <a:xfrm>
-              <a:off x="9294559" y="2483882"/>
-              <a:ext cx="1239316" cy="458908"/>
-            </a:xfrm>
-            <a:prstGeom prst="rect">
-              <a:avLst/>
-            </a:prstGeom>
-            <a:noFill/>
-          </p:spPr>
-          <p:txBody>
-            <a:bodyPr wrap="square" rtlCol="0">
-              <a:spAutoFit/>
-            </a:bodyPr>
-            <a:lstStyle/>
-            <a:p>
-              <a:pPr>
-                <a:lnSpc>
-                  <a:spcPct val="150000"/>
-                </a:lnSpc>
-                <a:buClr>
-                  <a:schemeClr val="tx1"/>
-                </a:buClr>
-              </a:pPr>
-              <a:r>
-                <a:rPr lang="zh-CN" altLang="en-US" dirty="0">
-                  <a:latin typeface="微软雅黑" panose="020B0503020204020204" pitchFamily="34" charset="-122"/>
-                  <a:ea typeface="微软雅黑" panose="020B0503020204020204" pitchFamily="34" charset="-122"/>
-                </a:rPr>
-                <a:t>散热模型</a:t>
-              </a:r>
-              <a:endParaRPr lang="en-US" altLang="zh-CN" dirty="0">
+              </a:rPr>
+              <a:t>产热模型</a:t>
+            </a:r>
+            <a:endParaRPr lang="en-US" altLang="zh-CN" dirty="0">
+              <a:latin typeface="微软雅黑" panose="020B0503020204020204" pitchFamily="34" charset="-122"/>
+              <a:ea typeface="微软雅黑" panose="020B0503020204020204" pitchFamily="34" charset="-122"/>
+            </a:endParaRPr>
+          </a:p>
+        </p:txBody>
+      </p:sp>
+      <p:sp>
+        <p:nvSpPr>
+          <p:cNvPr id="53" name="矩形: 圆角 52">
+            <a:extLst>
+              <a:ext uri="{FF2B5EF4-FFF2-40B4-BE49-F238E27FC236}">
+                <a16:creationId xmlns:a16="http://schemas.microsoft.com/office/drawing/2014/main" id="{90CCE1AA-2640-4869-81C4-575A92C556C5}"/>
+              </a:ext>
+            </a:extLst>
+          </p:cNvPr>
+          <p:cNvSpPr/>
+          <p:nvPr/>
+        </p:nvSpPr>
+        <p:spPr>
+          <a:xfrm>
+            <a:off x="9137460" y="2468660"/>
+            <a:ext cx="1345451" cy="557981"/>
+          </a:xfrm>
+          <a:prstGeom prst="roundRect">
+            <a:avLst/>
+          </a:prstGeom>
+          <a:solidFill>
+            <a:schemeClr val="accent1">
+              <a:lumMod val="20000"/>
+              <a:lumOff val="80000"/>
+            </a:schemeClr>
+          </a:solidFill>
+        </p:spPr>
+        <p:style>
+          <a:lnRef idx="2">
+            <a:schemeClr val="accent1">
+              <a:shade val="50000"/>
+            </a:schemeClr>
+          </a:lnRef>
+          <a:fillRef idx="1">
+            <a:schemeClr val="accent1"/>
+          </a:fillRef>
+          <a:effectRef idx="0">
+            <a:schemeClr val="accent1"/>
+          </a:effectRef>
+          <a:fontRef idx="minor">
+            <a:schemeClr val="lt1"/>
+          </a:fontRef>
+        </p:style>
+        <p:txBody>
+          <a:bodyPr rtlCol="0" anchor="ctr"/>
+          <a:lstStyle/>
+          <a:p>
+            <a:pPr algn="ctr"/>
+            <a:endParaRPr lang="zh-CN" altLang="en-US"/>
+          </a:p>
+        </p:txBody>
+      </p:sp>
+      <p:sp>
+        <p:nvSpPr>
+          <p:cNvPr id="54" name="文本框 53">
+            <a:extLst>
+              <a:ext uri="{FF2B5EF4-FFF2-40B4-BE49-F238E27FC236}">
+                <a16:creationId xmlns:a16="http://schemas.microsoft.com/office/drawing/2014/main" id="{FA305AC2-1353-4C93-9796-000CA9509619}"/>
+              </a:ext>
+            </a:extLst>
+          </p:cNvPr>
+          <p:cNvSpPr txBox="1"/>
+          <p:nvPr/>
+        </p:nvSpPr>
+        <p:spPr>
+          <a:xfrm>
+            <a:off x="9294559" y="2483882"/>
+            <a:ext cx="1239316" cy="458908"/>
+          </a:xfrm>
+          <a:prstGeom prst="rect">
+            <a:avLst/>
+          </a:prstGeom>
+          <a:noFill/>
+        </p:spPr>
+        <p:txBody>
+          <a:bodyPr wrap="square" rtlCol="0">
+            <a:spAutoFit/>
+          </a:bodyPr>
+          <a:lstStyle/>
+          <a:p>
+            <a:pPr>
+              <a:lnSpc>
+                <a:spcPct val="150000"/>
+              </a:lnSpc>
+              <a:buClr>
+                <a:schemeClr val="tx1"/>
+              </a:buClr>
+            </a:pPr>
+            <a:r>
+              <a:rPr lang="zh-CN" altLang="en-US" dirty="0">
                 <a:latin typeface="微软雅黑" panose="020B0503020204020204" pitchFamily="34" charset="-122"/>
                 <a:ea typeface="微软雅黑" panose="020B0503020204020204" pitchFamily="34" charset="-122"/>
-              </a:endParaRPr>
-            </a:p>
-          </p:txBody>
-        </p:sp>
-        <p:cxnSp>
-          <p:nvCxnSpPr>
-            <p:cNvPr id="55" name="直接连接符 54">
-              <a:extLst>
-                <a:ext uri="{FF2B5EF4-FFF2-40B4-BE49-F238E27FC236}">
-                  <a16:creationId xmlns:a16="http://schemas.microsoft.com/office/drawing/2014/main" id="{BE61470E-10CF-4FC7-A6E0-84D5C570BAD8}"/>
-                </a:ext>
-              </a:extLst>
-            </p:cNvPr>
-            <p:cNvCxnSpPr/>
-            <p:nvPr/>
-          </p:nvCxnSpPr>
-          <p:spPr>
-            <a:xfrm flipV="1">
-              <a:off x="8820443" y="1915867"/>
-              <a:ext cx="0" cy="834078"/>
-            </a:xfrm>
-            <a:prstGeom prst="line">
-              <a:avLst/>
-            </a:prstGeom>
-          </p:spPr>
-          <p:style>
-            <a:lnRef idx="1">
-              <a:schemeClr val="accent1"/>
-            </a:lnRef>
-            <a:fillRef idx="0">
-              <a:schemeClr val="accent1"/>
-            </a:fillRef>
-            <a:effectRef idx="0">
-              <a:schemeClr val="accent1"/>
-            </a:effectRef>
-            <a:fontRef idx="minor">
-              <a:schemeClr val="tx1"/>
-            </a:fontRef>
-          </p:style>
-        </p:cxnSp>
-        <p:cxnSp>
-          <p:nvCxnSpPr>
-            <p:cNvPr id="56" name="直接连接符 55">
-              <a:extLst>
-                <a:ext uri="{FF2B5EF4-FFF2-40B4-BE49-F238E27FC236}">
-                  <a16:creationId xmlns:a16="http://schemas.microsoft.com/office/drawing/2014/main" id="{2610A3D0-D8C4-4EE8-9367-25EA731E0CAD}"/>
-                </a:ext>
-              </a:extLst>
-            </p:cNvPr>
-            <p:cNvCxnSpPr>
-              <a:cxnSpLocks/>
-            </p:cNvCxnSpPr>
-            <p:nvPr/>
-          </p:nvCxnSpPr>
-          <p:spPr>
-            <a:xfrm>
-              <a:off x="3667551" y="3544123"/>
-              <a:ext cx="343649" cy="0"/>
-            </a:xfrm>
-            <a:prstGeom prst="line">
-              <a:avLst/>
-            </a:prstGeom>
-          </p:spPr>
-          <p:style>
-            <a:lnRef idx="1">
-              <a:schemeClr val="accent1"/>
-            </a:lnRef>
-            <a:fillRef idx="0">
-              <a:schemeClr val="accent1"/>
-            </a:fillRef>
-            <a:effectRef idx="0">
-              <a:schemeClr val="accent1"/>
-            </a:effectRef>
-            <a:fontRef idx="minor">
-              <a:schemeClr val="tx1"/>
-            </a:fontRef>
-          </p:style>
-        </p:cxnSp>
-        <p:cxnSp>
-          <p:nvCxnSpPr>
-            <p:cNvPr id="57" name="直接连接符 56">
-              <a:extLst>
-                <a:ext uri="{FF2B5EF4-FFF2-40B4-BE49-F238E27FC236}">
-                  <a16:creationId xmlns:a16="http://schemas.microsoft.com/office/drawing/2014/main" id="{F3A13309-045D-4CB2-BD69-04FC572F94EE}"/>
-                </a:ext>
-              </a:extLst>
-            </p:cNvPr>
-            <p:cNvCxnSpPr>
-              <a:cxnSpLocks/>
-              <a:stCxn id="38" idx="2"/>
-            </p:cNvCxnSpPr>
-            <p:nvPr/>
-          </p:nvCxnSpPr>
-          <p:spPr>
-            <a:xfrm flipH="1">
-              <a:off x="2994230" y="3823113"/>
-              <a:ext cx="1" cy="471148"/>
-            </a:xfrm>
-            <a:prstGeom prst="line">
-              <a:avLst/>
-            </a:prstGeom>
-          </p:spPr>
-          <p:style>
-            <a:lnRef idx="1">
-              <a:schemeClr val="accent1"/>
-            </a:lnRef>
-            <a:fillRef idx="0">
-              <a:schemeClr val="accent1"/>
-            </a:fillRef>
-            <a:effectRef idx="0">
-              <a:schemeClr val="accent1"/>
-            </a:effectRef>
-            <a:fontRef idx="minor">
-              <a:schemeClr val="tx1"/>
-            </a:fontRef>
-          </p:style>
-        </p:cxnSp>
-        <p:sp>
-          <p:nvSpPr>
-            <p:cNvPr id="58" name="矩形: 圆角 57">
-              <a:extLst>
-                <a:ext uri="{FF2B5EF4-FFF2-40B4-BE49-F238E27FC236}">
-                  <a16:creationId xmlns:a16="http://schemas.microsoft.com/office/drawing/2014/main" id="{5311E320-A176-4797-9BA4-C4BBF835A280}"/>
-                </a:ext>
-              </a:extLst>
-            </p:cNvPr>
-            <p:cNvSpPr/>
-            <p:nvPr/>
-          </p:nvSpPr>
-          <p:spPr>
-            <a:xfrm>
-              <a:off x="1949427" y="4632297"/>
-              <a:ext cx="558000" cy="1418720"/>
-            </a:xfrm>
-            <a:prstGeom prst="roundRect">
-              <a:avLst/>
-            </a:prstGeom>
-            <a:solidFill>
-              <a:schemeClr val="accent1">
-                <a:lumMod val="20000"/>
-                <a:lumOff val="80000"/>
-              </a:schemeClr>
-            </a:solidFill>
-          </p:spPr>
-          <p:style>
-            <a:lnRef idx="2">
-              <a:schemeClr val="accent1">
-                <a:shade val="50000"/>
-              </a:schemeClr>
-            </a:lnRef>
-            <a:fillRef idx="1">
-              <a:schemeClr val="accent1"/>
-            </a:fillRef>
-            <a:effectRef idx="0">
-              <a:schemeClr val="accent1"/>
-            </a:effectRef>
-            <a:fontRef idx="minor">
-              <a:schemeClr val="lt1"/>
-            </a:fontRef>
-          </p:style>
-          <p:txBody>
-            <a:bodyPr rtlCol="0" anchor="ctr"/>
-            <a:lstStyle/>
-            <a:p>
-              <a:pPr algn="ctr"/>
-              <a:endParaRPr lang="zh-CN" altLang="en-US"/>
-            </a:p>
-          </p:txBody>
-        </p:sp>
-        <p:sp>
-          <p:nvSpPr>
-            <p:cNvPr id="59" name="文本框 58">
-              <a:extLst>
-                <a:ext uri="{FF2B5EF4-FFF2-40B4-BE49-F238E27FC236}">
-                  <a16:creationId xmlns:a16="http://schemas.microsoft.com/office/drawing/2014/main" id="{A0A66C1D-E446-49CB-A03D-8E9F5E9EB694}"/>
-                </a:ext>
-              </a:extLst>
-            </p:cNvPr>
-            <p:cNvSpPr txBox="1"/>
-            <p:nvPr/>
-          </p:nvSpPr>
-          <p:spPr>
-            <a:xfrm>
-              <a:off x="1997594" y="4821791"/>
-              <a:ext cx="461665" cy="1039731"/>
-            </a:xfrm>
-            <a:prstGeom prst="rect">
-              <a:avLst/>
-            </a:prstGeom>
-            <a:noFill/>
-          </p:spPr>
-          <p:txBody>
-            <a:bodyPr vert="eaVert" wrap="square" rtlCol="0">
-              <a:spAutoFit/>
-            </a:bodyPr>
-            <a:lstStyle/>
-            <a:p>
-              <a:r>
-                <a:rPr lang="zh-CN" altLang="en-US" dirty="0">
-                  <a:latin typeface="微软雅黑" panose="020B0503020204020204" pitchFamily="34" charset="-122"/>
-                  <a:ea typeface="微软雅黑" panose="020B0503020204020204" pitchFamily="34" charset="-122"/>
-                </a:rPr>
-                <a:t>欧姆内阻</a:t>
-              </a:r>
-            </a:p>
-          </p:txBody>
-        </p:sp>
-        <p:sp>
-          <p:nvSpPr>
-            <p:cNvPr id="60" name="矩形: 圆角 59">
-              <a:extLst>
-                <a:ext uri="{FF2B5EF4-FFF2-40B4-BE49-F238E27FC236}">
-                  <a16:creationId xmlns:a16="http://schemas.microsoft.com/office/drawing/2014/main" id="{FD14E6CB-0C7B-475B-8A55-7B71CE86C98E}"/>
-                </a:ext>
-              </a:extLst>
-            </p:cNvPr>
-            <p:cNvSpPr/>
-            <p:nvPr/>
-          </p:nvSpPr>
-          <p:spPr>
-            <a:xfrm>
-              <a:off x="2715230" y="4632297"/>
-              <a:ext cx="558000" cy="1418720"/>
-            </a:xfrm>
-            <a:prstGeom prst="roundRect">
-              <a:avLst/>
-            </a:prstGeom>
-            <a:solidFill>
-              <a:schemeClr val="accent1">
-                <a:lumMod val="20000"/>
-                <a:lumOff val="80000"/>
-              </a:schemeClr>
-            </a:solidFill>
-          </p:spPr>
-          <p:style>
-            <a:lnRef idx="2">
-              <a:schemeClr val="accent1">
-                <a:shade val="50000"/>
-              </a:schemeClr>
-            </a:lnRef>
-            <a:fillRef idx="1">
-              <a:schemeClr val="accent1"/>
-            </a:fillRef>
-            <a:effectRef idx="0">
-              <a:schemeClr val="accent1"/>
-            </a:effectRef>
-            <a:fontRef idx="minor">
-              <a:schemeClr val="lt1"/>
-            </a:fontRef>
-          </p:style>
-          <p:txBody>
-            <a:bodyPr rtlCol="0" anchor="ctr"/>
-            <a:lstStyle/>
-            <a:p>
-              <a:pPr algn="ctr"/>
-              <a:endParaRPr lang="zh-CN" altLang="en-US"/>
-            </a:p>
-          </p:txBody>
-        </p:sp>
-        <p:sp>
-          <p:nvSpPr>
-            <p:cNvPr id="61" name="文本框 60">
-              <a:extLst>
-                <a:ext uri="{FF2B5EF4-FFF2-40B4-BE49-F238E27FC236}">
-                  <a16:creationId xmlns:a16="http://schemas.microsoft.com/office/drawing/2014/main" id="{BB2001B3-21AF-4219-8AB1-1A1EDF115275}"/>
-                </a:ext>
-              </a:extLst>
-            </p:cNvPr>
-            <p:cNvSpPr txBox="1"/>
-            <p:nvPr/>
-          </p:nvSpPr>
-          <p:spPr>
-            <a:xfrm>
-              <a:off x="2763397" y="4821791"/>
-              <a:ext cx="461665" cy="1039731"/>
-            </a:xfrm>
-            <a:prstGeom prst="rect">
-              <a:avLst/>
-            </a:prstGeom>
-            <a:noFill/>
-          </p:spPr>
-          <p:txBody>
-            <a:bodyPr vert="eaVert" wrap="square" rtlCol="0">
-              <a:spAutoFit/>
-            </a:bodyPr>
-            <a:lstStyle/>
-            <a:p>
-              <a:r>
-                <a:rPr lang="zh-CN" altLang="en-US" dirty="0">
-                  <a:latin typeface="微软雅黑" panose="020B0503020204020204" pitchFamily="34" charset="-122"/>
-                  <a:ea typeface="微软雅黑" panose="020B0503020204020204" pitchFamily="34" charset="-122"/>
-                </a:rPr>
-                <a:t>极化电容</a:t>
-              </a:r>
-            </a:p>
-          </p:txBody>
-        </p:sp>
-        <p:sp>
-          <p:nvSpPr>
-            <p:cNvPr id="62" name="矩形: 圆角 61">
-              <a:extLst>
-                <a:ext uri="{FF2B5EF4-FFF2-40B4-BE49-F238E27FC236}">
-                  <a16:creationId xmlns:a16="http://schemas.microsoft.com/office/drawing/2014/main" id="{142C7C8D-25C9-4ED3-9D8C-37FA276F1DAB}"/>
-                </a:ext>
-              </a:extLst>
-            </p:cNvPr>
-            <p:cNvSpPr/>
-            <p:nvPr/>
-          </p:nvSpPr>
-          <p:spPr>
-            <a:xfrm>
-              <a:off x="4246836" y="4632297"/>
-              <a:ext cx="558000" cy="1418720"/>
-            </a:xfrm>
-            <a:prstGeom prst="roundRect">
-              <a:avLst/>
-            </a:prstGeom>
-            <a:solidFill>
-              <a:schemeClr val="accent1">
-                <a:lumMod val="20000"/>
-                <a:lumOff val="80000"/>
-              </a:schemeClr>
-            </a:solidFill>
-          </p:spPr>
-          <p:style>
-            <a:lnRef idx="2">
-              <a:schemeClr val="accent1">
-                <a:shade val="50000"/>
-              </a:schemeClr>
-            </a:lnRef>
-            <a:fillRef idx="1">
-              <a:schemeClr val="accent1"/>
-            </a:fillRef>
-            <a:effectRef idx="0">
-              <a:schemeClr val="accent1"/>
-            </a:effectRef>
-            <a:fontRef idx="minor">
-              <a:schemeClr val="lt1"/>
-            </a:fontRef>
-          </p:style>
-          <p:txBody>
-            <a:bodyPr rtlCol="0" anchor="ctr"/>
-            <a:lstStyle/>
-            <a:p>
-              <a:pPr algn="ctr"/>
-              <a:endParaRPr lang="zh-CN" altLang="en-US"/>
-            </a:p>
-          </p:txBody>
-        </p:sp>
-        <p:sp>
-          <p:nvSpPr>
-            <p:cNvPr id="63" name="文本框 62">
-              <a:extLst>
-                <a:ext uri="{FF2B5EF4-FFF2-40B4-BE49-F238E27FC236}">
-                  <a16:creationId xmlns:a16="http://schemas.microsoft.com/office/drawing/2014/main" id="{06BDDAE5-E809-4081-A1E4-E50B212358DC}"/>
-                </a:ext>
-              </a:extLst>
-            </p:cNvPr>
-            <p:cNvSpPr txBox="1"/>
-            <p:nvPr/>
-          </p:nvSpPr>
-          <p:spPr>
-            <a:xfrm>
-              <a:off x="4295003" y="4821791"/>
-              <a:ext cx="461665" cy="1039731"/>
-            </a:xfrm>
-            <a:prstGeom prst="rect">
-              <a:avLst/>
-            </a:prstGeom>
-            <a:noFill/>
-          </p:spPr>
-          <p:txBody>
-            <a:bodyPr vert="eaVert" wrap="square" rtlCol="0">
-              <a:spAutoFit/>
-            </a:bodyPr>
-            <a:lstStyle/>
-            <a:p>
-              <a:r>
-                <a:rPr lang="zh-CN" altLang="en-US" dirty="0">
-                  <a:latin typeface="微软雅黑" panose="020B0503020204020204" pitchFamily="34" charset="-122"/>
-                  <a:ea typeface="微软雅黑" panose="020B0503020204020204" pitchFamily="34" charset="-122"/>
-                </a:rPr>
-                <a:t>放电容量</a:t>
-              </a:r>
-            </a:p>
-          </p:txBody>
-        </p:sp>
-        <p:sp>
-          <p:nvSpPr>
-            <p:cNvPr id="64" name="矩形: 圆角 63">
-              <a:extLst>
-                <a:ext uri="{FF2B5EF4-FFF2-40B4-BE49-F238E27FC236}">
-                  <a16:creationId xmlns:a16="http://schemas.microsoft.com/office/drawing/2014/main" id="{5872F0BE-B3E5-41B3-8D62-64BE31EA23D3}"/>
-                </a:ext>
-              </a:extLst>
-            </p:cNvPr>
-            <p:cNvSpPr/>
-            <p:nvPr/>
-          </p:nvSpPr>
-          <p:spPr>
-            <a:xfrm>
-              <a:off x="1183624" y="4620541"/>
-              <a:ext cx="558000" cy="1418720"/>
-            </a:xfrm>
-            <a:prstGeom prst="roundRect">
-              <a:avLst/>
-            </a:prstGeom>
-            <a:solidFill>
-              <a:schemeClr val="accent1">
-                <a:lumMod val="20000"/>
-                <a:lumOff val="80000"/>
-              </a:schemeClr>
-            </a:solidFill>
-          </p:spPr>
-          <p:style>
-            <a:lnRef idx="2">
-              <a:schemeClr val="accent1">
-                <a:shade val="50000"/>
-              </a:schemeClr>
-            </a:lnRef>
-            <a:fillRef idx="1">
-              <a:schemeClr val="accent1"/>
-            </a:fillRef>
-            <a:effectRef idx="0">
-              <a:schemeClr val="accent1"/>
-            </a:effectRef>
-            <a:fontRef idx="minor">
-              <a:schemeClr val="lt1"/>
-            </a:fontRef>
-          </p:style>
-          <p:txBody>
-            <a:bodyPr rtlCol="0" anchor="ctr"/>
-            <a:lstStyle/>
-            <a:p>
-              <a:pPr algn="ctr"/>
-              <a:endParaRPr lang="zh-CN" altLang="en-US"/>
-            </a:p>
-          </p:txBody>
-        </p:sp>
-        <p:sp>
-          <p:nvSpPr>
-            <p:cNvPr id="65" name="文本框 64">
-              <a:extLst>
-                <a:ext uri="{FF2B5EF4-FFF2-40B4-BE49-F238E27FC236}">
-                  <a16:creationId xmlns:a16="http://schemas.microsoft.com/office/drawing/2014/main" id="{40BA5217-3CFB-40FC-90CF-128B36BD65E1}"/>
-                </a:ext>
-              </a:extLst>
-            </p:cNvPr>
-            <p:cNvSpPr txBox="1"/>
-            <p:nvPr/>
-          </p:nvSpPr>
-          <p:spPr>
-            <a:xfrm>
-              <a:off x="1231791" y="4810035"/>
-              <a:ext cx="461665" cy="1240982"/>
-            </a:xfrm>
-            <a:prstGeom prst="rect">
-              <a:avLst/>
-            </a:prstGeom>
-            <a:noFill/>
-          </p:spPr>
-          <p:txBody>
-            <a:bodyPr vert="eaVert" wrap="square" rtlCol="0">
-              <a:spAutoFit/>
-            </a:bodyPr>
-            <a:lstStyle/>
-            <a:p>
-              <a:r>
-                <a:rPr lang="zh-CN" altLang="en-US" dirty="0">
-                  <a:latin typeface="微软雅黑" panose="020B0503020204020204" pitchFamily="34" charset="-122"/>
-                  <a:ea typeface="微软雅黑" panose="020B0503020204020204" pitchFamily="34" charset="-122"/>
-                </a:rPr>
-                <a:t>开路电压</a:t>
-              </a:r>
-            </a:p>
-          </p:txBody>
-        </p:sp>
-        <p:cxnSp>
-          <p:nvCxnSpPr>
-            <p:cNvPr id="66" name="直接连接符 65">
-              <a:extLst>
-                <a:ext uri="{FF2B5EF4-FFF2-40B4-BE49-F238E27FC236}">
-                  <a16:creationId xmlns:a16="http://schemas.microsoft.com/office/drawing/2014/main" id="{9F10CF58-1E62-4825-BF55-B2B8BA5E93EA}"/>
-                </a:ext>
-              </a:extLst>
-            </p:cNvPr>
-            <p:cNvCxnSpPr/>
-            <p:nvPr/>
-          </p:nvCxnSpPr>
-          <p:spPr>
-            <a:xfrm>
-              <a:off x="1448972" y="4294261"/>
-              <a:ext cx="3108960" cy="0"/>
-            </a:xfrm>
-            <a:prstGeom prst="line">
-              <a:avLst/>
-            </a:prstGeom>
-          </p:spPr>
-          <p:style>
-            <a:lnRef idx="1">
-              <a:schemeClr val="accent1"/>
-            </a:lnRef>
-            <a:fillRef idx="0">
-              <a:schemeClr val="accent1"/>
-            </a:fillRef>
-            <a:effectRef idx="0">
-              <a:schemeClr val="accent1"/>
-            </a:effectRef>
-            <a:fontRef idx="minor">
-              <a:schemeClr val="tx1"/>
-            </a:fontRef>
-          </p:style>
-        </p:cxnSp>
-        <p:cxnSp>
-          <p:nvCxnSpPr>
-            <p:cNvPr id="67" name="直接连接符 66">
-              <a:extLst>
-                <a:ext uri="{FF2B5EF4-FFF2-40B4-BE49-F238E27FC236}">
-                  <a16:creationId xmlns:a16="http://schemas.microsoft.com/office/drawing/2014/main" id="{6917F222-5A4A-4416-8AC7-F4483532B0A8}"/>
-                </a:ext>
-              </a:extLst>
-            </p:cNvPr>
-            <p:cNvCxnSpPr/>
-            <p:nvPr/>
-          </p:nvCxnSpPr>
-          <p:spPr>
-            <a:xfrm>
-              <a:off x="1448972" y="4294261"/>
-              <a:ext cx="0" cy="338036"/>
-            </a:xfrm>
-            <a:prstGeom prst="line">
-              <a:avLst/>
-            </a:prstGeom>
-          </p:spPr>
-          <p:style>
-            <a:lnRef idx="1">
-              <a:schemeClr val="accent1"/>
-            </a:lnRef>
-            <a:fillRef idx="0">
-              <a:schemeClr val="accent1"/>
-            </a:fillRef>
-            <a:effectRef idx="0">
-              <a:schemeClr val="accent1"/>
-            </a:effectRef>
-            <a:fontRef idx="minor">
-              <a:schemeClr val="tx1"/>
-            </a:fontRef>
-          </p:style>
-        </p:cxnSp>
-        <p:cxnSp>
-          <p:nvCxnSpPr>
-            <p:cNvPr id="68" name="直接连接符 67">
-              <a:extLst>
-                <a:ext uri="{FF2B5EF4-FFF2-40B4-BE49-F238E27FC236}">
-                  <a16:creationId xmlns:a16="http://schemas.microsoft.com/office/drawing/2014/main" id="{55BECCD3-40D0-44F5-AE71-863890EA77C3}"/>
-                </a:ext>
-              </a:extLst>
-            </p:cNvPr>
-            <p:cNvCxnSpPr/>
-            <p:nvPr/>
-          </p:nvCxnSpPr>
-          <p:spPr>
-            <a:xfrm>
-              <a:off x="2227791" y="4304829"/>
-              <a:ext cx="0" cy="338036"/>
-            </a:xfrm>
-            <a:prstGeom prst="line">
-              <a:avLst/>
-            </a:prstGeom>
-          </p:spPr>
-          <p:style>
-            <a:lnRef idx="1">
-              <a:schemeClr val="accent1"/>
-            </a:lnRef>
-            <a:fillRef idx="0">
-              <a:schemeClr val="accent1"/>
-            </a:fillRef>
-            <a:effectRef idx="0">
-              <a:schemeClr val="accent1"/>
-            </a:effectRef>
-            <a:fontRef idx="minor">
-              <a:schemeClr val="tx1"/>
-            </a:fontRef>
-          </p:style>
-        </p:cxnSp>
-        <p:cxnSp>
-          <p:nvCxnSpPr>
-            <p:cNvPr id="69" name="直接连接符 68">
-              <a:extLst>
-                <a:ext uri="{FF2B5EF4-FFF2-40B4-BE49-F238E27FC236}">
-                  <a16:creationId xmlns:a16="http://schemas.microsoft.com/office/drawing/2014/main" id="{59C0A20F-B227-4353-9CE7-CB4A9084F266}"/>
-                </a:ext>
-              </a:extLst>
-            </p:cNvPr>
-            <p:cNvCxnSpPr/>
-            <p:nvPr/>
-          </p:nvCxnSpPr>
-          <p:spPr>
-            <a:xfrm>
-              <a:off x="2994230" y="4304829"/>
-              <a:ext cx="0" cy="338036"/>
-            </a:xfrm>
-            <a:prstGeom prst="line">
-              <a:avLst/>
-            </a:prstGeom>
-          </p:spPr>
-          <p:style>
-            <a:lnRef idx="1">
-              <a:schemeClr val="accent1"/>
-            </a:lnRef>
-            <a:fillRef idx="0">
-              <a:schemeClr val="accent1"/>
-            </a:fillRef>
-            <a:effectRef idx="0">
-              <a:schemeClr val="accent1"/>
-            </a:effectRef>
-            <a:fontRef idx="minor">
-              <a:schemeClr val="tx1"/>
-            </a:fontRef>
-          </p:style>
-        </p:cxnSp>
-        <p:cxnSp>
-          <p:nvCxnSpPr>
-            <p:cNvPr id="70" name="直接连接符 69">
-              <a:extLst>
-                <a:ext uri="{FF2B5EF4-FFF2-40B4-BE49-F238E27FC236}">
-                  <a16:creationId xmlns:a16="http://schemas.microsoft.com/office/drawing/2014/main" id="{3453EB24-95BC-49B3-BDBF-99AF63DBC7E2}"/>
-                </a:ext>
-              </a:extLst>
-            </p:cNvPr>
-            <p:cNvCxnSpPr/>
-            <p:nvPr/>
-          </p:nvCxnSpPr>
-          <p:spPr>
-            <a:xfrm>
-              <a:off x="4561981" y="4294261"/>
-              <a:ext cx="0" cy="338036"/>
-            </a:xfrm>
-            <a:prstGeom prst="line">
-              <a:avLst/>
-            </a:prstGeom>
-          </p:spPr>
-          <p:style>
-            <a:lnRef idx="1">
-              <a:schemeClr val="accent1"/>
-            </a:lnRef>
-            <a:fillRef idx="0">
-              <a:schemeClr val="accent1"/>
-            </a:fillRef>
-            <a:effectRef idx="0">
-              <a:schemeClr val="accent1"/>
-            </a:effectRef>
-            <a:fontRef idx="minor">
-              <a:schemeClr val="tx1"/>
-            </a:fontRef>
-          </p:style>
-        </p:cxnSp>
-        <p:sp>
-          <p:nvSpPr>
-            <p:cNvPr id="71" name="矩形: 圆角 70">
-              <a:extLst>
-                <a:ext uri="{FF2B5EF4-FFF2-40B4-BE49-F238E27FC236}">
-                  <a16:creationId xmlns:a16="http://schemas.microsoft.com/office/drawing/2014/main" id="{6AF87838-79D5-4DBA-9E82-8FB5CC686A21}"/>
-                </a:ext>
-              </a:extLst>
-            </p:cNvPr>
-            <p:cNvSpPr/>
-            <p:nvPr/>
-          </p:nvSpPr>
-          <p:spPr>
-            <a:xfrm>
-              <a:off x="3490465" y="4634206"/>
-              <a:ext cx="558000" cy="1418720"/>
-            </a:xfrm>
-            <a:prstGeom prst="roundRect">
-              <a:avLst/>
-            </a:prstGeom>
-            <a:solidFill>
-              <a:schemeClr val="accent1">
-                <a:lumMod val="20000"/>
-                <a:lumOff val="80000"/>
-              </a:schemeClr>
-            </a:solidFill>
-          </p:spPr>
-          <p:style>
-            <a:lnRef idx="2">
-              <a:schemeClr val="accent1">
-                <a:shade val="50000"/>
-              </a:schemeClr>
-            </a:lnRef>
-            <a:fillRef idx="1">
-              <a:schemeClr val="accent1"/>
-            </a:fillRef>
-            <a:effectRef idx="0">
-              <a:schemeClr val="accent1"/>
-            </a:effectRef>
-            <a:fontRef idx="minor">
-              <a:schemeClr val="lt1"/>
-            </a:fontRef>
-          </p:style>
-          <p:txBody>
-            <a:bodyPr rtlCol="0" anchor="ctr"/>
-            <a:lstStyle/>
-            <a:p>
-              <a:pPr algn="ctr"/>
-              <a:endParaRPr lang="zh-CN" altLang="en-US"/>
-            </a:p>
-          </p:txBody>
-        </p:sp>
-        <p:sp>
-          <p:nvSpPr>
-            <p:cNvPr id="72" name="文本框 71">
-              <a:extLst>
-                <a:ext uri="{FF2B5EF4-FFF2-40B4-BE49-F238E27FC236}">
-                  <a16:creationId xmlns:a16="http://schemas.microsoft.com/office/drawing/2014/main" id="{A74D8CEA-CDD8-421C-A59C-358B1ED9A61F}"/>
-                </a:ext>
-              </a:extLst>
-            </p:cNvPr>
-            <p:cNvSpPr txBox="1"/>
-            <p:nvPr/>
-          </p:nvSpPr>
-          <p:spPr>
-            <a:xfrm>
-              <a:off x="3538632" y="4823700"/>
-              <a:ext cx="461665" cy="1039731"/>
-            </a:xfrm>
-            <a:prstGeom prst="rect">
-              <a:avLst/>
-            </a:prstGeom>
-            <a:noFill/>
-          </p:spPr>
-          <p:txBody>
-            <a:bodyPr vert="eaVert" wrap="square" rtlCol="0">
-              <a:spAutoFit/>
-            </a:bodyPr>
-            <a:lstStyle/>
-            <a:p>
-              <a:r>
-                <a:rPr lang="zh-CN" altLang="en-US" dirty="0">
-                  <a:latin typeface="微软雅黑" panose="020B0503020204020204" pitchFamily="34" charset="-122"/>
-                  <a:ea typeface="微软雅黑" panose="020B0503020204020204" pitchFamily="34" charset="-122"/>
-                </a:rPr>
-                <a:t>极化电阻</a:t>
-              </a:r>
-            </a:p>
-          </p:txBody>
-        </p:sp>
-        <p:cxnSp>
-          <p:nvCxnSpPr>
-            <p:cNvPr id="73" name="直接连接符 72">
-              <a:extLst>
-                <a:ext uri="{FF2B5EF4-FFF2-40B4-BE49-F238E27FC236}">
-                  <a16:creationId xmlns:a16="http://schemas.microsoft.com/office/drawing/2014/main" id="{2FA0B8DC-838F-4064-973B-79E1454CFE23}"/>
-                </a:ext>
-              </a:extLst>
-            </p:cNvPr>
-            <p:cNvCxnSpPr/>
-            <p:nvPr/>
-          </p:nvCxnSpPr>
-          <p:spPr>
-            <a:xfrm>
-              <a:off x="3805610" y="4296170"/>
-              <a:ext cx="0" cy="338036"/>
-            </a:xfrm>
-            <a:prstGeom prst="line">
-              <a:avLst/>
-            </a:prstGeom>
-          </p:spPr>
-          <p:style>
-            <a:lnRef idx="1">
-              <a:schemeClr val="accent1"/>
-            </a:lnRef>
-            <a:fillRef idx="0">
-              <a:schemeClr val="accent1"/>
-            </a:fillRef>
-            <a:effectRef idx="0">
-              <a:schemeClr val="accent1"/>
-            </a:effectRef>
-            <a:fontRef idx="minor">
-              <a:schemeClr val="tx1"/>
-            </a:fontRef>
-          </p:style>
-        </p:cxnSp>
-        <p:sp>
-          <p:nvSpPr>
-            <p:cNvPr id="74" name="矩形: 圆角 73">
-              <a:extLst>
-                <a:ext uri="{FF2B5EF4-FFF2-40B4-BE49-F238E27FC236}">
-                  <a16:creationId xmlns:a16="http://schemas.microsoft.com/office/drawing/2014/main" id="{0B6F2C46-3690-4B99-AD84-E036154321C7}"/>
-                </a:ext>
-              </a:extLst>
-            </p:cNvPr>
-            <p:cNvSpPr/>
-            <p:nvPr/>
-          </p:nvSpPr>
-          <p:spPr>
-            <a:xfrm>
-              <a:off x="7571955" y="5385636"/>
-              <a:ext cx="1801442" cy="557981"/>
-            </a:xfrm>
-            <a:prstGeom prst="roundRect">
-              <a:avLst/>
-            </a:prstGeom>
-            <a:solidFill>
-              <a:schemeClr val="accent1">
-                <a:lumMod val="20000"/>
-                <a:lumOff val="80000"/>
-              </a:schemeClr>
-            </a:solidFill>
-          </p:spPr>
-          <p:style>
-            <a:lnRef idx="2">
-              <a:schemeClr val="accent1">
-                <a:shade val="50000"/>
-              </a:schemeClr>
-            </a:lnRef>
-            <a:fillRef idx="1">
-              <a:schemeClr val="accent1"/>
-            </a:fillRef>
-            <a:effectRef idx="0">
-              <a:schemeClr val="accent1"/>
-            </a:effectRef>
-            <a:fontRef idx="minor">
-              <a:schemeClr val="lt1"/>
-            </a:fontRef>
-          </p:style>
-          <p:txBody>
-            <a:bodyPr rtlCol="0" anchor="ctr"/>
-            <a:lstStyle/>
-            <a:p>
-              <a:pPr algn="ctr"/>
-              <a:endParaRPr lang="zh-CN" altLang="en-US"/>
-            </a:p>
-          </p:txBody>
-        </p:sp>
-        <p:sp>
-          <p:nvSpPr>
-            <p:cNvPr id="75" name="文本框 74">
-              <a:extLst>
-                <a:ext uri="{FF2B5EF4-FFF2-40B4-BE49-F238E27FC236}">
-                  <a16:creationId xmlns:a16="http://schemas.microsoft.com/office/drawing/2014/main" id="{1796DF33-7755-4C62-AECD-BBBB104F22A1}"/>
-                </a:ext>
-              </a:extLst>
-            </p:cNvPr>
-            <p:cNvSpPr txBox="1"/>
-            <p:nvPr/>
-          </p:nvSpPr>
-          <p:spPr>
-            <a:xfrm>
-              <a:off x="7630534" y="5430526"/>
-              <a:ext cx="2000906" cy="458908"/>
-            </a:xfrm>
-            <a:prstGeom prst="rect">
-              <a:avLst/>
-            </a:prstGeom>
-            <a:noFill/>
-          </p:spPr>
-          <p:txBody>
-            <a:bodyPr wrap="square" rtlCol="0">
-              <a:spAutoFit/>
-            </a:bodyPr>
-            <a:lstStyle/>
-            <a:p>
-              <a:pPr>
-                <a:lnSpc>
-                  <a:spcPct val="150000"/>
-                </a:lnSpc>
-                <a:buClr>
-                  <a:schemeClr val="tx1"/>
-                </a:buClr>
-              </a:pPr>
-              <a:r>
-                <a:rPr lang="en-US" altLang="zh-CN" dirty="0">
-                  <a:latin typeface="微软雅黑" panose="020B0503020204020204" pitchFamily="34" charset="-122"/>
-                  <a:ea typeface="微软雅黑" panose="020B0503020204020204" pitchFamily="34" charset="-122"/>
-                </a:rPr>
-                <a:t>Arrhenius</a:t>
-              </a:r>
-              <a:r>
-                <a:rPr lang="zh-CN" altLang="en-US" dirty="0">
-                  <a:latin typeface="微软雅黑" panose="020B0503020204020204" pitchFamily="34" charset="-122"/>
-                  <a:ea typeface="微软雅黑" panose="020B0503020204020204" pitchFamily="34" charset="-122"/>
-                </a:rPr>
-                <a:t>公式</a:t>
-              </a:r>
-              <a:endParaRPr lang="en-US" altLang="zh-CN" dirty="0">
+              </a:rPr>
+              <a:t>散热模型</a:t>
+            </a:r>
+            <a:endParaRPr lang="en-US" altLang="zh-CN" dirty="0">
+              <a:latin typeface="微软雅黑" panose="020B0503020204020204" pitchFamily="34" charset="-122"/>
+              <a:ea typeface="微软雅黑" panose="020B0503020204020204" pitchFamily="34" charset="-122"/>
+            </a:endParaRPr>
+          </a:p>
+        </p:txBody>
+      </p:sp>
+      <p:cxnSp>
+        <p:nvCxnSpPr>
+          <p:cNvPr id="55" name="直接连接符 54">
+            <a:extLst>
+              <a:ext uri="{FF2B5EF4-FFF2-40B4-BE49-F238E27FC236}">
+                <a16:creationId xmlns:a16="http://schemas.microsoft.com/office/drawing/2014/main" id="{BE61470E-10CF-4FC7-A6E0-84D5C570BAD8}"/>
+              </a:ext>
+            </a:extLst>
+          </p:cNvPr>
+          <p:cNvCxnSpPr/>
+          <p:nvPr/>
+        </p:nvCxnSpPr>
+        <p:spPr>
+          <a:xfrm flipV="1">
+            <a:off x="8820443" y="1915867"/>
+            <a:ext cx="0" cy="834078"/>
+          </a:xfrm>
+          <a:prstGeom prst="line">
+            <a:avLst/>
+          </a:prstGeom>
+        </p:spPr>
+        <p:style>
+          <a:lnRef idx="1">
+            <a:schemeClr val="accent1"/>
+          </a:lnRef>
+          <a:fillRef idx="0">
+            <a:schemeClr val="accent1"/>
+          </a:fillRef>
+          <a:effectRef idx="0">
+            <a:schemeClr val="accent1"/>
+          </a:effectRef>
+          <a:fontRef idx="minor">
+            <a:schemeClr val="tx1"/>
+          </a:fontRef>
+        </p:style>
+      </p:cxnSp>
+      <p:cxnSp>
+        <p:nvCxnSpPr>
+          <p:cNvPr id="56" name="直接连接符 55">
+            <a:extLst>
+              <a:ext uri="{FF2B5EF4-FFF2-40B4-BE49-F238E27FC236}">
+                <a16:creationId xmlns:a16="http://schemas.microsoft.com/office/drawing/2014/main" id="{2610A3D0-D8C4-4EE8-9367-25EA731E0CAD}"/>
+              </a:ext>
+            </a:extLst>
+          </p:cNvPr>
+          <p:cNvCxnSpPr>
+            <a:cxnSpLocks/>
+          </p:cNvCxnSpPr>
+          <p:nvPr/>
+        </p:nvCxnSpPr>
+        <p:spPr>
+          <a:xfrm>
+            <a:off x="3667551" y="3544123"/>
+            <a:ext cx="343649" cy="0"/>
+          </a:xfrm>
+          <a:prstGeom prst="line">
+            <a:avLst/>
+          </a:prstGeom>
+        </p:spPr>
+        <p:style>
+          <a:lnRef idx="1">
+            <a:schemeClr val="accent1"/>
+          </a:lnRef>
+          <a:fillRef idx="0">
+            <a:schemeClr val="accent1"/>
+          </a:fillRef>
+          <a:effectRef idx="0">
+            <a:schemeClr val="accent1"/>
+          </a:effectRef>
+          <a:fontRef idx="minor">
+            <a:schemeClr val="tx1"/>
+          </a:fontRef>
+        </p:style>
+      </p:cxnSp>
+      <p:cxnSp>
+        <p:nvCxnSpPr>
+          <p:cNvPr id="57" name="直接连接符 56">
+            <a:extLst>
+              <a:ext uri="{FF2B5EF4-FFF2-40B4-BE49-F238E27FC236}">
+                <a16:creationId xmlns:a16="http://schemas.microsoft.com/office/drawing/2014/main" id="{F3A13309-045D-4CB2-BD69-04FC572F94EE}"/>
+              </a:ext>
+            </a:extLst>
+          </p:cNvPr>
+          <p:cNvCxnSpPr>
+            <a:cxnSpLocks/>
+            <a:stCxn id="38" idx="2"/>
+          </p:cNvCxnSpPr>
+          <p:nvPr/>
+        </p:nvCxnSpPr>
+        <p:spPr>
+          <a:xfrm flipH="1">
+            <a:off x="2994230" y="3823113"/>
+            <a:ext cx="1" cy="471148"/>
+          </a:xfrm>
+          <a:prstGeom prst="line">
+            <a:avLst/>
+          </a:prstGeom>
+        </p:spPr>
+        <p:style>
+          <a:lnRef idx="1">
+            <a:schemeClr val="accent1"/>
+          </a:lnRef>
+          <a:fillRef idx="0">
+            <a:schemeClr val="accent1"/>
+          </a:fillRef>
+          <a:effectRef idx="0">
+            <a:schemeClr val="accent1"/>
+          </a:effectRef>
+          <a:fontRef idx="minor">
+            <a:schemeClr val="tx1"/>
+          </a:fontRef>
+        </p:style>
+      </p:cxnSp>
+      <p:sp>
+        <p:nvSpPr>
+          <p:cNvPr id="58" name="矩形: 圆角 57">
+            <a:extLst>
+              <a:ext uri="{FF2B5EF4-FFF2-40B4-BE49-F238E27FC236}">
+                <a16:creationId xmlns:a16="http://schemas.microsoft.com/office/drawing/2014/main" id="{5311E320-A176-4797-9BA4-C4BBF835A280}"/>
+              </a:ext>
+            </a:extLst>
+          </p:cNvPr>
+          <p:cNvSpPr/>
+          <p:nvPr/>
+        </p:nvSpPr>
+        <p:spPr>
+          <a:xfrm>
+            <a:off x="2721180" y="4640955"/>
+            <a:ext cx="558000" cy="1418720"/>
+          </a:xfrm>
+          <a:prstGeom prst="roundRect">
+            <a:avLst/>
+          </a:prstGeom>
+          <a:solidFill>
+            <a:schemeClr val="accent1">
+              <a:lumMod val="20000"/>
+              <a:lumOff val="80000"/>
+            </a:schemeClr>
+          </a:solidFill>
+        </p:spPr>
+        <p:style>
+          <a:lnRef idx="2">
+            <a:schemeClr val="accent1">
+              <a:shade val="50000"/>
+            </a:schemeClr>
+          </a:lnRef>
+          <a:fillRef idx="1">
+            <a:schemeClr val="accent1"/>
+          </a:fillRef>
+          <a:effectRef idx="0">
+            <a:schemeClr val="accent1"/>
+          </a:effectRef>
+          <a:fontRef idx="minor">
+            <a:schemeClr val="lt1"/>
+          </a:fontRef>
+        </p:style>
+        <p:txBody>
+          <a:bodyPr rtlCol="0" anchor="ctr"/>
+          <a:lstStyle/>
+          <a:p>
+            <a:pPr algn="ctr"/>
+            <a:endParaRPr lang="zh-CN" altLang="en-US"/>
+          </a:p>
+        </p:txBody>
+      </p:sp>
+      <p:sp>
+        <p:nvSpPr>
+          <p:cNvPr id="59" name="文本框 58">
+            <a:extLst>
+              <a:ext uri="{FF2B5EF4-FFF2-40B4-BE49-F238E27FC236}">
+                <a16:creationId xmlns:a16="http://schemas.microsoft.com/office/drawing/2014/main" id="{A0A66C1D-E446-49CB-A03D-8E9F5E9EB694}"/>
+              </a:ext>
+            </a:extLst>
+          </p:cNvPr>
+          <p:cNvSpPr txBox="1"/>
+          <p:nvPr/>
+        </p:nvSpPr>
+        <p:spPr>
+          <a:xfrm>
+            <a:off x="2769347" y="4830449"/>
+            <a:ext cx="461665" cy="1039731"/>
+          </a:xfrm>
+          <a:prstGeom prst="rect">
+            <a:avLst/>
+          </a:prstGeom>
+          <a:noFill/>
+        </p:spPr>
+        <p:txBody>
+          <a:bodyPr vert="eaVert" wrap="square" rtlCol="0">
+            <a:spAutoFit/>
+          </a:bodyPr>
+          <a:lstStyle/>
+          <a:p>
+            <a:r>
+              <a:rPr lang="zh-CN" altLang="en-US" dirty="0">
                 <a:latin typeface="微软雅黑" panose="020B0503020204020204" pitchFamily="34" charset="-122"/>
                 <a:ea typeface="微软雅黑" panose="020B0503020204020204" pitchFamily="34" charset="-122"/>
-              </a:endParaRPr>
-            </a:p>
-          </p:txBody>
-        </p:sp>
-        <p:cxnSp>
-          <p:nvCxnSpPr>
-            <p:cNvPr id="76" name="直接连接符 75">
-              <a:extLst>
-                <a:ext uri="{FF2B5EF4-FFF2-40B4-BE49-F238E27FC236}">
-                  <a16:creationId xmlns:a16="http://schemas.microsoft.com/office/drawing/2014/main" id="{06F9F3E0-4919-4D0A-9C4B-CBA0A323AEA8}"/>
-                </a:ext>
-              </a:extLst>
-            </p:cNvPr>
-            <p:cNvCxnSpPr>
-              <a:cxnSpLocks/>
-              <a:stCxn id="36" idx="2"/>
-            </p:cNvCxnSpPr>
-            <p:nvPr/>
-          </p:nvCxnSpPr>
-          <p:spPr>
-            <a:xfrm>
-              <a:off x="8408979" y="5031828"/>
-              <a:ext cx="0" cy="353808"/>
-            </a:xfrm>
-            <a:prstGeom prst="line">
-              <a:avLst/>
-            </a:prstGeom>
-          </p:spPr>
-          <p:style>
-            <a:lnRef idx="1">
-              <a:schemeClr val="accent1"/>
-            </a:lnRef>
-            <a:fillRef idx="0">
-              <a:schemeClr val="accent1"/>
-            </a:fillRef>
-            <a:effectRef idx="0">
-              <a:schemeClr val="accent1"/>
-            </a:effectRef>
-            <a:fontRef idx="minor">
-              <a:schemeClr val="tx1"/>
-            </a:fontRef>
-          </p:style>
-        </p:cxnSp>
-      </p:grpSp>
+              </a:rPr>
+              <a:t>欧姆内阻</a:t>
+            </a:r>
+          </a:p>
+        </p:txBody>
+      </p:sp>
+      <p:sp>
+        <p:nvSpPr>
+          <p:cNvPr id="60" name="矩形: 圆角 59">
+            <a:extLst>
+              <a:ext uri="{FF2B5EF4-FFF2-40B4-BE49-F238E27FC236}">
+                <a16:creationId xmlns:a16="http://schemas.microsoft.com/office/drawing/2014/main" id="{FD14E6CB-0C7B-475B-8A55-7B71CE86C98E}"/>
+              </a:ext>
+            </a:extLst>
+          </p:cNvPr>
+          <p:cNvSpPr/>
+          <p:nvPr/>
+        </p:nvSpPr>
+        <p:spPr>
+          <a:xfrm>
+            <a:off x="3486983" y="4640955"/>
+            <a:ext cx="558000" cy="1418720"/>
+          </a:xfrm>
+          <a:prstGeom prst="roundRect">
+            <a:avLst/>
+          </a:prstGeom>
+          <a:solidFill>
+            <a:schemeClr val="accent1">
+              <a:lumMod val="20000"/>
+              <a:lumOff val="80000"/>
+            </a:schemeClr>
+          </a:solidFill>
+        </p:spPr>
+        <p:style>
+          <a:lnRef idx="2">
+            <a:schemeClr val="accent1">
+              <a:shade val="50000"/>
+            </a:schemeClr>
+          </a:lnRef>
+          <a:fillRef idx="1">
+            <a:schemeClr val="accent1"/>
+          </a:fillRef>
+          <a:effectRef idx="0">
+            <a:schemeClr val="accent1"/>
+          </a:effectRef>
+          <a:fontRef idx="minor">
+            <a:schemeClr val="lt1"/>
+          </a:fontRef>
+        </p:style>
+        <p:txBody>
+          <a:bodyPr rtlCol="0" anchor="ctr"/>
+          <a:lstStyle/>
+          <a:p>
+            <a:pPr algn="ctr"/>
+            <a:endParaRPr lang="zh-CN" altLang="en-US"/>
+          </a:p>
+        </p:txBody>
+      </p:sp>
+      <p:sp>
+        <p:nvSpPr>
+          <p:cNvPr id="61" name="文本框 60">
+            <a:extLst>
+              <a:ext uri="{FF2B5EF4-FFF2-40B4-BE49-F238E27FC236}">
+                <a16:creationId xmlns:a16="http://schemas.microsoft.com/office/drawing/2014/main" id="{BB2001B3-21AF-4219-8AB1-1A1EDF115275}"/>
+              </a:ext>
+            </a:extLst>
+          </p:cNvPr>
+          <p:cNvSpPr txBox="1"/>
+          <p:nvPr/>
+        </p:nvSpPr>
+        <p:spPr>
+          <a:xfrm>
+            <a:off x="3535150" y="4830449"/>
+            <a:ext cx="461665" cy="1039731"/>
+          </a:xfrm>
+          <a:prstGeom prst="rect">
+            <a:avLst/>
+          </a:prstGeom>
+          <a:noFill/>
+        </p:spPr>
+        <p:txBody>
+          <a:bodyPr vert="eaVert" wrap="square" rtlCol="0">
+            <a:spAutoFit/>
+          </a:bodyPr>
+          <a:lstStyle/>
+          <a:p>
+            <a:r>
+              <a:rPr lang="zh-CN" altLang="en-US" dirty="0">
+                <a:latin typeface="微软雅黑" panose="020B0503020204020204" pitchFamily="34" charset="-122"/>
+                <a:ea typeface="微软雅黑" panose="020B0503020204020204" pitchFamily="34" charset="-122"/>
+              </a:rPr>
+              <a:t>极化电容</a:t>
+            </a:r>
+          </a:p>
+        </p:txBody>
+      </p:sp>
+      <p:sp>
+        <p:nvSpPr>
+          <p:cNvPr id="62" name="矩形: 圆角 61">
+            <a:extLst>
+              <a:ext uri="{FF2B5EF4-FFF2-40B4-BE49-F238E27FC236}">
+                <a16:creationId xmlns:a16="http://schemas.microsoft.com/office/drawing/2014/main" id="{142C7C8D-25C9-4ED3-9D8C-37FA276F1DAB}"/>
+              </a:ext>
+            </a:extLst>
+          </p:cNvPr>
+          <p:cNvSpPr/>
+          <p:nvPr/>
+        </p:nvSpPr>
+        <p:spPr>
+          <a:xfrm>
+            <a:off x="1953312" y="4620541"/>
+            <a:ext cx="558000" cy="1418720"/>
+          </a:xfrm>
+          <a:prstGeom prst="roundRect">
+            <a:avLst/>
+          </a:prstGeom>
+          <a:solidFill>
+            <a:schemeClr val="accent1">
+              <a:lumMod val="20000"/>
+              <a:lumOff val="80000"/>
+            </a:schemeClr>
+          </a:solidFill>
+        </p:spPr>
+        <p:style>
+          <a:lnRef idx="2">
+            <a:schemeClr val="accent1">
+              <a:shade val="50000"/>
+            </a:schemeClr>
+          </a:lnRef>
+          <a:fillRef idx="1">
+            <a:schemeClr val="accent1"/>
+          </a:fillRef>
+          <a:effectRef idx="0">
+            <a:schemeClr val="accent1"/>
+          </a:effectRef>
+          <a:fontRef idx="minor">
+            <a:schemeClr val="lt1"/>
+          </a:fontRef>
+        </p:style>
+        <p:txBody>
+          <a:bodyPr rtlCol="0" anchor="ctr"/>
+          <a:lstStyle/>
+          <a:p>
+            <a:pPr algn="ctr"/>
+            <a:endParaRPr lang="zh-CN" altLang="en-US"/>
+          </a:p>
+        </p:txBody>
+      </p:sp>
+      <p:sp>
+        <p:nvSpPr>
+          <p:cNvPr id="63" name="文本框 62">
+            <a:extLst>
+              <a:ext uri="{FF2B5EF4-FFF2-40B4-BE49-F238E27FC236}">
+                <a16:creationId xmlns:a16="http://schemas.microsoft.com/office/drawing/2014/main" id="{06BDDAE5-E809-4081-A1E4-E50B212358DC}"/>
+              </a:ext>
+            </a:extLst>
+          </p:cNvPr>
+          <p:cNvSpPr txBox="1"/>
+          <p:nvPr/>
+        </p:nvSpPr>
+        <p:spPr>
+          <a:xfrm>
+            <a:off x="2001479" y="4810035"/>
+            <a:ext cx="461665" cy="1039731"/>
+          </a:xfrm>
+          <a:prstGeom prst="rect">
+            <a:avLst/>
+          </a:prstGeom>
+          <a:noFill/>
+        </p:spPr>
+        <p:txBody>
+          <a:bodyPr vert="eaVert" wrap="square" rtlCol="0">
+            <a:spAutoFit/>
+          </a:bodyPr>
+          <a:lstStyle/>
+          <a:p>
+            <a:r>
+              <a:rPr lang="zh-CN" altLang="en-US" dirty="0">
+                <a:latin typeface="微软雅黑" panose="020B0503020204020204" pitchFamily="34" charset="-122"/>
+                <a:ea typeface="微软雅黑" panose="020B0503020204020204" pitchFamily="34" charset="-122"/>
+              </a:rPr>
+              <a:t>放电容量</a:t>
+            </a:r>
+          </a:p>
+        </p:txBody>
+      </p:sp>
+      <p:sp>
+        <p:nvSpPr>
+          <p:cNvPr id="64" name="矩形: 圆角 63">
+            <a:extLst>
+              <a:ext uri="{FF2B5EF4-FFF2-40B4-BE49-F238E27FC236}">
+                <a16:creationId xmlns:a16="http://schemas.microsoft.com/office/drawing/2014/main" id="{5872F0BE-B3E5-41B3-8D62-64BE31EA23D3}"/>
+              </a:ext>
+            </a:extLst>
+          </p:cNvPr>
+          <p:cNvSpPr/>
+          <p:nvPr/>
+        </p:nvSpPr>
+        <p:spPr>
+          <a:xfrm>
+            <a:off x="1183624" y="4620541"/>
+            <a:ext cx="558000" cy="1418720"/>
+          </a:xfrm>
+          <a:prstGeom prst="roundRect">
+            <a:avLst/>
+          </a:prstGeom>
+          <a:solidFill>
+            <a:schemeClr val="accent1">
+              <a:lumMod val="20000"/>
+              <a:lumOff val="80000"/>
+            </a:schemeClr>
+          </a:solidFill>
+        </p:spPr>
+        <p:style>
+          <a:lnRef idx="2">
+            <a:schemeClr val="accent1">
+              <a:shade val="50000"/>
+            </a:schemeClr>
+          </a:lnRef>
+          <a:fillRef idx="1">
+            <a:schemeClr val="accent1"/>
+          </a:fillRef>
+          <a:effectRef idx="0">
+            <a:schemeClr val="accent1"/>
+          </a:effectRef>
+          <a:fontRef idx="minor">
+            <a:schemeClr val="lt1"/>
+          </a:fontRef>
+        </p:style>
+        <p:txBody>
+          <a:bodyPr rtlCol="0" anchor="ctr"/>
+          <a:lstStyle/>
+          <a:p>
+            <a:pPr algn="ctr"/>
+            <a:endParaRPr lang="zh-CN" altLang="en-US"/>
+          </a:p>
+        </p:txBody>
+      </p:sp>
+      <p:sp>
+        <p:nvSpPr>
+          <p:cNvPr id="65" name="文本框 64">
+            <a:extLst>
+              <a:ext uri="{FF2B5EF4-FFF2-40B4-BE49-F238E27FC236}">
+                <a16:creationId xmlns:a16="http://schemas.microsoft.com/office/drawing/2014/main" id="{40BA5217-3CFB-40FC-90CF-128B36BD65E1}"/>
+              </a:ext>
+            </a:extLst>
+          </p:cNvPr>
+          <p:cNvSpPr txBox="1"/>
+          <p:nvPr/>
+        </p:nvSpPr>
+        <p:spPr>
+          <a:xfrm>
+            <a:off x="1231791" y="4810035"/>
+            <a:ext cx="461665" cy="1240982"/>
+          </a:xfrm>
+          <a:prstGeom prst="rect">
+            <a:avLst/>
+          </a:prstGeom>
+          <a:noFill/>
+        </p:spPr>
+        <p:txBody>
+          <a:bodyPr vert="eaVert" wrap="square" rtlCol="0">
+            <a:spAutoFit/>
+          </a:bodyPr>
+          <a:lstStyle/>
+          <a:p>
+            <a:r>
+              <a:rPr lang="zh-CN" altLang="en-US" dirty="0">
+                <a:latin typeface="微软雅黑" panose="020B0503020204020204" pitchFamily="34" charset="-122"/>
+                <a:ea typeface="微软雅黑" panose="020B0503020204020204" pitchFamily="34" charset="-122"/>
+              </a:rPr>
+              <a:t>开路电压</a:t>
+            </a:r>
+          </a:p>
+        </p:txBody>
+      </p:sp>
+      <p:cxnSp>
+        <p:nvCxnSpPr>
+          <p:cNvPr id="66" name="直接连接符 65">
+            <a:extLst>
+              <a:ext uri="{FF2B5EF4-FFF2-40B4-BE49-F238E27FC236}">
+                <a16:creationId xmlns:a16="http://schemas.microsoft.com/office/drawing/2014/main" id="{9F10CF58-1E62-4825-BF55-B2B8BA5E93EA}"/>
+              </a:ext>
+            </a:extLst>
+          </p:cNvPr>
+          <p:cNvCxnSpPr/>
+          <p:nvPr/>
+        </p:nvCxnSpPr>
+        <p:spPr>
+          <a:xfrm>
+            <a:off x="1448972" y="4294261"/>
+            <a:ext cx="3108960" cy="0"/>
+          </a:xfrm>
+          <a:prstGeom prst="line">
+            <a:avLst/>
+          </a:prstGeom>
+        </p:spPr>
+        <p:style>
+          <a:lnRef idx="1">
+            <a:schemeClr val="accent1"/>
+          </a:lnRef>
+          <a:fillRef idx="0">
+            <a:schemeClr val="accent1"/>
+          </a:fillRef>
+          <a:effectRef idx="0">
+            <a:schemeClr val="accent1"/>
+          </a:effectRef>
+          <a:fontRef idx="minor">
+            <a:schemeClr val="tx1"/>
+          </a:fontRef>
+        </p:style>
+      </p:cxnSp>
+      <p:cxnSp>
+        <p:nvCxnSpPr>
+          <p:cNvPr id="67" name="直接连接符 66">
+            <a:extLst>
+              <a:ext uri="{FF2B5EF4-FFF2-40B4-BE49-F238E27FC236}">
+                <a16:creationId xmlns:a16="http://schemas.microsoft.com/office/drawing/2014/main" id="{6917F222-5A4A-4416-8AC7-F4483532B0A8}"/>
+              </a:ext>
+            </a:extLst>
+          </p:cNvPr>
+          <p:cNvCxnSpPr/>
+          <p:nvPr/>
+        </p:nvCxnSpPr>
+        <p:spPr>
+          <a:xfrm>
+            <a:off x="1448972" y="4294261"/>
+            <a:ext cx="0" cy="338036"/>
+          </a:xfrm>
+          <a:prstGeom prst="line">
+            <a:avLst/>
+          </a:prstGeom>
+        </p:spPr>
+        <p:style>
+          <a:lnRef idx="1">
+            <a:schemeClr val="accent1"/>
+          </a:lnRef>
+          <a:fillRef idx="0">
+            <a:schemeClr val="accent1"/>
+          </a:fillRef>
+          <a:effectRef idx="0">
+            <a:schemeClr val="accent1"/>
+          </a:effectRef>
+          <a:fontRef idx="minor">
+            <a:schemeClr val="tx1"/>
+          </a:fontRef>
+        </p:style>
+      </p:cxnSp>
+      <p:cxnSp>
+        <p:nvCxnSpPr>
+          <p:cNvPr id="68" name="直接连接符 67">
+            <a:extLst>
+              <a:ext uri="{FF2B5EF4-FFF2-40B4-BE49-F238E27FC236}">
+                <a16:creationId xmlns:a16="http://schemas.microsoft.com/office/drawing/2014/main" id="{55BECCD3-40D0-44F5-AE71-863890EA77C3}"/>
+              </a:ext>
+            </a:extLst>
+          </p:cNvPr>
+          <p:cNvCxnSpPr/>
+          <p:nvPr/>
+        </p:nvCxnSpPr>
+        <p:spPr>
+          <a:xfrm>
+            <a:off x="2227791" y="4304829"/>
+            <a:ext cx="0" cy="338036"/>
+          </a:xfrm>
+          <a:prstGeom prst="line">
+            <a:avLst/>
+          </a:prstGeom>
+        </p:spPr>
+        <p:style>
+          <a:lnRef idx="1">
+            <a:schemeClr val="accent1"/>
+          </a:lnRef>
+          <a:fillRef idx="0">
+            <a:schemeClr val="accent1"/>
+          </a:fillRef>
+          <a:effectRef idx="0">
+            <a:schemeClr val="accent1"/>
+          </a:effectRef>
+          <a:fontRef idx="minor">
+            <a:schemeClr val="tx1"/>
+          </a:fontRef>
+        </p:style>
+      </p:cxnSp>
+      <p:cxnSp>
+        <p:nvCxnSpPr>
+          <p:cNvPr id="69" name="直接连接符 68">
+            <a:extLst>
+              <a:ext uri="{FF2B5EF4-FFF2-40B4-BE49-F238E27FC236}">
+                <a16:creationId xmlns:a16="http://schemas.microsoft.com/office/drawing/2014/main" id="{59C0A20F-B227-4353-9CE7-CB4A9084F266}"/>
+              </a:ext>
+            </a:extLst>
+          </p:cNvPr>
+          <p:cNvCxnSpPr/>
+          <p:nvPr/>
+        </p:nvCxnSpPr>
+        <p:spPr>
+          <a:xfrm>
+            <a:off x="2994230" y="4304829"/>
+            <a:ext cx="0" cy="338036"/>
+          </a:xfrm>
+          <a:prstGeom prst="line">
+            <a:avLst/>
+          </a:prstGeom>
+        </p:spPr>
+        <p:style>
+          <a:lnRef idx="1">
+            <a:schemeClr val="accent1"/>
+          </a:lnRef>
+          <a:fillRef idx="0">
+            <a:schemeClr val="accent1"/>
+          </a:fillRef>
+          <a:effectRef idx="0">
+            <a:schemeClr val="accent1"/>
+          </a:effectRef>
+          <a:fontRef idx="minor">
+            <a:schemeClr val="tx1"/>
+          </a:fontRef>
+        </p:style>
+      </p:cxnSp>
+      <p:cxnSp>
+        <p:nvCxnSpPr>
+          <p:cNvPr id="70" name="直接连接符 69">
+            <a:extLst>
+              <a:ext uri="{FF2B5EF4-FFF2-40B4-BE49-F238E27FC236}">
+                <a16:creationId xmlns:a16="http://schemas.microsoft.com/office/drawing/2014/main" id="{3453EB24-95BC-49B3-BDBF-99AF63DBC7E2}"/>
+              </a:ext>
+            </a:extLst>
+          </p:cNvPr>
+          <p:cNvCxnSpPr/>
+          <p:nvPr/>
+        </p:nvCxnSpPr>
+        <p:spPr>
+          <a:xfrm>
+            <a:off x="4561981" y="4294261"/>
+            <a:ext cx="0" cy="338036"/>
+          </a:xfrm>
+          <a:prstGeom prst="line">
+            <a:avLst/>
+          </a:prstGeom>
+        </p:spPr>
+        <p:style>
+          <a:lnRef idx="1">
+            <a:schemeClr val="accent1"/>
+          </a:lnRef>
+          <a:fillRef idx="0">
+            <a:schemeClr val="accent1"/>
+          </a:fillRef>
+          <a:effectRef idx="0">
+            <a:schemeClr val="accent1"/>
+          </a:effectRef>
+          <a:fontRef idx="minor">
+            <a:schemeClr val="tx1"/>
+          </a:fontRef>
+        </p:style>
+      </p:cxnSp>
+      <p:sp>
+        <p:nvSpPr>
+          <p:cNvPr id="71" name="矩形: 圆角 70">
+            <a:extLst>
+              <a:ext uri="{FF2B5EF4-FFF2-40B4-BE49-F238E27FC236}">
+                <a16:creationId xmlns:a16="http://schemas.microsoft.com/office/drawing/2014/main" id="{6AF87838-79D5-4DBA-9E82-8FB5CC686A21}"/>
+              </a:ext>
+            </a:extLst>
+          </p:cNvPr>
+          <p:cNvSpPr/>
+          <p:nvPr/>
+        </p:nvSpPr>
+        <p:spPr>
+          <a:xfrm>
+            <a:off x="4262218" y="4642864"/>
+            <a:ext cx="558000" cy="1418720"/>
+          </a:xfrm>
+          <a:prstGeom prst="roundRect">
+            <a:avLst/>
+          </a:prstGeom>
+          <a:solidFill>
+            <a:schemeClr val="accent1">
+              <a:lumMod val="20000"/>
+              <a:lumOff val="80000"/>
+            </a:schemeClr>
+          </a:solidFill>
+        </p:spPr>
+        <p:style>
+          <a:lnRef idx="2">
+            <a:schemeClr val="accent1">
+              <a:shade val="50000"/>
+            </a:schemeClr>
+          </a:lnRef>
+          <a:fillRef idx="1">
+            <a:schemeClr val="accent1"/>
+          </a:fillRef>
+          <a:effectRef idx="0">
+            <a:schemeClr val="accent1"/>
+          </a:effectRef>
+          <a:fontRef idx="minor">
+            <a:schemeClr val="lt1"/>
+          </a:fontRef>
+        </p:style>
+        <p:txBody>
+          <a:bodyPr rtlCol="0" anchor="ctr"/>
+          <a:lstStyle/>
+          <a:p>
+            <a:pPr algn="ctr"/>
+            <a:endParaRPr lang="zh-CN" altLang="en-US"/>
+          </a:p>
+        </p:txBody>
+      </p:sp>
+      <p:sp>
+        <p:nvSpPr>
+          <p:cNvPr id="72" name="文本框 71">
+            <a:extLst>
+              <a:ext uri="{FF2B5EF4-FFF2-40B4-BE49-F238E27FC236}">
+                <a16:creationId xmlns:a16="http://schemas.microsoft.com/office/drawing/2014/main" id="{A74D8CEA-CDD8-421C-A59C-358B1ED9A61F}"/>
+              </a:ext>
+            </a:extLst>
+          </p:cNvPr>
+          <p:cNvSpPr txBox="1"/>
+          <p:nvPr/>
+        </p:nvSpPr>
+        <p:spPr>
+          <a:xfrm>
+            <a:off x="4310385" y="4832358"/>
+            <a:ext cx="461665" cy="1039731"/>
+          </a:xfrm>
+          <a:prstGeom prst="rect">
+            <a:avLst/>
+          </a:prstGeom>
+          <a:noFill/>
+        </p:spPr>
+        <p:txBody>
+          <a:bodyPr vert="eaVert" wrap="square" rtlCol="0">
+            <a:spAutoFit/>
+          </a:bodyPr>
+          <a:lstStyle/>
+          <a:p>
+            <a:r>
+              <a:rPr lang="zh-CN" altLang="en-US" dirty="0">
+                <a:latin typeface="微软雅黑" panose="020B0503020204020204" pitchFamily="34" charset="-122"/>
+                <a:ea typeface="微软雅黑" panose="020B0503020204020204" pitchFamily="34" charset="-122"/>
+              </a:rPr>
+              <a:t>极化电阻</a:t>
+            </a:r>
+          </a:p>
+        </p:txBody>
+      </p:sp>
+      <p:cxnSp>
+        <p:nvCxnSpPr>
+          <p:cNvPr id="73" name="直接连接符 72">
+            <a:extLst>
+              <a:ext uri="{FF2B5EF4-FFF2-40B4-BE49-F238E27FC236}">
+                <a16:creationId xmlns:a16="http://schemas.microsoft.com/office/drawing/2014/main" id="{2FA0B8DC-838F-4064-973B-79E1454CFE23}"/>
+              </a:ext>
+            </a:extLst>
+          </p:cNvPr>
+          <p:cNvCxnSpPr/>
+          <p:nvPr/>
+        </p:nvCxnSpPr>
+        <p:spPr>
+          <a:xfrm>
+            <a:off x="3805610" y="4296170"/>
+            <a:ext cx="0" cy="338036"/>
+          </a:xfrm>
+          <a:prstGeom prst="line">
+            <a:avLst/>
+          </a:prstGeom>
+        </p:spPr>
+        <p:style>
+          <a:lnRef idx="1">
+            <a:schemeClr val="accent1"/>
+          </a:lnRef>
+          <a:fillRef idx="0">
+            <a:schemeClr val="accent1"/>
+          </a:fillRef>
+          <a:effectRef idx="0">
+            <a:schemeClr val="accent1"/>
+          </a:effectRef>
+          <a:fontRef idx="minor">
+            <a:schemeClr val="tx1"/>
+          </a:fontRef>
+        </p:style>
+      </p:cxnSp>
+      <p:sp>
+        <p:nvSpPr>
+          <p:cNvPr id="74" name="矩形: 圆角 73">
+            <a:extLst>
+              <a:ext uri="{FF2B5EF4-FFF2-40B4-BE49-F238E27FC236}">
+                <a16:creationId xmlns:a16="http://schemas.microsoft.com/office/drawing/2014/main" id="{0B6F2C46-3690-4B99-AD84-E036154321C7}"/>
+              </a:ext>
+            </a:extLst>
+          </p:cNvPr>
+          <p:cNvSpPr/>
+          <p:nvPr/>
+        </p:nvSpPr>
+        <p:spPr>
+          <a:xfrm>
+            <a:off x="7571955" y="5385636"/>
+            <a:ext cx="1801442" cy="557981"/>
+          </a:xfrm>
+          <a:prstGeom prst="roundRect">
+            <a:avLst/>
+          </a:prstGeom>
+          <a:solidFill>
+            <a:schemeClr val="accent1">
+              <a:lumMod val="20000"/>
+              <a:lumOff val="80000"/>
+            </a:schemeClr>
+          </a:solidFill>
+        </p:spPr>
+        <p:style>
+          <a:lnRef idx="2">
+            <a:schemeClr val="accent1">
+              <a:shade val="50000"/>
+            </a:schemeClr>
+          </a:lnRef>
+          <a:fillRef idx="1">
+            <a:schemeClr val="accent1"/>
+          </a:fillRef>
+          <a:effectRef idx="0">
+            <a:schemeClr val="accent1"/>
+          </a:effectRef>
+          <a:fontRef idx="minor">
+            <a:schemeClr val="lt1"/>
+          </a:fontRef>
+        </p:style>
+        <p:txBody>
+          <a:bodyPr rtlCol="0" anchor="ctr"/>
+          <a:lstStyle/>
+          <a:p>
+            <a:pPr algn="ctr"/>
+            <a:endParaRPr lang="zh-CN" altLang="en-US"/>
+          </a:p>
+        </p:txBody>
+      </p:sp>
+      <p:sp>
+        <p:nvSpPr>
+          <p:cNvPr id="75" name="文本框 74">
+            <a:extLst>
+              <a:ext uri="{FF2B5EF4-FFF2-40B4-BE49-F238E27FC236}">
+                <a16:creationId xmlns:a16="http://schemas.microsoft.com/office/drawing/2014/main" id="{1796DF33-7755-4C62-AECD-BBBB104F22A1}"/>
+              </a:ext>
+            </a:extLst>
+          </p:cNvPr>
+          <p:cNvSpPr txBox="1"/>
+          <p:nvPr/>
+        </p:nvSpPr>
+        <p:spPr>
+          <a:xfrm>
+            <a:off x="7630534" y="5430526"/>
+            <a:ext cx="2000906" cy="458908"/>
+          </a:xfrm>
+          <a:prstGeom prst="rect">
+            <a:avLst/>
+          </a:prstGeom>
+          <a:noFill/>
+        </p:spPr>
+        <p:txBody>
+          <a:bodyPr wrap="square" rtlCol="0">
+            <a:spAutoFit/>
+          </a:bodyPr>
+          <a:lstStyle/>
+          <a:p>
+            <a:pPr>
+              <a:lnSpc>
+                <a:spcPct val="150000"/>
+              </a:lnSpc>
+              <a:buClr>
+                <a:schemeClr val="tx1"/>
+              </a:buClr>
+            </a:pPr>
+            <a:r>
+              <a:rPr lang="en-US" altLang="zh-CN" dirty="0">
+                <a:latin typeface="微软雅黑" panose="020B0503020204020204" pitchFamily="34" charset="-122"/>
+                <a:ea typeface="微软雅黑" panose="020B0503020204020204" pitchFamily="34" charset="-122"/>
+              </a:rPr>
+              <a:t>Arrhenius</a:t>
+            </a:r>
+            <a:r>
+              <a:rPr lang="zh-CN" altLang="en-US" dirty="0">
+                <a:latin typeface="微软雅黑" panose="020B0503020204020204" pitchFamily="34" charset="-122"/>
+                <a:ea typeface="微软雅黑" panose="020B0503020204020204" pitchFamily="34" charset="-122"/>
+              </a:rPr>
+              <a:t>公式</a:t>
+            </a:r>
+            <a:endParaRPr lang="en-US" altLang="zh-CN" dirty="0">
+              <a:latin typeface="微软雅黑" panose="020B0503020204020204" pitchFamily="34" charset="-122"/>
+              <a:ea typeface="微软雅黑" panose="020B0503020204020204" pitchFamily="34" charset="-122"/>
+            </a:endParaRPr>
+          </a:p>
+        </p:txBody>
+      </p:sp>
+      <p:cxnSp>
+        <p:nvCxnSpPr>
+          <p:cNvPr id="76" name="直接连接符 75">
+            <a:extLst>
+              <a:ext uri="{FF2B5EF4-FFF2-40B4-BE49-F238E27FC236}">
+                <a16:creationId xmlns:a16="http://schemas.microsoft.com/office/drawing/2014/main" id="{06F9F3E0-4919-4D0A-9C4B-CBA0A323AEA8}"/>
+              </a:ext>
+            </a:extLst>
+          </p:cNvPr>
+          <p:cNvCxnSpPr>
+            <a:cxnSpLocks/>
+            <a:stCxn id="36" idx="2"/>
+          </p:cNvCxnSpPr>
+          <p:nvPr/>
+        </p:nvCxnSpPr>
+        <p:spPr>
+          <a:xfrm>
+            <a:off x="8408979" y="5031828"/>
+            <a:ext cx="0" cy="353808"/>
+          </a:xfrm>
+          <a:prstGeom prst="line">
+            <a:avLst/>
+          </a:prstGeom>
+        </p:spPr>
+        <p:style>
+          <a:lnRef idx="1">
+            <a:schemeClr val="accent1"/>
+          </a:lnRef>
+          <a:fillRef idx="0">
+            <a:schemeClr val="accent1"/>
+          </a:fillRef>
+          <a:effectRef idx="0">
+            <a:schemeClr val="accent1"/>
+          </a:effectRef>
+          <a:fontRef idx="minor">
+            <a:schemeClr val="tx1"/>
+          </a:fontRef>
+        </p:style>
+      </p:cxnSp>
     </p:spTree>
     <p:extLst>
       <p:ext uri="{BB962C8B-B14F-4D97-AF65-F5344CB8AC3E}">
@@ -34904,7 +36006,7 @@
           <a:graphicData uri="http://schemas.openxmlformats.org/presentationml/2006/ole">
             <mc:AlternateContent xmlns:mc="http://schemas.openxmlformats.org/markup-compatibility/2006">
               <mc:Choice xmlns:v="urn:schemas-microsoft-com:vml" Requires="v">
-                <p:oleObj spid="_x0000_s3514" name="Equation" r:id="rId5" imgW="1282700" imgH="469900" progId="Equation.DSMT4">
+                <p:oleObj spid="_x0000_s3610" name="Equation" r:id="rId5" imgW="1282700" imgH="469900" progId="Equation.DSMT4">
                   <p:embed/>
                 </p:oleObj>
               </mc:Choice>
@@ -35046,7 +36148,7 @@
           <a:graphicData uri="http://schemas.openxmlformats.org/presentationml/2006/ole">
             <mc:AlternateContent xmlns:mc="http://schemas.openxmlformats.org/markup-compatibility/2006">
               <mc:Choice xmlns:v="urn:schemas-microsoft-com:vml" Requires="v">
-                <p:oleObj spid="_x0000_s3515" name="Equation" r:id="rId7" imgW="1333500" imgH="469900" progId="Equation.DSMT4">
+                <p:oleObj spid="_x0000_s3611" name="Equation" r:id="rId7" imgW="1333500" imgH="469900" progId="Equation.DSMT4">
                   <p:embed/>
                 </p:oleObj>
               </mc:Choice>
@@ -35188,7 +36290,7 @@
           <a:graphicData uri="http://schemas.openxmlformats.org/presentationml/2006/ole">
             <mc:AlternateContent xmlns:mc="http://schemas.openxmlformats.org/markup-compatibility/2006">
               <mc:Choice xmlns:v="urn:schemas-microsoft-com:vml" Requires="v">
-                <p:oleObj spid="_x0000_s3516" name="Equation" r:id="rId9" imgW="1854200" imgH="241300" progId="Equation.DSMT4">
+                <p:oleObj spid="_x0000_s3612" name="Equation" r:id="rId9" imgW="1854200" imgH="241300" progId="Equation.DSMT4">
                   <p:embed/>
                 </p:oleObj>
               </mc:Choice>
@@ -35368,7 +36470,7 @@
           <a:graphicData uri="http://schemas.openxmlformats.org/presentationml/2006/ole">
             <mc:AlternateContent xmlns:mc="http://schemas.openxmlformats.org/markup-compatibility/2006">
               <mc:Choice xmlns:v="urn:schemas-microsoft-com:vml" Requires="v">
-                <p:oleObj spid="_x0000_s3517" name="Equation" r:id="rId11" imgW="1778000" imgH="419100" progId="Equation.DSMT4">
+                <p:oleObj spid="_x0000_s3613" name="Equation" r:id="rId11" imgW="1778000" imgH="419100" progId="Equation.DSMT4">
                   <p:embed/>
                 </p:oleObj>
               </mc:Choice>
@@ -36294,7 +37396,7 @@
           <a:lstStyle/>
           <a:p>
             <a:pPr algn="ctr"/>
-            <a:endParaRPr lang="zh-CN" altLang="en-US"/>
+            <a:endParaRPr lang="zh-CN" altLang="en-US" dirty="0"/>
           </a:p>
         </p:txBody>
       </p:sp>
@@ -36313,7 +37415,7 @@
         <p:spPr>
           <a:xfrm>
             <a:off x="537478" y="4630825"/>
-            <a:ext cx="1638300" cy="338554"/>
+            <a:ext cx="1638300" cy="584775"/>
           </a:xfrm>
           <a:prstGeom prst="rect">
             <a:avLst/>
@@ -36333,6 +37435,37 @@
               </a:rPr>
               <a:t>拟合函数形式：</a:t>
             </a:r>
+            <a:endParaRPr lang="en-US" altLang="zh-CN" sz="1600" dirty="0">
+              <a:latin typeface="微软雅黑" panose="020B0503020204020204" pitchFamily="34" charset="-122"/>
+              <a:ea typeface="微软雅黑" panose="020B0503020204020204" pitchFamily="34" charset="-122"/>
+            </a:endParaRPr>
+          </a:p>
+          <a:p>
+            <a:r>
+              <a:rPr lang="en-US" altLang="zh-CN" sz="1600" dirty="0">
+                <a:latin typeface="微软雅黑" panose="020B0503020204020204" pitchFamily="34" charset="-122"/>
+                <a:ea typeface="微软雅黑" panose="020B0503020204020204" pitchFamily="34" charset="-122"/>
+              </a:rPr>
+              <a:t>(</a:t>
+            </a:r>
+            <a:r>
+              <a:rPr lang="zh-CN" altLang="en-US" sz="1600" dirty="0">
+                <a:latin typeface="微软雅黑" panose="020B0503020204020204" pitchFamily="34" charset="-122"/>
+                <a:ea typeface="微软雅黑" panose="020B0503020204020204" pitchFamily="34" charset="-122"/>
+              </a:rPr>
+              <a:t>二阶指数逼近</a:t>
+            </a:r>
+            <a:r>
+              <a:rPr lang="en-US" altLang="zh-CN" sz="1600" dirty="0">
+                <a:latin typeface="微软雅黑" panose="020B0503020204020204" pitchFamily="34" charset="-122"/>
+                <a:ea typeface="微软雅黑" panose="020B0503020204020204" pitchFamily="34" charset="-122"/>
+              </a:rPr>
+              <a:t>)</a:t>
+            </a:r>
+            <a:endParaRPr lang="zh-CN" altLang="en-US" sz="1600" dirty="0">
+              <a:latin typeface="微软雅黑" panose="020B0503020204020204" pitchFamily="34" charset="-122"/>
+              <a:ea typeface="微软雅黑" panose="020B0503020204020204" pitchFamily="34" charset="-122"/>
+            </a:endParaRPr>
           </a:p>
         </p:txBody>
       </p:sp>
@@ -36364,7 +37497,7 @@
           <a:graphicData uri="http://schemas.openxmlformats.org/presentationml/2006/ole">
             <mc:AlternateContent xmlns:mc="http://schemas.openxmlformats.org/markup-compatibility/2006">
               <mc:Choice xmlns:v="urn:schemas-microsoft-com:vml" Requires="v">
-                <p:oleObj spid="_x0000_s4197" name="Equation" r:id="rId5" imgW="1905000" imgH="228600" progId="Equation.DSMT4">
+                <p:oleObj spid="_x0000_s4221" name="Equation" r:id="rId5" imgW="1905000" imgH="228600" progId="Equation.DSMT4">
                   <p:embed/>
                 </p:oleObj>
               </mc:Choice>
@@ -36425,7 +37558,7 @@
             </p:nvSpPr>
             <p:spPr>
               <a:xfrm>
-                <a:off x="2175778" y="5041083"/>
+                <a:off x="2168583" y="5377903"/>
                 <a:ext cx="1082925" cy="338554"/>
               </a:xfrm>
               <a:prstGeom prst="rect">
@@ -36505,16 +37638,16 @@
             </p:nvSpPr>
             <p:spPr>
               <a:xfrm>
-                <a:off x="2175778" y="5041083"/>
+                <a:off x="2168583" y="5377903"/>
                 <a:ext cx="1082925" cy="338554"/>
               </a:xfrm>
               <a:prstGeom prst="rect">
                 <a:avLst/>
               </a:prstGeom>
               <a:blipFill>
-                <a:blip r:embed="rId8"/>
+                <a:blip r:embed="rId7"/>
                 <a:stretch>
-                  <a:fillRect t="-5455" r="-562" b="-23636"/>
+                  <a:fillRect t="-5357" r="-1130" b="-21429"/>
                 </a:stretch>
               </a:blipFill>
             </p:spPr>
@@ -36549,7 +37682,7 @@
             </p:nvSpPr>
             <p:spPr>
               <a:xfrm>
-                <a:off x="2175778" y="5377903"/>
+                <a:off x="3514994" y="5377903"/>
                 <a:ext cx="1483548" cy="338554"/>
               </a:xfrm>
               <a:prstGeom prst="rect">
@@ -36630,14 +37763,14 @@
             </p:nvSpPr>
             <p:spPr>
               <a:xfrm>
-                <a:off x="2175778" y="5377903"/>
+                <a:off x="3514994" y="5377903"/>
                 <a:ext cx="1483548" cy="338554"/>
               </a:xfrm>
               <a:prstGeom prst="rect">
                 <a:avLst/>
               </a:prstGeom>
               <a:blipFill>
-                <a:blip r:embed="rId9"/>
+                <a:blip r:embed="rId8"/>
                 <a:stretch>
                   <a:fillRect t="-5357" b="-21429"/>
                 </a:stretch>
@@ -36799,7 +37932,7 @@
             </p:nvSpPr>
             <p:spPr>
               <a:xfrm>
-                <a:off x="2175778" y="6012913"/>
+                <a:off x="3514994" y="5674359"/>
                 <a:ext cx="1225592" cy="338554"/>
               </a:xfrm>
               <a:prstGeom prst="rect">
@@ -36879,7 +38012,7 @@
             </p:nvSpPr>
             <p:spPr>
               <a:xfrm>
-                <a:off x="2175778" y="6012913"/>
+                <a:off x="3514994" y="5674359"/>
                 <a:ext cx="1225592" cy="338554"/>
               </a:xfrm>
               <a:prstGeom prst="rect">
@@ -36888,7 +38021,7 @@
               <a:blipFill>
                 <a:blip r:embed="rId11"/>
                 <a:stretch>
-                  <a:fillRect t="-5357" r="-498" b="-21429"/>
+                  <a:fillRect t="-5455" r="-498" b="-23636"/>
                 </a:stretch>
               </a:blipFill>
             </p:spPr>
@@ -36921,8 +38054,8 @@
         </p:nvSpPr>
         <p:spPr>
           <a:xfrm>
-            <a:off x="551021" y="5059530"/>
-            <a:ext cx="1638300" cy="338554"/>
+            <a:off x="537478" y="5388383"/>
+            <a:ext cx="1225592" cy="338554"/>
           </a:xfrm>
           <a:prstGeom prst="rect">
             <a:avLst/>
@@ -36940,7 +38073,7 @@
                 <a:latin typeface="微软雅黑" panose="020B0503020204020204" pitchFamily="34" charset="-122"/>
                 <a:ea typeface="微软雅黑" panose="020B0503020204020204" pitchFamily="34" charset="-122"/>
               </a:rPr>
-              <a:t>拟合结果：</a:t>
+              <a:t>拟合参数：</a:t>
             </a:r>
           </a:p>
         </p:txBody>
@@ -37156,8 +38289,8 @@
           </a:p>
         </p:txBody>
       </p:sp>
-      <mc:AlternateContent xmlns:mc="http://schemas.openxmlformats.org/markup-compatibility/2006">
-        <mc:Choice xmlns:a14="http://schemas.microsoft.com/office/drawing/2010/main" Requires="a14">
+      <mc:AlternateContent xmlns:mc="http://schemas.openxmlformats.org/markup-compatibility/2006" xmlns:a14="http://schemas.microsoft.com/office/drawing/2010/main">
+        <mc:Choice Requires="a14">
           <p:graphicFrame>
             <p:nvGraphicFramePr>
               <p:cNvPr id="15" name="表格 14">
@@ -38614,7 +39747,7 @@
             </a:graphic>
           </p:graphicFrame>
         </mc:Choice>
-        <mc:Fallback>
+        <mc:Fallback xmlns="">
           <p:graphicFrame>
             <p:nvGraphicFramePr>
               <p:cNvPr id="15" name="表格 14">
@@ -40665,7 +41798,7 @@
         </p:blipFill>
         <p:spPr>
           <a:xfrm>
-            <a:off x="421339" y="2449464"/>
+            <a:off x="377312" y="3359393"/>
             <a:ext cx="5281873" cy="2464461"/>
           </a:xfrm>
           <a:prstGeom prst="rect">
@@ -40687,7 +41820,7 @@
         </p:nvSpPr>
         <p:spPr>
           <a:xfrm>
-            <a:off x="1785070" y="5165266"/>
+            <a:off x="1741043" y="6075195"/>
             <a:ext cx="2554409" cy="338554"/>
           </a:xfrm>
           <a:prstGeom prst="rect">
@@ -41759,7 +42892,7 @@
           <a:graphicData uri="http://schemas.openxmlformats.org/presentationml/2006/ole">
             <mc:AlternateContent xmlns:mc="http://schemas.openxmlformats.org/markup-compatibility/2006">
               <mc:Choice xmlns:v="urn:schemas-microsoft-com:vml" Requires="v">
-                <p:oleObj spid="_x0000_s5581" name="Equation" r:id="rId7" imgW="2489200" imgH="203200" progId="Equation.DSMT4">
+                <p:oleObj spid="_x0000_s5701" name="Equation" r:id="rId7" imgW="2489200" imgH="203200" progId="Equation.DSMT4">
                   <p:embed/>
                 </p:oleObj>
               </mc:Choice>
@@ -41819,20 +42952,20 @@
           <p:nvPr>
             <p:extLst>
               <p:ext uri="{D42A27DB-BD31-4B8C-83A1-F6EECF244321}">
-                <p14:modId xmlns:p14="http://schemas.microsoft.com/office/powerpoint/2010/main" val="3831024133"/>
+                <p14:modId xmlns:p14="http://schemas.microsoft.com/office/powerpoint/2010/main" val="3938775227"/>
               </p:ext>
             </p:extLst>
           </p:nvPr>
         </p:nvGraphicFramePr>
         <p:xfrm>
-          <a:off x="7467847" y="4938316"/>
+          <a:off x="8196000" y="4936374"/>
           <a:ext cx="756595" cy="577064"/>
         </p:xfrm>
         <a:graphic>
           <a:graphicData uri="http://schemas.openxmlformats.org/presentationml/2006/ole">
             <mc:AlternateContent xmlns:mc="http://schemas.openxmlformats.org/markup-compatibility/2006">
               <mc:Choice xmlns:v="urn:schemas-microsoft-com:vml" Requires="v">
-                <p:oleObj spid="_x0000_s5582" name="Equation" r:id="rId9" imgW="558558" imgH="431613" progId="Equation.DSMT4">
+                <p:oleObj spid="_x0000_s5702" name="Equation" r:id="rId9" imgW="558558" imgH="431613" progId="Equation.DSMT4">
                   <p:embed/>
                 </p:oleObj>
               </mc:Choice>
@@ -41862,7 +42995,7 @@
                     </p:blipFill>
                     <p:spPr bwMode="auto">
                       <a:xfrm>
-                        <a:off x="7467847" y="4938316"/>
+                        <a:off x="8196000" y="4936374"/>
                         <a:ext cx="756595" cy="577064"/>
                       </a:xfrm>
                       <a:prstGeom prst="rect">
@@ -41892,20 +43025,20 @@
           <p:nvPr>
             <p:extLst>
               <p:ext uri="{D42A27DB-BD31-4B8C-83A1-F6EECF244321}">
-                <p14:modId xmlns:p14="http://schemas.microsoft.com/office/powerpoint/2010/main" val="3460641297"/>
+                <p14:modId xmlns:p14="http://schemas.microsoft.com/office/powerpoint/2010/main" val="1591070535"/>
               </p:ext>
             </p:extLst>
           </p:nvPr>
         </p:nvGraphicFramePr>
         <p:xfrm>
-          <a:off x="7408969" y="5641771"/>
+          <a:off x="8137122" y="5639829"/>
           <a:ext cx="881657" cy="539522"/>
         </p:xfrm>
         <a:graphic>
           <a:graphicData uri="http://schemas.openxmlformats.org/presentationml/2006/ole">
             <mc:AlternateContent xmlns:mc="http://schemas.openxmlformats.org/markup-compatibility/2006">
               <mc:Choice xmlns:v="urn:schemas-microsoft-com:vml" Requires="v">
-                <p:oleObj spid="_x0000_s5583" name="Equation" r:id="rId11" imgW="634725" imgH="393529" progId="Equation.DSMT4">
+                <p:oleObj spid="_x0000_s5703" name="Equation" r:id="rId11" imgW="634725" imgH="393529" progId="Equation.DSMT4">
                   <p:embed/>
                 </p:oleObj>
               </mc:Choice>
@@ -41935,7 +43068,7 @@
                     </p:blipFill>
                     <p:spPr bwMode="auto">
                       <a:xfrm>
-                        <a:off x="7408969" y="5641771"/>
+                        <a:off x="8137122" y="5639829"/>
                         <a:ext cx="881657" cy="539522"/>
                       </a:xfrm>
                       <a:prstGeom prst="rect">
@@ -41978,7 +43111,7 @@
           <a:graphicData uri="http://schemas.openxmlformats.org/presentationml/2006/ole">
             <mc:AlternateContent xmlns:mc="http://schemas.openxmlformats.org/markup-compatibility/2006">
               <mc:Choice xmlns:v="urn:schemas-microsoft-com:vml" Requires="v">
-                <p:oleObj spid="_x0000_s5584" name="Equation" r:id="rId13" imgW="571252" imgH="431613" progId="Equation.DSMT4">
+                <p:oleObj spid="_x0000_s5704" name="Equation" r:id="rId13" imgW="571252" imgH="431613" progId="Equation.DSMT4">
                   <p:embed/>
                 </p:oleObj>
               </mc:Choice>
@@ -42051,7 +43184,7 @@
           <a:graphicData uri="http://schemas.openxmlformats.org/presentationml/2006/ole">
             <mc:AlternateContent xmlns:mc="http://schemas.openxmlformats.org/markup-compatibility/2006">
               <mc:Choice xmlns:v="urn:schemas-microsoft-com:vml" Requires="v">
-                <p:oleObj spid="_x0000_s5585" name="Equation" r:id="rId15" imgW="660113" imgH="393529" progId="Equation.DSMT4">
+                <p:oleObj spid="_x0000_s5705" name="Equation" r:id="rId15" imgW="660113" imgH="393529" progId="Equation.DSMT4">
                   <p:embed/>
                 </p:oleObj>
               </mc:Choice>
@@ -42096,6 +43229,146 @@
           </a:graphicData>
         </a:graphic>
       </p:graphicFrame>
+      <p:sp>
+        <p:nvSpPr>
+          <p:cNvPr id="33" name="文本框 32">
+            <a:extLst>
+              <a:ext uri="{FF2B5EF4-FFF2-40B4-BE49-F238E27FC236}">
+                <a16:creationId xmlns:a16="http://schemas.microsoft.com/office/drawing/2014/main" id="{E0D20366-9F60-473D-86A1-FC0B17AE976E}"/>
+              </a:ext>
+            </a:extLst>
+          </p:cNvPr>
+          <p:cNvSpPr txBox="1"/>
+          <p:nvPr/>
+        </p:nvSpPr>
+        <p:spPr>
+          <a:xfrm>
+            <a:off x="6387070" y="4876777"/>
+            <a:ext cx="1725617" cy="584775"/>
+          </a:xfrm>
+          <a:prstGeom prst="rect">
+            <a:avLst/>
+          </a:prstGeom>
+          <a:noFill/>
+        </p:spPr>
+        <p:txBody>
+          <a:bodyPr wrap="square" rtlCol="0">
+            <a:spAutoFit/>
+          </a:bodyPr>
+          <a:lstStyle/>
+          <a:p>
+            <a:r>
+              <a:rPr lang="zh-CN" altLang="en-US" sz="1600" dirty="0">
+                <a:latin typeface="微软雅黑" panose="020B0503020204020204" pitchFamily="34" charset="-122"/>
+                <a:ea typeface="微软雅黑" panose="020B0503020204020204" pitchFamily="34" charset="-122"/>
+              </a:rPr>
+              <a:t>拟合系数与辨识参数对应相等</a:t>
+            </a:r>
+          </a:p>
+        </p:txBody>
+      </p:sp>
+      <p:sp>
+        <p:nvSpPr>
+          <p:cNvPr id="34" name="矩形: 圆角 33">
+            <a:extLst>
+              <a:ext uri="{FF2B5EF4-FFF2-40B4-BE49-F238E27FC236}">
+                <a16:creationId xmlns:a16="http://schemas.microsoft.com/office/drawing/2014/main" id="{574958D3-A334-4B71-A649-7C42BA70E833}"/>
+              </a:ext>
+            </a:extLst>
+          </p:cNvPr>
+          <p:cNvSpPr/>
+          <p:nvPr/>
+        </p:nvSpPr>
+        <p:spPr>
+          <a:xfrm>
+            <a:off x="1817484" y="2270183"/>
+            <a:ext cx="2204301" cy="583411"/>
+          </a:xfrm>
+          <a:prstGeom prst="roundRect">
+            <a:avLst/>
+          </a:prstGeom>
+          <a:solidFill>
+            <a:schemeClr val="accent6">
+              <a:lumMod val="40000"/>
+              <a:lumOff val="60000"/>
+            </a:schemeClr>
+          </a:solidFill>
+        </p:spPr>
+        <p:style>
+          <a:lnRef idx="2">
+            <a:schemeClr val="accent1">
+              <a:shade val="50000"/>
+            </a:schemeClr>
+          </a:lnRef>
+          <a:fillRef idx="1">
+            <a:schemeClr val="accent1"/>
+          </a:fillRef>
+          <a:effectRef idx="0">
+            <a:schemeClr val="accent1"/>
+          </a:effectRef>
+          <a:fontRef idx="minor">
+            <a:schemeClr val="lt1"/>
+          </a:fontRef>
+        </p:style>
+        <p:txBody>
+          <a:bodyPr rtlCol="0" anchor="ctr"/>
+          <a:lstStyle/>
+          <a:p>
+            <a:pPr algn="ctr"/>
+            <a:endParaRPr lang="zh-CN" altLang="en-US"/>
+          </a:p>
+        </p:txBody>
+      </p:sp>
+      <p:sp>
+        <p:nvSpPr>
+          <p:cNvPr id="35" name="文本框 34">
+            <a:extLst>
+              <a:ext uri="{FF2B5EF4-FFF2-40B4-BE49-F238E27FC236}">
+                <a16:creationId xmlns:a16="http://schemas.microsoft.com/office/drawing/2014/main" id="{C23D3051-CAD0-4D5E-8AD8-95F2DEE3BA50}"/>
+              </a:ext>
+            </a:extLst>
+          </p:cNvPr>
+          <p:cNvSpPr txBox="1"/>
+          <p:nvPr/>
+        </p:nvSpPr>
+        <p:spPr>
+          <a:xfrm>
+            <a:off x="1994945" y="2331087"/>
+            <a:ext cx="2046603" cy="418191"/>
+          </a:xfrm>
+          <a:prstGeom prst="rect">
+            <a:avLst/>
+          </a:prstGeom>
+          <a:noFill/>
+        </p:spPr>
+        <p:txBody>
+          <a:bodyPr wrap="square" rtlCol="0">
+            <a:spAutoFit/>
+          </a:bodyPr>
+          <a:lstStyle/>
+          <a:p>
+            <a:pPr>
+              <a:lnSpc>
+                <a:spcPct val="150000"/>
+              </a:lnSpc>
+              <a:buClr>
+                <a:schemeClr val="tx1"/>
+              </a:buClr>
+            </a:pPr>
+            <a:r>
+              <a:rPr lang="zh-CN" altLang="en-US" sz="1600" dirty="0">
+                <a:latin typeface="微软雅黑" panose="020B0503020204020204" pitchFamily="34" charset="-122"/>
+                <a:ea typeface="微软雅黑" panose="020B0503020204020204" pitchFamily="34" charset="-122"/>
+              </a:rPr>
+              <a:t>电池内阻参数辨识</a:t>
+            </a:r>
+            <a:endParaRPr lang="en-US" altLang="zh-CN" sz="1600" dirty="0">
+              <a:latin typeface="微软雅黑" panose="020B0503020204020204" pitchFamily="34" charset="-122"/>
+              <a:ea typeface="微软雅黑" panose="020B0503020204020204" pitchFamily="34" charset="-122"/>
+            </a:endParaRPr>
+          </a:p>
+        </p:txBody>
+      </p:sp>
     </p:spTree>
     <p:extLst>
       <p:ext uri="{BB962C8B-B14F-4D97-AF65-F5344CB8AC3E}">
@@ -42960,7 +44233,7 @@
           <a:graphicData uri="http://schemas.openxmlformats.org/presentationml/2006/ole">
             <mc:AlternateContent xmlns:mc="http://schemas.openxmlformats.org/markup-compatibility/2006">
               <mc:Choice xmlns:v="urn:schemas-microsoft-com:vml" Requires="v">
-                <p:oleObj spid="_x0000_s6885" name="Equation" r:id="rId4" imgW="672516" imgH="177646" progId="Equation.DSMT4">
+                <p:oleObj spid="_x0000_s7101" name="Equation" r:id="rId4" imgW="672516" imgH="177646" progId="Equation.DSMT4">
                   <p:embed/>
                 </p:oleObj>
               </mc:Choice>
@@ -43140,7 +44413,7 @@
           <a:graphicData uri="http://schemas.openxmlformats.org/presentationml/2006/ole">
             <mc:AlternateContent xmlns:mc="http://schemas.openxmlformats.org/markup-compatibility/2006">
               <mc:Choice xmlns:v="urn:schemas-microsoft-com:vml" Requires="v">
-                <p:oleObj spid="_x0000_s6886" name="Equation" r:id="rId6" imgW="888614" imgH="241195" progId="Equation.DSMT4">
+                <p:oleObj spid="_x0000_s7102" name="Equation" r:id="rId6" imgW="888614" imgH="241195" progId="Equation.DSMT4">
                   <p:embed/>
                 </p:oleObj>
               </mc:Choice>
@@ -43265,7 +44538,7 @@
           <a:graphicData uri="http://schemas.openxmlformats.org/presentationml/2006/ole">
             <mc:AlternateContent xmlns:mc="http://schemas.openxmlformats.org/markup-compatibility/2006">
               <mc:Choice xmlns:v="urn:schemas-microsoft-com:vml" Requires="v">
-                <p:oleObj spid="_x0000_s6887" name="Equation" r:id="rId8" imgW="736280" imgH="393529" progId="Equation.DSMT4">
+                <p:oleObj spid="_x0000_s7103" name="Equation" r:id="rId8" imgW="736280" imgH="393529" progId="Equation.DSMT4">
                   <p:embed/>
                 </p:oleObj>
               </mc:Choice>
@@ -43376,7 +44649,7 @@
           <a:graphicData uri="http://schemas.openxmlformats.org/presentationml/2006/ole">
             <mc:AlternateContent xmlns:mc="http://schemas.openxmlformats.org/markup-compatibility/2006">
               <mc:Choice xmlns:v="urn:schemas-microsoft-com:vml" Requires="v">
-                <p:oleObj spid="_x0000_s6888" name="Equation" r:id="rId10" imgW="736560" imgH="203040" progId="Equation.DSMT4">
+                <p:oleObj spid="_x0000_s7104" name="Equation" r:id="rId10" imgW="736560" imgH="203040" progId="Equation.DSMT4">
                   <p:embed/>
                 </p:oleObj>
               </mc:Choice>
@@ -43481,7 +44754,7 @@
           <a:graphicData uri="http://schemas.openxmlformats.org/presentationml/2006/ole">
             <mc:AlternateContent xmlns:mc="http://schemas.openxmlformats.org/markup-compatibility/2006">
               <mc:Choice xmlns:v="urn:schemas-microsoft-com:vml" Requires="v">
-                <p:oleObj spid="_x0000_s6889" name="Equation" r:id="rId12" imgW="748975" imgH="393529" progId="Equation.DSMT4">
+                <p:oleObj spid="_x0000_s7105" name="Equation" r:id="rId12" imgW="748975" imgH="393529" progId="Equation.DSMT4">
                   <p:embed/>
                 </p:oleObj>
               </mc:Choice>
@@ -43592,7 +44865,7 @@
           <a:graphicData uri="http://schemas.openxmlformats.org/presentationml/2006/ole">
             <mc:AlternateContent xmlns:mc="http://schemas.openxmlformats.org/markup-compatibility/2006">
               <mc:Choice xmlns:v="urn:schemas-microsoft-com:vml" Requires="v">
-                <p:oleObj spid="_x0000_s6890" name="Equation" r:id="rId14" imgW="1396394" imgH="393529" progId="Equation.DSMT4">
+                <p:oleObj spid="_x0000_s7106" name="Equation" r:id="rId14" imgW="1396394" imgH="393529" progId="Equation.DSMT4">
                   <p:embed/>
                 </p:oleObj>
               </mc:Choice>
@@ -43762,7 +45035,7 @@
           <a:graphicData uri="http://schemas.openxmlformats.org/presentationml/2006/ole">
             <mc:AlternateContent xmlns:mc="http://schemas.openxmlformats.org/markup-compatibility/2006">
               <mc:Choice xmlns:v="urn:schemas-microsoft-com:vml" Requires="v">
-                <p:oleObj spid="_x0000_s6891" name="Equation" r:id="rId16" imgW="2031840" imgH="253800" progId="Equation.DSMT4">
+                <p:oleObj spid="_x0000_s7107" name="Equation" r:id="rId16" imgW="2031840" imgH="253800" progId="Equation.DSMT4">
                   <p:embed/>
                 </p:oleObj>
               </mc:Choice>
@@ -44061,7 +45334,7 @@
           <a:graphicData uri="http://schemas.openxmlformats.org/presentationml/2006/ole">
             <mc:AlternateContent xmlns:mc="http://schemas.openxmlformats.org/markup-compatibility/2006">
               <mc:Choice xmlns:v="urn:schemas-microsoft-com:vml" Requires="v">
-                <p:oleObj spid="_x0000_s6892" name="Equation" r:id="rId18" imgW="1130300" imgH="228600" progId="Equation.DSMT4">
+                <p:oleObj spid="_x0000_s7108" name="Equation" r:id="rId18" imgW="1130300" imgH="228600" progId="Equation.DSMT4">
                   <p:embed/>
                 </p:oleObj>
               </mc:Choice>
@@ -44134,7 +45407,7 @@
           <a:graphicData uri="http://schemas.openxmlformats.org/presentationml/2006/ole">
             <mc:AlternateContent xmlns:mc="http://schemas.openxmlformats.org/markup-compatibility/2006">
               <mc:Choice xmlns:v="urn:schemas-microsoft-com:vml" Requires="v">
-                <p:oleObj spid="_x0000_s6893" name="Equation" r:id="rId20" imgW="3365500" imgH="431800" progId="Equation.DSMT4">
+                <p:oleObj spid="_x0000_s7109" name="Equation" r:id="rId20" imgW="3365500" imgH="431800" progId="Equation.DSMT4">
                   <p:embed/>
                 </p:oleObj>
               </mc:Choice>
@@ -44269,8 +45542,8 @@
           </a:p>
         </p:txBody>
       </p:sp>
-      <mc:AlternateContent xmlns:mc="http://schemas.openxmlformats.org/markup-compatibility/2006">
-        <mc:Choice xmlns:a14="http://schemas.microsoft.com/office/drawing/2010/main" Requires="a14">
+      <mc:AlternateContent xmlns:mc="http://schemas.openxmlformats.org/markup-compatibility/2006" xmlns:a14="http://schemas.microsoft.com/office/drawing/2010/main">
+        <mc:Choice Requires="a14">
           <p:sp>
             <p:nvSpPr>
               <p:cNvPr id="73" name="文本框 72">
@@ -44339,7 +45612,7 @@
             </p:txBody>
           </p:sp>
         </mc:Choice>
-        <mc:Fallback>
+        <mc:Fallback xmlns="">
           <p:sp>
             <p:nvSpPr>
               <p:cNvPr id="73" name="文本框 72">
@@ -44690,4 +45963,299 @@
     </a:ext>
   </a:extLst>
 </a:theme>
+</file>
+
+<file path=ppt/theme/theme2.xml><?xml version="1.0" encoding="utf-8"?>
+<a:theme xmlns:a="http://schemas.openxmlformats.org/drawingml/2006/main" name="Office 主题​​">
+  <a:themeElements>
+    <a:clrScheme name="Office">
+      <a:dk1>
+        <a:sysClr val="windowText" lastClr="000000"/>
+      </a:dk1>
+      <a:lt1>
+        <a:sysClr val="window" lastClr="FFFFFF"/>
+      </a:lt1>
+      <a:dk2>
+        <a:srgbClr val="44546A"/>
+      </a:dk2>
+      <a:lt2>
+        <a:srgbClr val="E7E6E6"/>
+      </a:lt2>
+      <a:accent1>
+        <a:srgbClr val="4472C4"/>
+      </a:accent1>
+      <a:accent2>
+        <a:srgbClr val="ED7D31"/>
+      </a:accent2>
+      <a:accent3>
+        <a:srgbClr val="A5A5A5"/>
+      </a:accent3>
+      <a:accent4>
+        <a:srgbClr val="FFC000"/>
+      </a:accent4>
+      <a:accent5>
+        <a:srgbClr val="5B9BD5"/>
+      </a:accent5>
+      <a:accent6>
+        <a:srgbClr val="70AD47"/>
+      </a:accent6>
+      <a:hlink>
+        <a:srgbClr val="0563C1"/>
+      </a:hlink>
+      <a:folHlink>
+        <a:srgbClr val="954F72"/>
+      </a:folHlink>
+    </a:clrScheme>
+    <a:fontScheme name="Office">
+      <a:majorFont>
+        <a:latin typeface="等线 Light" panose="020F0302020204030204"/>
+        <a:ea typeface=""/>
+        <a:cs typeface=""/>
+        <a:font script="Jpan" typeface="游ゴシック Light"/>
+        <a:font script="Hang" typeface="맑은 고딕"/>
+        <a:font script="Hans" typeface="等线 Light"/>
+        <a:font script="Hant" typeface="新細明體"/>
+        <a:font script="Arab" typeface="Times New Roman"/>
+        <a:font script="Hebr" typeface="Times New Roman"/>
+        <a:font script="Thai" typeface="Angsana New"/>
+        <a:font script="Ethi" typeface="Nyala"/>
+        <a:font script="Beng" typeface="Vrinda"/>
+        <a:font script="Gujr" typeface="Shruti"/>
+        <a:font script="Khmr" typeface="MoolBoran"/>
+        <a:font script="Knda" typeface="Tunga"/>
+        <a:font script="Guru" typeface="Raavi"/>
+        <a:font script="Cans" typeface="Euphemia"/>
+        <a:font script="Cher" typeface="Plantagenet Cherokee"/>
+        <a:font script="Yiii" typeface="Microsoft Yi Baiti"/>
+        <a:font script="Tibt" typeface="Microsoft Himalaya"/>
+        <a:font script="Thaa" typeface="MV Boli"/>
+        <a:font script="Deva" typeface="Mangal"/>
+        <a:font script="Telu" typeface="Gautami"/>
+        <a:font script="Taml" typeface="Latha"/>
+        <a:font script="Syrc" typeface="Estrangelo Edessa"/>
+        <a:font script="Orya" typeface="Kalinga"/>
+        <a:font script="Mlym" typeface="Kartika"/>
+        <a:font script="Laoo" typeface="DokChampa"/>
+        <a:font script="Sinh" typeface="Iskoola Pota"/>
+        <a:font script="Mong" typeface="Mongolian Baiti"/>
+        <a:font script="Viet" typeface="Times New Roman"/>
+        <a:font script="Uigh" typeface="Microsoft Uighur"/>
+        <a:font script="Geor" typeface="Sylfaen"/>
+        <a:font script="Armn" typeface="Arial"/>
+        <a:font script="Bugi" typeface="Leelawadee UI"/>
+        <a:font script="Bopo" typeface="Microsoft JhengHei"/>
+        <a:font script="Java" typeface="Javanese Text"/>
+        <a:font script="Lisu" typeface="Segoe UI"/>
+        <a:font script="Mymr" typeface="Myanmar Text"/>
+        <a:font script="Nkoo" typeface="Ebrima"/>
+        <a:font script="Olck" typeface="Nirmala UI"/>
+        <a:font script="Osma" typeface="Ebrima"/>
+        <a:font script="Phag" typeface="Phagspa"/>
+        <a:font script="Syrn" typeface="Estrangelo Edessa"/>
+        <a:font script="Syrj" typeface="Estrangelo Edessa"/>
+        <a:font script="Syre" typeface="Estrangelo Edessa"/>
+        <a:font script="Sora" typeface="Nirmala UI"/>
+        <a:font script="Tale" typeface="Microsoft Tai Le"/>
+        <a:font script="Talu" typeface="Microsoft New Tai Lue"/>
+        <a:font script="Tfng" typeface="Ebrima"/>
+      </a:majorFont>
+      <a:minorFont>
+        <a:latin typeface="等线" panose="020F0502020204030204"/>
+        <a:ea typeface=""/>
+        <a:cs typeface=""/>
+        <a:font script="Jpan" typeface="游ゴシック"/>
+        <a:font script="Hang" typeface="맑은 고딕"/>
+        <a:font script="Hans" typeface="等线"/>
+        <a:font script="Hant" typeface="新細明體"/>
+        <a:font script="Arab" typeface="Arial"/>
+        <a:font script="Hebr" typeface="Arial"/>
+        <a:font script="Thai" typeface="Cordia New"/>
+        <a:font script="Ethi" typeface="Nyala"/>
+        <a:font script="Beng" typeface="Vrinda"/>
+        <a:font script="Gujr" typeface="Shruti"/>
+        <a:font script="Khmr" typeface="DaunPenh"/>
+        <a:font script="Knda" typeface="Tunga"/>
+        <a:font script="Guru" typeface="Raavi"/>
+        <a:font script="Cans" typeface="Euphemia"/>
+        <a:font script="Cher" typeface="Plantagenet Cherokee"/>
+        <a:font script="Yiii" typeface="Microsoft Yi Baiti"/>
+        <a:font script="Tibt" typeface="Microsoft Himalaya"/>
+        <a:font script="Thaa" typeface="MV Boli"/>
+        <a:font script="Deva" typeface="Mangal"/>
+        <a:font script="Telu" typeface="Gautami"/>
+        <a:font script="Taml" typeface="Latha"/>
+        <a:font script="Syrc" typeface="Estrangelo Edessa"/>
+        <a:font script="Orya" typeface="Kalinga"/>
+        <a:font script="Mlym" typeface="Kartika"/>
+        <a:font script="Laoo" typeface="DokChampa"/>
+        <a:font script="Sinh" typeface="Iskoola Pota"/>
+        <a:font script="Mong" typeface="Mongolian Baiti"/>
+        <a:font script="Viet" typeface="Arial"/>
+        <a:font script="Uigh" typeface="Microsoft Uighur"/>
+        <a:font script="Geor" typeface="Sylfaen"/>
+        <a:font script="Armn" typeface="Arial"/>
+        <a:font script="Bugi" typeface="Leelawadee UI"/>
+        <a:font script="Bopo" typeface="Microsoft JhengHei"/>
+        <a:font script="Java" typeface="Javanese Text"/>
+        <a:font script="Lisu" typeface="Segoe UI"/>
+        <a:font script="Mymr" typeface="Myanmar Text"/>
+        <a:font script="Nkoo" typeface="Ebrima"/>
+        <a:font script="Olck" typeface="Nirmala UI"/>
+        <a:font script="Osma" typeface="Ebrima"/>
+        <a:font script="Phag" typeface="Phagspa"/>
+        <a:font script="Syrn" typeface="Estrangelo Edessa"/>
+        <a:font script="Syrj" typeface="Estrangelo Edessa"/>
+        <a:font script="Syre" typeface="Estrangelo Edessa"/>
+        <a:font script="Sora" typeface="Nirmala UI"/>
+        <a:font script="Tale" typeface="Microsoft Tai Le"/>
+        <a:font script="Talu" typeface="Microsoft New Tai Lue"/>
+        <a:font script="Tfng" typeface="Ebrima"/>
+      </a:minorFont>
+    </a:fontScheme>
+    <a:fmtScheme name="Office">
+      <a:fillStyleLst>
+        <a:solidFill>
+          <a:schemeClr val="phClr"/>
+        </a:solidFill>
+        <a:gradFill rotWithShape="1">
+          <a:gsLst>
+            <a:gs pos="0">
+              <a:schemeClr val="phClr">
+                <a:lumMod val="110000"/>
+                <a:satMod val="105000"/>
+                <a:tint val="67000"/>
+              </a:schemeClr>
+            </a:gs>
+            <a:gs pos="50000">
+              <a:schemeClr val="phClr">
+                <a:lumMod val="105000"/>
+                <a:satMod val="103000"/>
+                <a:tint val="73000"/>
+              </a:schemeClr>
+            </a:gs>
+            <a:gs pos="100000">
+              <a:schemeClr val="phClr">
+                <a:lumMod val="105000"/>
+                <a:satMod val="109000"/>
+                <a:tint val="81000"/>
+              </a:schemeClr>
+            </a:gs>
+          </a:gsLst>
+          <a:lin ang="5400000" scaled="0"/>
+        </a:gradFill>
+        <a:gradFill rotWithShape="1">
+          <a:gsLst>
+            <a:gs pos="0">
+              <a:schemeClr val="phClr">
+                <a:satMod val="103000"/>
+                <a:lumMod val="102000"/>
+                <a:tint val="94000"/>
+              </a:schemeClr>
+            </a:gs>
+            <a:gs pos="50000">
+              <a:schemeClr val="phClr">
+                <a:satMod val="110000"/>
+                <a:lumMod val="100000"/>
+                <a:shade val="100000"/>
+              </a:schemeClr>
+            </a:gs>
+            <a:gs pos="100000">
+              <a:schemeClr val="phClr">
+                <a:lumMod val="99000"/>
+                <a:satMod val="120000"/>
+                <a:shade val="78000"/>
+              </a:schemeClr>
+            </a:gs>
+          </a:gsLst>
+          <a:lin ang="5400000" scaled="0"/>
+        </a:gradFill>
+      </a:fillStyleLst>
+      <a:lnStyleLst>
+        <a:ln w="6350" cap="flat" cmpd="sng" algn="ctr">
+          <a:solidFill>
+            <a:schemeClr val="phClr"/>
+          </a:solidFill>
+          <a:prstDash val="solid"/>
+          <a:miter lim="800000"/>
+        </a:ln>
+        <a:ln w="12700" cap="flat" cmpd="sng" algn="ctr">
+          <a:solidFill>
+            <a:schemeClr val="phClr"/>
+          </a:solidFill>
+          <a:prstDash val="solid"/>
+          <a:miter lim="800000"/>
+        </a:ln>
+        <a:ln w="19050" cap="flat" cmpd="sng" algn="ctr">
+          <a:solidFill>
+            <a:schemeClr val="phClr"/>
+          </a:solidFill>
+          <a:prstDash val="solid"/>
+          <a:miter lim="800000"/>
+        </a:ln>
+      </a:lnStyleLst>
+      <a:effectStyleLst>
+        <a:effectStyle>
+          <a:effectLst/>
+        </a:effectStyle>
+        <a:effectStyle>
+          <a:effectLst/>
+        </a:effectStyle>
+        <a:effectStyle>
+          <a:effectLst>
+            <a:outerShdw blurRad="57150" dist="19050" dir="5400000" algn="ctr" rotWithShape="0">
+              <a:srgbClr val="000000">
+                <a:alpha val="63000"/>
+              </a:srgbClr>
+            </a:outerShdw>
+          </a:effectLst>
+        </a:effectStyle>
+      </a:effectStyleLst>
+      <a:bgFillStyleLst>
+        <a:solidFill>
+          <a:schemeClr val="phClr"/>
+        </a:solidFill>
+        <a:solidFill>
+          <a:schemeClr val="phClr">
+            <a:tint val="95000"/>
+            <a:satMod val="170000"/>
+          </a:schemeClr>
+        </a:solidFill>
+        <a:gradFill rotWithShape="1">
+          <a:gsLst>
+            <a:gs pos="0">
+              <a:schemeClr val="phClr">
+                <a:tint val="93000"/>
+                <a:satMod val="150000"/>
+                <a:shade val="98000"/>
+                <a:lumMod val="102000"/>
+              </a:schemeClr>
+            </a:gs>
+            <a:gs pos="50000">
+              <a:schemeClr val="phClr">
+                <a:tint val="98000"/>
+                <a:satMod val="130000"/>
+                <a:shade val="90000"/>
+                <a:lumMod val="103000"/>
+              </a:schemeClr>
+            </a:gs>
+            <a:gs pos="100000">
+              <a:schemeClr val="phClr">
+                <a:shade val="63000"/>
+                <a:satMod val="120000"/>
+              </a:schemeClr>
+            </a:gs>
+          </a:gsLst>
+          <a:lin ang="5400000" scaled="0"/>
+        </a:gradFill>
+      </a:bgFillStyleLst>
+    </a:fmtScheme>
+  </a:themeElements>
+  <a:objectDefaults/>
+  <a:extraClrSchemeLst/>
+  <a:extLst>
+    <a:ext uri="{05A4C25C-085E-4340-85A3-A5531E510DB2}">
+      <thm15:themeFamily xmlns:thm15="http://schemas.microsoft.com/office/thememl/2012/main" name="Office Theme" id="{62F939B6-93AF-4DB8-9C6B-D6C7DFDC589F}" vid="{4A3C46E8-61CC-4603-A589-7422A47A8E4A}"/>
+    </a:ext>
+  </a:extLst>
+</a:theme>
 </file>